--- a/Dokumente/Präsentationen/Zwischenpräsentation.pptx
+++ b/Dokumente/Präsentationen/Zwischenpräsentation.pptx
@@ -5,17 +5,18 @@
     <p:sldMasterId id="2147483773" r:id="rId1"/>
   </p:sldMasterIdLst>
   <p:notesMasterIdLst>
-    <p:notesMasterId r:id="rId7"/>
+    <p:notesMasterId r:id="rId8"/>
   </p:notesMasterIdLst>
   <p:handoutMasterIdLst>
-    <p:handoutMasterId r:id="rId8"/>
+    <p:handoutMasterId r:id="rId9"/>
   </p:handoutMasterIdLst>
   <p:sldIdLst>
     <p:sldId id="676" r:id="rId2"/>
-    <p:sldId id="677" r:id="rId3"/>
-    <p:sldId id="678" r:id="rId4"/>
-    <p:sldId id="680" r:id="rId5"/>
-    <p:sldId id="679" r:id="rId6"/>
+    <p:sldId id="678" r:id="rId3"/>
+    <p:sldId id="680" r:id="rId4"/>
+    <p:sldId id="683" r:id="rId5"/>
+    <p:sldId id="682" r:id="rId6"/>
+    <p:sldId id="679" r:id="rId7"/>
   </p:sldIdLst>
   <p:sldSz cx="9144000" cy="6858000" type="screen4x3"/>
   <p:notesSz cx="6797675" cy="9926638"/>
@@ -186,7 +187,7 @@
   </p:defaultTextStyle>
   <p:extLst>
     <p:ext uri="{EFAFB233-063F-42B5-8137-9DF3F51BA10A}">
-      <p15:sldGuideLst xmlns:p15="http://schemas.microsoft.com/office/powerpoint/2012/main" xmlns="">
+      <p15:sldGuideLst xmlns="" xmlns:p15="http://schemas.microsoft.com/office/powerpoint/2012/main">
         <p15:guide id="1" orient="horz" pos="4319">
           <p15:clr>
             <a:srgbClr val="A4A3A4"/>
@@ -200,7 +201,7 @@
       </p15:sldGuideLst>
     </p:ext>
     <p:ext uri="{2D200454-40CA-4A62-9FC3-DE9A4176ACB9}">
-      <p15:notesGuideLst xmlns:p15="http://schemas.microsoft.com/office/powerpoint/2012/main" xmlns="">
+      <p15:notesGuideLst xmlns="" xmlns:p15="http://schemas.microsoft.com/office/powerpoint/2012/main">
         <p15:guide id="1" orient="horz" pos="2874">
           <p15:clr>
             <a:srgbClr val="A4A3A4"/>
@@ -2303,6 +2304,164 @@
 </p:notes>
 </file>
 
+<file path=ppt/notesSlides/notesSlide2.xml><?xml version="1.0" encoding="utf-8"?>
+<p:notes xmlns:a="http://schemas.openxmlformats.org/drawingml/2006/main" xmlns:r="http://schemas.openxmlformats.org/officeDocument/2006/relationships" xmlns:p="http://schemas.openxmlformats.org/presentationml/2006/main">
+  <p:cSld>
+    <p:spTree>
+      <p:nvGrpSpPr>
+        <p:cNvPr id="1" name=""/>
+        <p:cNvGrpSpPr/>
+        <p:nvPr/>
+      </p:nvGrpSpPr>
+      <p:grpSpPr>
+        <a:xfrm>
+          <a:off x="0" y="0"/>
+          <a:ext cx="0" cy="0"/>
+          <a:chOff x="0" y="0"/>
+          <a:chExt cx="0" cy="0"/>
+        </a:xfrm>
+      </p:grpSpPr>
+      <p:sp>
+        <p:nvSpPr>
+          <p:cNvPr id="2" name="Folienbildplatzhalter 1"/>
+          <p:cNvSpPr>
+            <a:spLocks noGrp="1" noRot="1" noChangeAspect="1"/>
+          </p:cNvSpPr>
+          <p:nvPr>
+            <p:ph type="sldImg"/>
+          </p:nvPr>
+        </p:nvSpPr>
+        <p:spPr/>
+      </p:sp>
+      <p:sp>
+        <p:nvSpPr>
+          <p:cNvPr id="3" name="Notizenplatzhalter 2"/>
+          <p:cNvSpPr>
+            <a:spLocks noGrp="1"/>
+          </p:cNvSpPr>
+          <p:nvPr>
+            <p:ph type="body" idx="1"/>
+          </p:nvPr>
+        </p:nvSpPr>
+        <p:spPr/>
+        <p:txBody>
+          <a:bodyPr/>
+          <a:lstStyle/>
+          <a:p>
+            <a:r>
+              <a:rPr lang="de-DE" dirty="0" smtClean="0"/>
+              <a:t>Rundung als Edge erkannt und großer Kasten drum herum, dies zwar mit </a:t>
+            </a:r>
+            <a:r>
+              <a:rPr lang="de-DE" dirty="0" err="1" smtClean="0"/>
+              <a:t>Polygomen</a:t>
+            </a:r>
+            <a:r>
+              <a:rPr lang="de-DE" dirty="0" smtClean="0"/>
+              <a:t> gefüllt, aber zu groß und nicht nutzbar</a:t>
+            </a:r>
+            <a:endParaRPr lang="de-DE" dirty="0"/>
+          </a:p>
+        </p:txBody>
+      </p:sp>
+      <p:sp>
+        <p:nvSpPr>
+          <p:cNvPr id="4" name="Datumsplatzhalter 3"/>
+          <p:cNvSpPr>
+            <a:spLocks noGrp="1"/>
+          </p:cNvSpPr>
+          <p:nvPr>
+            <p:ph type="dt" idx="10"/>
+          </p:nvPr>
+        </p:nvSpPr>
+        <p:spPr/>
+        <p:txBody>
+          <a:bodyPr/>
+          <a:lstStyle/>
+          <a:p>
+            <a:pPr>
+              <a:defRPr/>
+            </a:pPr>
+            <a:r>
+              <a:rPr lang="en-GB" smtClean="0"/>
+              <a:t>November 19, 2007</a:t>
+            </a:r>
+            <a:endParaRPr lang="en-GB"/>
+          </a:p>
+        </p:txBody>
+      </p:sp>
+      <p:sp>
+        <p:nvSpPr>
+          <p:cNvPr id="5" name="Fußzeilenplatzhalter 4"/>
+          <p:cNvSpPr>
+            <a:spLocks noGrp="1"/>
+          </p:cNvSpPr>
+          <p:nvPr>
+            <p:ph type="ftr" idx="11"/>
+          </p:nvPr>
+        </p:nvSpPr>
+        <p:spPr/>
+        <p:txBody>
+          <a:bodyPr/>
+          <a:lstStyle/>
+          <a:p>
+            <a:pPr>
+              <a:defRPr/>
+            </a:pPr>
+            <a:r>
+              <a:rPr lang="en-GB" smtClean="0"/>
+              <a:t>|  </a:t>
+            </a:r>
+            <a:endParaRPr lang="en-GB"/>
+          </a:p>
+        </p:txBody>
+      </p:sp>
+      <p:sp>
+        <p:nvSpPr>
+          <p:cNvPr id="6" name="Foliennummernplatzhalter 5"/>
+          <p:cNvSpPr>
+            <a:spLocks noGrp="1"/>
+          </p:cNvSpPr>
+          <p:nvPr>
+            <p:ph type="sldNum" idx="12"/>
+          </p:nvPr>
+        </p:nvSpPr>
+        <p:spPr/>
+        <p:txBody>
+          <a:bodyPr/>
+          <a:lstStyle/>
+          <a:p>
+            <a:pPr>
+              <a:defRPr/>
+            </a:pPr>
+            <a:r>
+              <a:rPr lang="en-GB" smtClean="0"/>
+              <a:t>|  </a:t>
+            </a:r>
+            <a:fld id="{92C156F3-6C7D-4C62-B24F-CEC351458306}" type="slidenum">
+              <a:rPr lang="en-GB" smtClean="0"/>
+              <a:pPr>
+                <a:defRPr/>
+              </a:pPr>
+              <a:t>4</a:t>
+            </a:fld>
+            <a:endParaRPr lang="en-GB"/>
+          </a:p>
+        </p:txBody>
+      </p:sp>
+    </p:spTree>
+    <p:extLst>
+      <p:ext uri="{BB962C8B-B14F-4D97-AF65-F5344CB8AC3E}">
+        <p14:creationId xmlns:p14="http://schemas.microsoft.com/office/powerpoint/2010/main" val="2731160873"/>
+      </p:ext>
+    </p:extLst>
+  </p:cSld>
+  <p:clrMapOvr>
+    <a:masterClrMapping/>
+  </p:clrMapOvr>
+</p:notes>
+</file>
+
 <file path=ppt/slideLayouts/slideLayout1.xml><?xml version="1.0" encoding="utf-8"?>
 <p:sldLayout xmlns:a="http://schemas.openxmlformats.org/drawingml/2006/main" xmlns:r="http://schemas.openxmlformats.org/officeDocument/2006/relationships" xmlns:p="http://schemas.openxmlformats.org/presentationml/2006/main" showMasterSp="0" preserve="1" userDrawn="1">
   <p:cSld name="Titelfolie">
@@ -7374,10 +7533,10 @@
                 <a:ea typeface="+mn-ea"/>
                 <a:cs typeface="+mn-cs"/>
               </a:rPr>
-              <a:t> | </a:t>
-            </a:r>
-            <a:r>
-              <a:rPr kumimoji="0" lang="en-US" sz="1100" b="0" i="0" u="none" strike="noStrike" kern="1200" cap="none" spc="0" normalizeH="0" baseline="0" noProof="0" dirty="0" smtClean="0">
+              <a:t> | AUDO | Real-Time Systems Lab |</a:t>
+            </a:r>
+            <a:fld id="{BBFDBE89-DF68-4EB3-970E-3FE4F30E0496}" type="datetime4">
+              <a:rPr kumimoji="0" lang="de-DE" sz="1100" b="0" i="0" u="none" strike="noStrike" kern="1200" cap="none" spc="0" normalizeH="0" baseline="0" noProof="0" smtClean="0">
                 <a:ln>
                   <a:noFill/>
                 </a:ln>
@@ -7391,58 +7550,7 @@
                 <a:ea typeface="+mn-ea"/>
                 <a:cs typeface="+mn-cs"/>
               </a:rPr>
-              <a:t>AUDO | </a:t>
-            </a:r>
-            <a:r>
-              <a:rPr kumimoji="0" lang="en-US" sz="1100" b="0" i="0" u="none" strike="noStrike" kern="1200" cap="none" spc="0" normalizeH="0" baseline="0" noProof="0" dirty="0" smtClean="0">
-                <a:ln>
-                  <a:noFill/>
-                </a:ln>
-                <a:solidFill>
-                  <a:schemeClr val="tx1"/>
-                </a:solidFill>
-                <a:effectLst/>
-                <a:uLnTx/>
-                <a:uFillTx/>
-                <a:latin typeface="Arial" pitchFamily="34" charset="0"/>
-                <a:ea typeface="+mn-ea"/>
-                <a:cs typeface="+mn-cs"/>
-              </a:rPr>
-              <a:t>Real-Time Systems Lab </a:t>
-            </a:r>
-            <a:r>
-              <a:rPr kumimoji="0" lang="en-US" sz="1100" b="0" i="0" u="none" strike="noStrike" kern="1200" cap="none" spc="0" normalizeH="0" baseline="0" noProof="0" dirty="0" smtClean="0">
-                <a:ln>
-                  <a:noFill/>
-                </a:ln>
-                <a:solidFill>
-                  <a:schemeClr val="tx1"/>
-                </a:solidFill>
-                <a:effectLst/>
-                <a:uLnTx/>
-                <a:uFillTx/>
-                <a:latin typeface="Arial" pitchFamily="34" charset="0"/>
-                <a:ea typeface="+mn-ea"/>
-                <a:cs typeface="+mn-cs"/>
-              </a:rPr>
-              <a:t>|</a:t>
-            </a:r>
-            <a:fld id="{BBFDBE89-DF68-4EB3-970E-3FE4F30E0496}" type="datetime4">
-              <a:rPr kumimoji="0" lang="de-DE" sz="1100" b="0" i="0" u="none" strike="noStrike" kern="1200" cap="none" spc="0" normalizeH="0" baseline="0" noProof="0" smtClean="0">
-                <a:ln>
-                  <a:noFill/>
-                </a:ln>
-                <a:solidFill>
-                  <a:schemeClr val="tx1"/>
-                </a:solidFill>
-                <a:effectLst/>
-                <a:uLnTx/>
-                <a:uFillTx/>
-                <a:latin typeface="Arial" pitchFamily="34" charset="0"/>
-                <a:ea typeface="+mn-ea"/>
-                <a:cs typeface="+mn-cs"/>
-              </a:rPr>
-              <a:t>20. November 2018</a:t>
+              <a:t>26. November 2018</a:t>
             </a:fld>
             <a:r>
               <a:rPr kumimoji="0" lang="en-US" sz="1100" b="0" i="0" u="none" strike="noStrike" kern="1200" cap="none" spc="0" normalizeH="0" baseline="0" noProof="0" dirty="0" smtClean="0">
@@ -7930,7 +8038,6 @@
               <a:rPr lang="en-US" dirty="0"/>
               <a:t>AUDO - Autonomous Unmanned Driving Object</a:t>
             </a:r>
-            <a:endParaRPr lang="en-US" dirty="0"/>
           </a:p>
         </p:txBody>
       </p:sp>
@@ -7949,11 +8056,13 @@
           <a:bodyPr/>
           <a:lstStyle/>
           <a:p>
+            <a:pPr>
+              <a:buNone/>
+            </a:pPr>
             <a:r>
               <a:rPr lang="de-DE" dirty="0" smtClean="0"/>
               <a:t>Zwischenpräsentation</a:t>
             </a:r>
-            <a:endParaRPr lang="de-DE" dirty="0" smtClean="0"/>
           </a:p>
         </p:txBody>
       </p:sp>
@@ -7984,56 +8093,18 @@
               <a:rPr lang="de-DE" dirty="0" err="1" smtClean="0"/>
               <a:t>iST</a:t>
             </a:r>
-            <a:r>
-              <a:rPr lang="de-DE" dirty="0" smtClean="0"/>
-              <a:t> </a:t>
+            <a:endParaRPr lang="de-DE" dirty="0" smtClean="0"/>
+          </a:p>
+          <a:p>
+            <a:r>
+              <a:rPr lang="de-DE" dirty="0" smtClean="0"/>
+              <a:t>Fabian Burger, </a:t>
             </a:r>
             <a:r>
               <a:rPr lang="de-DE" dirty="0" err="1" smtClean="0"/>
-              <a:t>B.Sc</a:t>
-            </a:r>
-            <a:r>
-              <a:rPr lang="de-DE" dirty="0" smtClean="0"/>
-              <a:t>.</a:t>
-            </a:r>
-          </a:p>
-          <a:p>
-            <a:r>
-              <a:rPr lang="de-DE" dirty="0" smtClean="0"/>
-              <a:t>Fabian Burger, </a:t>
-            </a:r>
-            <a:r>
-              <a:rPr lang="de-DE" dirty="0" err="1"/>
               <a:t>iST</a:t>
             </a:r>
-            <a:r>
-              <a:rPr lang="de-DE" dirty="0"/>
-              <a:t> </a:t>
-            </a:r>
-            <a:r>
-              <a:rPr lang="de-DE" dirty="0" err="1"/>
-              <a:t>B.Sc</a:t>
-            </a:r>
-            <a:r>
-              <a:rPr lang="de-DE" dirty="0" smtClean="0"/>
-              <a:t>. / </a:t>
-            </a:r>
-            <a:r>
-              <a:rPr lang="de-DE" dirty="0" err="1" smtClean="0"/>
-              <a:t>Mec</a:t>
-            </a:r>
-            <a:r>
-              <a:rPr lang="de-DE" dirty="0" smtClean="0"/>
-              <a:t> </a:t>
-            </a:r>
-            <a:r>
-              <a:rPr lang="de-DE" dirty="0" err="1" smtClean="0"/>
-              <a:t>B.Sc</a:t>
-            </a:r>
-            <a:r>
-              <a:rPr lang="de-DE" dirty="0" smtClean="0"/>
-              <a:t>.</a:t>
-            </a:r>
+            <a:endParaRPr lang="de-DE" dirty="0" smtClean="0"/>
           </a:p>
           <a:p>
             <a:r>
@@ -8044,39 +8115,35 @@
               <a:rPr lang="de-DE" dirty="0" err="1" smtClean="0"/>
               <a:t>Wi-Etit</a:t>
             </a:r>
-            <a:r>
-              <a:rPr lang="de-DE" dirty="0" smtClean="0"/>
-              <a:t> </a:t>
+            <a:endParaRPr lang="de-DE" dirty="0" smtClean="0"/>
+          </a:p>
+          <a:p>
+            <a:r>
+              <a:rPr lang="de-DE" dirty="0" smtClean="0"/>
+              <a:t>Maike Latsch, </a:t>
             </a:r>
             <a:r>
               <a:rPr lang="de-DE" dirty="0" err="1" smtClean="0"/>
-              <a:t>M.Sc</a:t>
-            </a:r>
-            <a:r>
-              <a:rPr lang="de-DE" dirty="0" smtClean="0"/>
-              <a:t>.</a:t>
-            </a:r>
-          </a:p>
-          <a:p>
-            <a:r>
-              <a:rPr lang="de-DE" dirty="0" smtClean="0"/>
-              <a:t>Maike Latsch, </a:t>
-            </a:r>
-            <a:r>
-              <a:rPr lang="de-DE" dirty="0" err="1"/>
               <a:t>iST</a:t>
             </a:r>
-            <a:r>
-              <a:rPr lang="de-DE" dirty="0"/>
-              <a:t> </a:t>
-            </a:r>
-            <a:r>
-              <a:rPr lang="de-DE" dirty="0" err="1"/>
-              <a:t>B.Sc</a:t>
-            </a:r>
-            <a:r>
-              <a:rPr lang="de-DE" dirty="0" smtClean="0"/>
-              <a:t>.</a:t>
+            <a:endParaRPr lang="de-DE" dirty="0" smtClean="0"/>
+          </a:p>
+          <a:p>
+            <a:r>
+              <a:rPr lang="de-DE" dirty="0" smtClean="0"/>
+              <a:t>Nikolas </a:t>
+            </a:r>
+            <a:r>
+              <a:rPr lang="de-DE" dirty="0" err="1" smtClean="0"/>
+              <a:t>Ziegelmayer</a:t>
+            </a:r>
+            <a:r>
+              <a:rPr lang="de-DE" dirty="0" smtClean="0"/>
+              <a:t>, </a:t>
+            </a:r>
+            <a:r>
+              <a:rPr lang="de-DE" dirty="0" err="1" smtClean="0"/>
+              <a:t>etit</a:t>
             </a:r>
             <a:endParaRPr lang="de-DE" dirty="0"/>
           </a:p>
@@ -8296,6 +8363,52 @@
           </a:p>
         </p:txBody>
       </p:sp>
+      <p:pic>
+        <p:nvPicPr>
+          <p:cNvPr id="1026" name="Picture 2" descr="C:\Users\Ramona\Dropbox\Studium\3. Semester\PS ES\IMG_20181126_110719462_HDR.jpg"/>
+          <p:cNvPicPr>
+            <a:picLocks noChangeAspect="1" noChangeArrowheads="1"/>
+          </p:cNvPicPr>
+          <p:nvPr/>
+        </p:nvPicPr>
+        <p:blipFill rotWithShape="1">
+          <a:blip r:embed="rId3" cstate="print">
+            <a:extLst>
+              <a:ext uri="{28A0092B-C50C-407E-A947-70E740481C1C}">
+                <a14:useLocalDpi xmlns:a14="http://schemas.microsoft.com/office/drawing/2010/main" val="0"/>
+              </a:ext>
+            </a:extLst>
+          </a:blip>
+          <a:srcRect l="9420" t="9420" r="9420" b="9420"/>
+          <a:stretch/>
+        </p:blipFill>
+        <p:spPr bwMode="auto">
+          <a:xfrm>
+            <a:off x="2483768" y="2577392"/>
+            <a:ext cx="3895728" cy="2921796"/>
+          </a:xfrm>
+          <a:prstGeom prst="rect">
+            <a:avLst/>
+          </a:prstGeom>
+          <a:noFill/>
+          <a:effectLst>
+            <a:outerShdw blurRad="50800" dist="38100" dir="2700000" algn="tl" rotWithShape="0">
+              <a:prstClr val="black">
+                <a:alpha val="40000"/>
+              </a:prstClr>
+            </a:outerShdw>
+          </a:effectLst>
+          <a:extLst>
+            <a:ext uri="{909E8E84-426E-40DD-AFC4-6F175D3DCCD1}">
+              <a14:hiddenFill xmlns:a14="http://schemas.microsoft.com/office/drawing/2010/main">
+                <a:solidFill>
+                  <a:srgbClr val="FFFFFF"/>
+                </a:solidFill>
+              </a14:hiddenFill>
+            </a:ext>
+          </a:extLst>
+        </p:spPr>
+      </p:pic>
     </p:spTree>
     <p:extLst>
       <p:ext uri="{BB962C8B-B14F-4D97-AF65-F5344CB8AC3E}">
@@ -8357,10 +8470,18 @@
           <a:lstStyle/>
           <a:p>
             <a:r>
-              <a:rPr lang="de-DE" dirty="0" smtClean="0"/>
-              <a:t>Struktur</a:t>
-            </a:r>
-            <a:endParaRPr lang="de-DE" dirty="0"/>
+              <a:rPr lang="en-US" dirty="0" err="1" smtClean="0"/>
+              <a:t>Organisation</a:t>
+            </a:r>
+            <a:r>
+              <a:rPr lang="en-US" dirty="0" smtClean="0"/>
+              <a:t> des Teams und </a:t>
+            </a:r>
+            <a:r>
+              <a:rPr lang="en-US" dirty="0" err="1" smtClean="0"/>
+              <a:t>Zeitplan</a:t>
+            </a:r>
+            <a:endParaRPr lang="en-US" dirty="0"/>
           </a:p>
         </p:txBody>
       </p:sp>
@@ -8379,6 +8500,89 @@
           <a:bodyPr/>
           <a:lstStyle/>
           <a:p>
+            <a:r>
+              <a:rPr lang="de-DE" dirty="0" smtClean="0"/>
+              <a:t>Aufgabenverwaltung durch </a:t>
+            </a:r>
+            <a:r>
+              <a:rPr lang="de-DE" dirty="0" err="1" smtClean="0"/>
+              <a:t>Trello</a:t>
+            </a:r>
+            <a:endParaRPr lang="de-DE" dirty="0" smtClean="0"/>
+          </a:p>
+          <a:p>
+            <a:endParaRPr lang="de-DE" dirty="0" smtClean="0"/>
+          </a:p>
+          <a:p>
+            <a:r>
+              <a:rPr lang="de-DE" dirty="0" smtClean="0"/>
+              <a:t>Softwareverwaltung mit </a:t>
+            </a:r>
+            <a:r>
+              <a:rPr lang="de-DE" dirty="0" err="1" smtClean="0"/>
+              <a:t>github</a:t>
+            </a:r>
+            <a:endParaRPr lang="de-DE" dirty="0" smtClean="0"/>
+          </a:p>
+          <a:p>
+            <a:endParaRPr lang="de-DE" dirty="0" smtClean="0"/>
+          </a:p>
+          <a:p>
+            <a:r>
+              <a:rPr lang="de-DE" dirty="0" smtClean="0"/>
+              <a:t>Arbeitsteilung nach individuellen Stärken zugeteilt durch </a:t>
+            </a:r>
+            <a:r>
+              <a:rPr lang="de-DE" dirty="0" err="1" smtClean="0"/>
+              <a:t>Trello</a:t>
+            </a:r>
+            <a:endParaRPr lang="de-DE" dirty="0" smtClean="0"/>
+          </a:p>
+          <a:p>
+            <a:endParaRPr lang="de-DE" dirty="0" smtClean="0"/>
+          </a:p>
+          <a:p>
+            <a:r>
+              <a:rPr lang="de-DE" dirty="0" smtClean="0"/>
+              <a:t>Zeitplan:</a:t>
+            </a:r>
+          </a:p>
+          <a:p>
+            <a:pPr lvl="1"/>
+            <a:r>
+              <a:rPr lang="de-DE" dirty="0" smtClean="0"/>
+              <a:t>Regelmäßige wöchentliche Gruppentreffen</a:t>
+            </a:r>
+          </a:p>
+          <a:p>
+            <a:pPr lvl="1"/>
+            <a:r>
+              <a:rPr lang="de-DE" dirty="0" smtClean="0"/>
+              <a:t>Flexible Treffen zur Aufgabenbearbeitung</a:t>
+            </a:r>
+          </a:p>
+          <a:p>
+            <a:endParaRPr lang="de-DE" dirty="0" smtClean="0"/>
+          </a:p>
+          <a:p>
+            <a:r>
+              <a:rPr lang="de-DE" dirty="0" smtClean="0"/>
+              <a:t>Meilensteine:</a:t>
+            </a:r>
+          </a:p>
+          <a:p>
+            <a:pPr lvl="1"/>
+            <a:r>
+              <a:rPr lang="de-DE" dirty="0" smtClean="0"/>
+              <a:t>Bildfilterung optimieren</a:t>
+            </a:r>
+          </a:p>
+          <a:p>
+            <a:pPr lvl="1"/>
+            <a:r>
+              <a:rPr lang="de-DE" dirty="0" err="1" smtClean="0"/>
+              <a:t>Wallfollower</a:t>
+            </a:r>
             <a:endParaRPr lang="de-DE" dirty="0"/>
           </a:p>
         </p:txBody>
@@ -8386,7 +8590,7 @@
     </p:spTree>
     <p:extLst>
       <p:ext uri="{BB962C8B-B14F-4D97-AF65-F5344CB8AC3E}">
-        <p14:creationId xmlns:p14="http://schemas.microsoft.com/office/powerpoint/2010/main" val="4147503795"/>
+        <p14:creationId xmlns:p14="http://schemas.microsoft.com/office/powerpoint/2010/main" val="1191499082"/>
       </p:ext>
     </p:extLst>
   </p:cSld>
@@ -8436,10 +8640,10 @@
           <a:lstStyle/>
           <a:p>
             <a:r>
-              <a:rPr lang="en-US" dirty="0" smtClean="0"/>
-              <a:t>Motivation</a:t>
-            </a:r>
-            <a:endParaRPr lang="en-US" dirty="0"/>
+              <a:rPr lang="de-DE" dirty="0" smtClean="0"/>
+              <a:t>Aktueller Stand</a:t>
+            </a:r>
+            <a:endParaRPr lang="de-DE" dirty="0"/>
           </a:p>
         </p:txBody>
       </p:sp>
@@ -8458,20 +8662,103 @@
           <a:bodyPr/>
           <a:lstStyle/>
           <a:p>
-            <a:endParaRPr lang="en-US"/>
+            <a:r>
+              <a:rPr lang="de-DE" dirty="0" smtClean="0"/>
+              <a:t>Einfacher </a:t>
+            </a:r>
+            <a:r>
+              <a:rPr lang="de-DE" dirty="0" err="1" smtClean="0"/>
+              <a:t>Wallfollower</a:t>
+            </a:r>
+            <a:r>
+              <a:rPr lang="de-DE" dirty="0" smtClean="0"/>
+              <a:t> </a:t>
+            </a:r>
+          </a:p>
+          <a:p>
+            <a:endParaRPr lang="de-DE" dirty="0" smtClean="0"/>
+          </a:p>
+          <a:p>
+            <a:r>
+              <a:rPr lang="de-DE" dirty="0" smtClean="0"/>
+              <a:t>Filterung des </a:t>
+            </a:r>
+            <a:r>
+              <a:rPr lang="de-DE" dirty="0" err="1" smtClean="0"/>
+              <a:t>Kinectbildes</a:t>
+            </a:r>
+            <a:r>
+              <a:rPr lang="de-DE" dirty="0" smtClean="0"/>
+              <a:t> mit </a:t>
+            </a:r>
+            <a:r>
+              <a:rPr lang="de-DE" dirty="0" err="1" smtClean="0"/>
+              <a:t>OpenCV</a:t>
+            </a:r>
+            <a:endParaRPr lang="de-DE" dirty="0" smtClean="0"/>
+          </a:p>
+          <a:p>
+            <a:pPr lvl="1"/>
+            <a:r>
+              <a:rPr lang="de-DE" dirty="0" err="1" smtClean="0"/>
+              <a:t>Birdeye</a:t>
+            </a:r>
+            <a:r>
+              <a:rPr lang="de-DE" dirty="0" smtClean="0"/>
+              <a:t> View</a:t>
+            </a:r>
+          </a:p>
+          <a:p>
+            <a:pPr lvl="1"/>
+            <a:r>
+              <a:rPr lang="de-DE" dirty="0" smtClean="0"/>
+              <a:t>Rauschen entfernen</a:t>
+            </a:r>
+          </a:p>
+          <a:p>
+            <a:pPr lvl="1"/>
+            <a:r>
+              <a:rPr lang="de-DE" dirty="0" smtClean="0"/>
+              <a:t>Farbfilterung</a:t>
+            </a:r>
+            <a:endParaRPr lang="de-DE" dirty="0" smtClean="0"/>
+          </a:p>
+          <a:p>
+            <a:endParaRPr lang="de-DE" dirty="0" smtClean="0"/>
+          </a:p>
+          <a:p>
+            <a:r>
+              <a:rPr lang="de-DE" dirty="0" smtClean="0"/>
+              <a:t>Ansatz:</a:t>
+            </a:r>
+          </a:p>
+          <a:p>
+            <a:pPr lvl="1"/>
+            <a:r>
+              <a:rPr lang="de-DE" dirty="0" smtClean="0"/>
+              <a:t>Linien zu imaginären Wänden transformieren und diesen folgen</a:t>
+            </a:r>
+            <a:endParaRPr lang="de-DE" dirty="0"/>
           </a:p>
         </p:txBody>
       </p:sp>
     </p:spTree>
     <p:extLst>
       <p:ext uri="{BB962C8B-B14F-4D97-AF65-F5344CB8AC3E}">
-        <p14:creationId xmlns:p14="http://schemas.microsoft.com/office/powerpoint/2010/main" val="1191499082"/>
+        <p14:creationId xmlns:p14="http://schemas.microsoft.com/office/powerpoint/2010/main" val="1764840804"/>
       </p:ext>
     </p:extLst>
   </p:cSld>
   <p:clrMapOvr>
     <a:masterClrMapping/>
   </p:clrMapOvr>
+  <p:timing>
+    <p:tnLst>
+      <p:par>
+        <p:cTn id="1" dur="indefinite" restart="never" nodeType="tmRoot"/>
+      </p:par>
+    </p:tnLst>
+  </p:timing>
 </p:sld>
 </file>
 
@@ -8509,7 +8796,7 @@
           <a:p>
             <a:r>
               <a:rPr lang="de-DE" dirty="0" smtClean="0"/>
-              <a:t>Aktueller Stand</a:t>
+              <a:t>Verworfene Ansätze</a:t>
             </a:r>
             <a:endParaRPr lang="de-DE" dirty="0"/>
           </a:p>
@@ -8530,14 +8817,59 @@
           <a:bodyPr/>
           <a:lstStyle/>
           <a:p>
-            <a:endParaRPr lang="en-US"/>
+            <a:r>
+              <a:rPr lang="de-DE" dirty="0" smtClean="0"/>
+              <a:t>Bildfilterung durch </a:t>
+            </a:r>
+          </a:p>
+          <a:p>
+            <a:pPr lvl="1"/>
+            <a:r>
+              <a:rPr lang="de-DE" dirty="0" smtClean="0"/>
+              <a:t>Edge </a:t>
+            </a:r>
+            <a:r>
+              <a:rPr lang="de-DE" dirty="0" err="1" smtClean="0"/>
+              <a:t>Detection</a:t>
+            </a:r>
+            <a:r>
+              <a:rPr lang="de-DE" dirty="0" smtClean="0"/>
+              <a:t> mit </a:t>
+            </a:r>
+            <a:r>
+              <a:rPr lang="de-DE" dirty="0" err="1" smtClean="0"/>
+              <a:t>Canny</a:t>
+            </a:r>
+            <a:endParaRPr lang="de-DE" dirty="0" smtClean="0"/>
+          </a:p>
+          <a:p>
+            <a:pPr lvl="1"/>
+            <a:r>
+              <a:rPr lang="de-DE" dirty="0" err="1" smtClean="0"/>
+              <a:t>Contour</a:t>
+            </a:r>
+            <a:r>
+              <a:rPr lang="de-DE" dirty="0" smtClean="0"/>
+              <a:t> </a:t>
+            </a:r>
+            <a:r>
+              <a:rPr lang="de-DE" dirty="0" err="1" smtClean="0"/>
+              <a:t>Detection</a:t>
+            </a:r>
+            <a:r>
+              <a:rPr lang="de-DE" dirty="0" smtClean="0"/>
+              <a:t> </a:t>
+            </a:r>
+          </a:p>
+          <a:p>
+            <a:endParaRPr lang="de-DE" dirty="0"/>
           </a:p>
         </p:txBody>
       </p:sp>
     </p:spTree>
     <p:extLst>
       <p:ext uri="{BB962C8B-B14F-4D97-AF65-F5344CB8AC3E}">
-        <p14:creationId xmlns:p14="http://schemas.microsoft.com/office/powerpoint/2010/main" val="1764840804"/>
+        <p14:creationId xmlns:p14="http://schemas.microsoft.com/office/powerpoint/2010/main" val="564856578"/>
       </p:ext>
     </p:extLst>
   </p:cSld>
@@ -8581,15 +8913,7 @@
           <a:p>
             <a:r>
               <a:rPr lang="de-DE" dirty="0" smtClean="0"/>
-              <a:t>Nächste</a:t>
-            </a:r>
-            <a:r>
-              <a:rPr lang="en-US" dirty="0" smtClean="0"/>
-              <a:t> </a:t>
-            </a:r>
-            <a:r>
-              <a:rPr lang="de-DE" dirty="0" smtClean="0"/>
-              <a:t>Schritte</a:t>
+              <a:t>Probleme</a:t>
             </a:r>
             <a:endParaRPr lang="de-DE" dirty="0"/>
           </a:p>
@@ -8610,7 +8934,148 @@
           <a:bodyPr/>
           <a:lstStyle/>
           <a:p>
-            <a:endParaRPr lang="en-US" dirty="0"/>
+            <a:r>
+              <a:rPr lang="de-DE" dirty="0" smtClean="0"/>
+              <a:t>Anfänglich kein Bild der Weitwinkelkamera</a:t>
+            </a:r>
+          </a:p>
+          <a:p>
+            <a:endParaRPr lang="de-DE" dirty="0"/>
+          </a:p>
+          <a:p>
+            <a:r>
+              <a:rPr lang="de-DE" dirty="0" smtClean="0"/>
+              <a:t>Unterschiede der Farbdarstellung zwischen </a:t>
+            </a:r>
+            <a:r>
+              <a:rPr lang="de-DE" dirty="0" err="1" smtClean="0"/>
+              <a:t>Kinect</a:t>
+            </a:r>
+            <a:r>
+              <a:rPr lang="de-DE" dirty="0" smtClean="0"/>
+              <a:t>- und Weitwinkelkamera</a:t>
+            </a:r>
+          </a:p>
+          <a:p>
+            <a:endParaRPr lang="de-DE" dirty="0" smtClean="0"/>
+          </a:p>
+          <a:p>
+            <a:r>
+              <a:rPr lang="de-DE" dirty="0" smtClean="0"/>
+              <a:t>Aufschwingen beim </a:t>
+            </a:r>
+            <a:r>
+              <a:rPr lang="de-DE" dirty="0" err="1" smtClean="0"/>
+              <a:t>Wallfollower</a:t>
+            </a:r>
+            <a:endParaRPr lang="de-DE" dirty="0" smtClean="0"/>
+          </a:p>
+          <a:p>
+            <a:endParaRPr lang="de-DE" dirty="0" smtClean="0"/>
+          </a:p>
+          <a:p>
+            <a:r>
+              <a:rPr lang="de-DE" dirty="0" smtClean="0"/>
+              <a:t>Unzuverlässiger Front-Ultraschallsensor mit falschen Werten (je nach Umgebung)</a:t>
+            </a:r>
+            <a:endParaRPr lang="de-DE" dirty="0"/>
+          </a:p>
+        </p:txBody>
+      </p:sp>
+    </p:spTree>
+    <p:extLst>
+      <p:ext uri="{BB962C8B-B14F-4D97-AF65-F5344CB8AC3E}">
+        <p14:creationId xmlns:p14="http://schemas.microsoft.com/office/powerpoint/2010/main" val="310549416"/>
+      </p:ext>
+    </p:extLst>
+  </p:cSld>
+  <p:clrMapOvr>
+    <a:masterClrMapping/>
+  </p:clrMapOvr>
+  <p:timing>
+    <p:tnLst>
+      <p:par>
+        <p:cTn id="1" dur="indefinite" restart="never" nodeType="tmRoot"/>
+      </p:par>
+    </p:tnLst>
+  </p:timing>
+</p:sld>
+</file>
+
+<file path=ppt/slides/slide6.xml><?xml version="1.0" encoding="utf-8"?>
+<p:sld xmlns:a="http://schemas.openxmlformats.org/drawingml/2006/main" xmlns:r="http://schemas.openxmlformats.org/officeDocument/2006/relationships" xmlns:p="http://schemas.openxmlformats.org/presentationml/2006/main">
+  <p:cSld>
+    <p:spTree>
+      <p:nvGrpSpPr>
+        <p:cNvPr id="1" name=""/>
+        <p:cNvGrpSpPr/>
+        <p:nvPr/>
+      </p:nvGrpSpPr>
+      <p:grpSpPr>
+        <a:xfrm>
+          <a:off x="0" y="0"/>
+          <a:ext cx="0" cy="0"/>
+          <a:chOff x="0" y="0"/>
+          <a:chExt cx="0" cy="0"/>
+        </a:xfrm>
+      </p:grpSpPr>
+      <p:sp>
+        <p:nvSpPr>
+          <p:cNvPr id="2" name="Titel 1"/>
+          <p:cNvSpPr>
+            <a:spLocks noGrp="1"/>
+          </p:cNvSpPr>
+          <p:nvPr>
+            <p:ph type="title"/>
+          </p:nvPr>
+        </p:nvSpPr>
+        <p:spPr/>
+        <p:txBody>
+          <a:bodyPr/>
+          <a:lstStyle/>
+          <a:p>
+            <a:r>
+              <a:rPr lang="de-DE" dirty="0" smtClean="0"/>
+              <a:t>2. Thema</a:t>
+            </a:r>
+            <a:endParaRPr lang="de-DE" dirty="0"/>
+          </a:p>
+        </p:txBody>
+      </p:sp>
+      <p:sp>
+        <p:nvSpPr>
+          <p:cNvPr id="3" name="Inhaltsplatzhalter 2"/>
+          <p:cNvSpPr>
+            <a:spLocks noGrp="1"/>
+          </p:cNvSpPr>
+          <p:nvPr>
+            <p:ph idx="1"/>
+          </p:nvPr>
+        </p:nvSpPr>
+        <p:spPr/>
+        <p:txBody>
+          <a:bodyPr/>
+          <a:lstStyle/>
+          <a:p>
+            <a:r>
+              <a:rPr lang="de-DE" dirty="0" smtClean="0"/>
+              <a:t>Hinderniserkennung mit Spurwechsel</a:t>
+            </a:r>
+          </a:p>
+          <a:p>
+            <a:pPr lvl="1"/>
+            <a:r>
+              <a:rPr lang="de-DE" dirty="0" smtClean="0"/>
+              <a:t>Entweder an linker Außenlinie oder Mittellinie entlang beim Wechsel</a:t>
+            </a:r>
+          </a:p>
+          <a:p>
+            <a:pPr lvl="1"/>
+            <a:r>
+              <a:rPr lang="de-DE" dirty="0" smtClean="0"/>
+              <a:t>Abstandsmessung zum Hindernis</a:t>
+            </a:r>
+            <a:endParaRPr lang="de-DE" dirty="0"/>
           </a:p>
         </p:txBody>
       </p:sp>
@@ -8624,6 +9089,13 @@
   <p:clrMapOvr>
     <a:masterClrMapping/>
   </p:clrMapOvr>
+  <p:timing>
+    <p:tnLst>
+      <p:par>
+        <p:cTn id="1" dur="indefinite" restart="never" nodeType="tmRoot"/>
+      </p:par>
+    </p:tnLst>
+  </p:timing>
 </p:sld>
 </file>
 

--- a/Dokumente/Präsentationen/Zwischenpräsentation.pptx
+++ b/Dokumente/Präsentationen/Zwischenpräsentation.pptx
@@ -2,21 +2,22 @@
 <file path=ppt/presentation.xml><?xml version="1.0" encoding="utf-8"?>
 <p:presentation xmlns:a="http://schemas.openxmlformats.org/drawingml/2006/main" xmlns:r="http://schemas.openxmlformats.org/officeDocument/2006/relationships" xmlns:p="http://schemas.openxmlformats.org/presentationml/2006/main" showSpecialPlsOnTitleSld="0" strictFirstAndLastChars="0" saveSubsetFonts="1">
   <p:sldMasterIdLst>
-    <p:sldMasterId id="2147483773" r:id="rId1"/>
+    <p:sldMasterId id="2147483648" r:id="rId1"/>
   </p:sldMasterIdLst>
   <p:notesMasterIdLst>
-    <p:notesMasterId r:id="rId8"/>
+    <p:notesMasterId r:id="rId9"/>
   </p:notesMasterIdLst>
   <p:handoutMasterIdLst>
-    <p:handoutMasterId r:id="rId9"/>
+    <p:handoutMasterId r:id="rId10"/>
   </p:handoutMasterIdLst>
   <p:sldIdLst>
-    <p:sldId id="676" r:id="rId2"/>
-    <p:sldId id="678" r:id="rId3"/>
-    <p:sldId id="680" r:id="rId4"/>
-    <p:sldId id="683" r:id="rId5"/>
-    <p:sldId id="682" r:id="rId6"/>
-    <p:sldId id="679" r:id="rId7"/>
+    <p:sldId id="257" r:id="rId2"/>
+    <p:sldId id="258" r:id="rId3"/>
+    <p:sldId id="259" r:id="rId4"/>
+    <p:sldId id="265" r:id="rId5"/>
+    <p:sldId id="260" r:id="rId6"/>
+    <p:sldId id="261" r:id="rId7"/>
+    <p:sldId id="262" r:id="rId8"/>
   </p:sldIdLst>
   <p:sldSz cx="9144000" cy="6858000" type="screen4x3"/>
   <p:notesSz cx="6797675" cy="9926638"/>
@@ -185,36 +186,6 @@
       </a:defRPr>
     </a:lvl9pPr>
   </p:defaultTextStyle>
-  <p:extLst>
-    <p:ext uri="{EFAFB233-063F-42B5-8137-9DF3F51BA10A}">
-      <p15:sldGuideLst xmlns:p15="http://schemas.microsoft.com/office/powerpoint/2012/main" xmlns="">
-        <p15:guide id="1" orient="horz" pos="4319">
-          <p15:clr>
-            <a:srgbClr val="A4A3A4"/>
-          </p15:clr>
-        </p15:guide>
-        <p15:guide id="2">
-          <p15:clr>
-            <a:srgbClr val="A4A3A4"/>
-          </p15:clr>
-        </p15:guide>
-      </p15:sldGuideLst>
-    </p:ext>
-    <p:ext uri="{2D200454-40CA-4A62-9FC3-DE9A4176ACB9}">
-      <p15:notesGuideLst xmlns:p15="http://schemas.microsoft.com/office/powerpoint/2012/main" xmlns="">
-        <p15:guide id="1" orient="horz" pos="2874">
-          <p15:clr>
-            <a:srgbClr val="A4A3A4"/>
-          </p15:clr>
-        </p15:guide>
-        <p15:guide id="2" pos="2141">
-          <p15:clr>
-            <a:srgbClr val="A4A3A4"/>
-          </p15:clr>
-        </p15:guide>
-      </p15:notesGuideLst>
-    </p:ext>
-  </p:extLst>
 </p:presentation>
 </file>
 
@@ -251,7 +222,7 @@
       </p:grpSpPr>
       <p:sp>
         <p:nvSpPr>
-          <p:cNvPr id="89090" name="Rectangle 2"/>
+          <p:cNvPr id="1048682" name="Rectangle 2"/>
           <p:cNvSpPr>
             <a:spLocks noGrp="1" noChangeArrowheads="1"/>
           </p:cNvSpPr>
@@ -272,34 +243,6 @@
             <a:noFill/>
           </a:ln>
           <a:effectLst/>
-          <a:extLst>
-            <a:ext uri="{909E8E84-426E-40DD-AFC4-6F175D3DCCD1}">
-              <a14:hiddenFill xmlns:a14="http://schemas.microsoft.com/office/drawing/2010/main">
-                <a:solidFill>
-                  <a:schemeClr val="accent1"/>
-                </a:solidFill>
-              </a14:hiddenFill>
-            </a:ext>
-            <a:ext uri="{91240B29-F687-4F45-9708-019B960494DF}">
-              <a14:hiddenLine xmlns:a14="http://schemas.microsoft.com/office/drawing/2010/main" w="9525">
-                <a:solidFill>
-                  <a:schemeClr val="tx1"/>
-                </a:solidFill>
-                <a:miter lim="800000"/>
-                <a:headEnd/>
-                <a:tailEnd/>
-              </a14:hiddenLine>
-            </a:ext>
-            <a:ext uri="{AF507438-7753-43E0-B8FC-AC1667EBCBE1}">
-              <a14:hiddenEffects xmlns:a14="http://schemas.microsoft.com/office/drawing/2010/main">
-                <a:effectLst>
-                  <a:outerShdw dist="35921" dir="2700000" algn="ctr" rotWithShape="0">
-                    <a:schemeClr val="bg2"/>
-                  </a:outerShdw>
-                </a:effectLst>
-              </a14:hiddenEffects>
-            </a:ext>
-          </a:extLst>
         </p:spPr>
         <p:txBody>
           <a:bodyPr vert="horz" wrap="square" lIns="90864" tIns="45432" rIns="90864" bIns="45432" numCol="1" anchor="t" anchorCtr="0" compatLnSpc="1">
@@ -320,16 +263,13 @@
             </a:lvl1pPr>
           </a:lstStyle>
           <a:p>
-            <a:pPr>
-              <a:defRPr/>
-            </a:pPr>
             <a:endParaRPr lang="en-US"/>
           </a:p>
         </p:txBody>
       </p:sp>
       <p:sp>
         <p:nvSpPr>
-          <p:cNvPr id="89091" name="Rectangle 3"/>
+          <p:cNvPr id="1048683" name="Rectangle 3"/>
           <p:cNvSpPr>
             <a:spLocks noGrp="1" noChangeArrowheads="1"/>
           </p:cNvSpPr>
@@ -350,34 +290,6 @@
             <a:noFill/>
           </a:ln>
           <a:effectLst/>
-          <a:extLst>
-            <a:ext uri="{909E8E84-426E-40DD-AFC4-6F175D3DCCD1}">
-              <a14:hiddenFill xmlns:a14="http://schemas.microsoft.com/office/drawing/2010/main">
-                <a:solidFill>
-                  <a:schemeClr val="accent1"/>
-                </a:solidFill>
-              </a14:hiddenFill>
-            </a:ext>
-            <a:ext uri="{91240B29-F687-4F45-9708-019B960494DF}">
-              <a14:hiddenLine xmlns:a14="http://schemas.microsoft.com/office/drawing/2010/main" w="9525">
-                <a:solidFill>
-                  <a:schemeClr val="tx1"/>
-                </a:solidFill>
-                <a:miter lim="800000"/>
-                <a:headEnd/>
-                <a:tailEnd/>
-              </a14:hiddenLine>
-            </a:ext>
-            <a:ext uri="{AF507438-7753-43E0-B8FC-AC1667EBCBE1}">
-              <a14:hiddenEffects xmlns:a14="http://schemas.microsoft.com/office/drawing/2010/main">
-                <a:effectLst>
-                  <a:outerShdw dist="35921" dir="2700000" algn="ctr" rotWithShape="0">
-                    <a:schemeClr val="bg2"/>
-                  </a:outerShdw>
-                </a:effectLst>
-              </a14:hiddenEffects>
-            </a:ext>
-          </a:extLst>
         </p:spPr>
         <p:txBody>
           <a:bodyPr vert="horz" wrap="square" lIns="90864" tIns="45432" rIns="90864" bIns="45432" numCol="1" anchor="t" anchorCtr="0" compatLnSpc="1">
@@ -398,16 +310,13 @@
             </a:lvl1pPr>
           </a:lstStyle>
           <a:p>
-            <a:pPr>
-              <a:defRPr/>
-            </a:pPr>
             <a:endParaRPr lang="en-US"/>
           </a:p>
         </p:txBody>
       </p:sp>
       <p:sp>
         <p:nvSpPr>
-          <p:cNvPr id="89092" name="Rectangle 4"/>
+          <p:cNvPr id="1048684" name="Rectangle 4"/>
           <p:cNvSpPr>
             <a:spLocks noGrp="1" noChangeArrowheads="1"/>
           </p:cNvSpPr>
@@ -428,34 +337,6 @@
             <a:noFill/>
           </a:ln>
           <a:effectLst/>
-          <a:extLst>
-            <a:ext uri="{909E8E84-426E-40DD-AFC4-6F175D3DCCD1}">
-              <a14:hiddenFill xmlns:a14="http://schemas.microsoft.com/office/drawing/2010/main">
-                <a:solidFill>
-                  <a:schemeClr val="accent1"/>
-                </a:solidFill>
-              </a14:hiddenFill>
-            </a:ext>
-            <a:ext uri="{91240B29-F687-4F45-9708-019B960494DF}">
-              <a14:hiddenLine xmlns:a14="http://schemas.microsoft.com/office/drawing/2010/main" w="9525">
-                <a:solidFill>
-                  <a:schemeClr val="tx1"/>
-                </a:solidFill>
-                <a:miter lim="800000"/>
-                <a:headEnd/>
-                <a:tailEnd/>
-              </a14:hiddenLine>
-            </a:ext>
-            <a:ext uri="{AF507438-7753-43E0-B8FC-AC1667EBCBE1}">
-              <a14:hiddenEffects xmlns:a14="http://schemas.microsoft.com/office/drawing/2010/main">
-                <a:effectLst>
-                  <a:outerShdw dist="35921" dir="2700000" algn="ctr" rotWithShape="0">
-                    <a:schemeClr val="bg2"/>
-                  </a:outerShdw>
-                </a:effectLst>
-              </a14:hiddenEffects>
-            </a:ext>
-          </a:extLst>
         </p:spPr>
         <p:txBody>
           <a:bodyPr vert="horz" wrap="square" lIns="90864" tIns="45432" rIns="90864" bIns="45432" numCol="1" anchor="b" anchorCtr="0" compatLnSpc="1">
@@ -476,16 +357,13 @@
             </a:lvl1pPr>
           </a:lstStyle>
           <a:p>
-            <a:pPr>
-              <a:defRPr/>
-            </a:pPr>
             <a:endParaRPr lang="en-US"/>
           </a:p>
         </p:txBody>
       </p:sp>
       <p:sp>
         <p:nvSpPr>
-          <p:cNvPr id="89093" name="Rectangle 5"/>
+          <p:cNvPr id="1048685" name="Rectangle 5"/>
           <p:cNvSpPr>
             <a:spLocks noGrp="1" noChangeArrowheads="1"/>
           </p:cNvSpPr>
@@ -506,34 +384,6 @@
             <a:noFill/>
           </a:ln>
           <a:effectLst/>
-          <a:extLst>
-            <a:ext uri="{909E8E84-426E-40DD-AFC4-6F175D3DCCD1}">
-              <a14:hiddenFill xmlns:a14="http://schemas.microsoft.com/office/drawing/2010/main">
-                <a:solidFill>
-                  <a:schemeClr val="accent1"/>
-                </a:solidFill>
-              </a14:hiddenFill>
-            </a:ext>
-            <a:ext uri="{91240B29-F687-4F45-9708-019B960494DF}">
-              <a14:hiddenLine xmlns:a14="http://schemas.microsoft.com/office/drawing/2010/main" w="9525">
-                <a:solidFill>
-                  <a:schemeClr val="tx1"/>
-                </a:solidFill>
-                <a:miter lim="800000"/>
-                <a:headEnd/>
-                <a:tailEnd/>
-              </a14:hiddenLine>
-            </a:ext>
-            <a:ext uri="{AF507438-7753-43E0-B8FC-AC1667EBCBE1}">
-              <a14:hiddenEffects xmlns:a14="http://schemas.microsoft.com/office/drawing/2010/main">
-                <a:effectLst>
-                  <a:outerShdw dist="35921" dir="2700000" algn="ctr" rotWithShape="0">
-                    <a:schemeClr val="bg2"/>
-                  </a:outerShdw>
-                </a:effectLst>
-              </a14:hiddenEffects>
-            </a:ext>
-          </a:extLst>
         </p:spPr>
         <p:txBody>
           <a:bodyPr vert="horz" wrap="square" lIns="90864" tIns="45432" rIns="90864" bIns="45432" numCol="1" anchor="b" anchorCtr="0" compatLnSpc="1">
@@ -554,14 +404,8 @@
             </a:lvl1pPr>
           </a:lstStyle>
           <a:p>
-            <a:pPr>
-              <a:defRPr/>
-            </a:pPr>
             <a:fld id="{1EC7983B-75C3-4741-8AD0-E1E0878B8A54}" type="slidenum">
               <a:rPr lang="en-US"/>
-              <a:pPr>
-                <a:defRPr/>
-              </a:pPr>
               <a:t>‹Nr.›</a:t>
             </a:fld>
             <a:endParaRPr lang="en-US"/>
@@ -571,12 +415,40 @@
     </p:spTree>
     <p:extLst>
       <p:ext uri="{BB962C8B-B14F-4D97-AF65-F5344CB8AC3E}">
-        <p14:creationId xmlns:p14="http://schemas.microsoft.com/office/powerpoint/2010/main" val="2386632375"/>
+        <p14:creationId xmlns:p14="http://schemas.microsoft.com/office/powerpoint/2010/main" val="3306506664"/>
       </p:ext>
     </p:extLst>
   </p:cSld>
   <p:clrMap bg1="lt1" tx1="dk1" bg2="lt2" tx2="dk2" accent1="accent1" accent2="accent2" accent3="accent3" accent4="accent4" accent5="accent5" accent6="accent6" hlink="hlink" folHlink="folHlink"/>
 </p:handoutMaster>
+</file>
+
+<file path=ppt/ink/ink1.xml><?xml version="1.0" encoding="utf-8"?>
+<inkml:ink xmlns:inkml="http://www.w3.org/2003/InkML">
+  <inkml:definitions>
+    <inkml:context xml:id="ctx0">
+      <inkml:inkSource xml:id="inkSrc0">
+        <inkml:traceFormat>
+          <inkml:channel name="X" type="integer" units="cm"/>
+          <inkml:channel name="Y" type="integer" units="cm"/>
+          <inkml:channel name="F" type="integer" max="1023" units="dev"/>
+        </inkml:traceFormat>
+        <inkml:channelProperties>
+          <inkml:channelProperty channel="X" name="resolution" value="28.36041" units="1/cm"/>
+          <inkml:channelProperty channel="Y" name="resolution" value="28.36041" units="1/cm"/>
+          <inkml:channelProperty channel="F" name="resolution" value="1" units="1/dev"/>
+        </inkml:channelProperties>
+      </inkml:inkSource>
+      <inkml:timestamp xml:id="ts0" timeString="2018-12-10T13:43:39.002"/>
+    </inkml:context>
+    <inkml:brush xml:id="br0">
+      <inkml:brushProperty name="width" value="0.01984" units="cm"/>
+      <inkml:brushProperty name="height" value="0.01984" units="cm"/>
+      <inkml:brushProperty name="fitToCurve" value="1"/>
+    </inkml:brush>
+  </inkml:definitions>
+  <inkml:trace contextRef="#ctx0" brushRef="#br0">38293635 6080939 87414984,'-34494493'53843924'-6171600</inkml:trace>
+</inkml:ink>
 </file>
 
 <file path=ppt/notesMasters/notesMaster1.xml><?xml version="1.0" encoding="utf-8"?>
@@ -606,7 +478,7 @@
       </p:grpSpPr>
       <p:sp>
         <p:nvSpPr>
-          <p:cNvPr id="6146" name="AutoShape 1"/>
+          <p:cNvPr id="1048670" name="AutoShape 1"/>
           <p:cNvSpPr>
             <a:spLocks noChangeArrowheads="1"/>
           </p:cNvSpPr>
@@ -629,27 +501,6 @@
             <a:noFill/>
           </a:ln>
           <a:effectLst/>
-          <a:extLst>
-            <a:ext uri="{91240B29-F687-4F45-9708-019B960494DF}">
-              <a14:hiddenLine xmlns:a14="http://schemas.microsoft.com/office/drawing/2010/main" w="9525">
-                <a:solidFill>
-                  <a:srgbClr val="000000"/>
-                </a:solidFill>
-                <a:round/>
-                <a:headEnd/>
-                <a:tailEnd/>
-              </a14:hiddenLine>
-            </a:ext>
-            <a:ext uri="{AF507438-7753-43E0-B8FC-AC1667EBCBE1}">
-              <a14:hiddenEffects xmlns:a14="http://schemas.microsoft.com/office/drawing/2010/main">
-                <a:effectLst>
-                  <a:outerShdw dist="35921" dir="2700000" algn="ctr" rotWithShape="0">
-                    <a:srgbClr val="808080"/>
-                  </a:outerShdw>
-                </a:effectLst>
-              </a14:hiddenEffects>
-            </a:ext>
-          </a:extLst>
         </p:spPr>
         <p:txBody>
           <a:bodyPr wrap="none" lIns="90864" tIns="45432" rIns="90864" bIns="45432" anchor="ctr"/>
@@ -661,20 +512,14 @@
       </p:sp>
       <p:pic>
         <p:nvPicPr>
-          <p:cNvPr id="6147" name="Picture 2"/>
+          <p:cNvPr id="2097158" name="Picture 2"/>
           <p:cNvPicPr>
             <a:picLocks noChangeAspect="1" noChangeArrowheads="1"/>
           </p:cNvPicPr>
           <p:nvPr/>
         </p:nvPicPr>
         <p:blipFill>
-          <a:blip r:embed="rId2">
-            <a:extLst>
-              <a:ext uri="{28A0092B-C50C-407E-A947-70E740481C1C}">
-                <a14:useLocalDpi xmlns:a14="http://schemas.microsoft.com/office/drawing/2010/main" val="0"/>
-              </a:ext>
-            </a:extLst>
-          </a:blip>
+          <a:blip r:embed="rId2"/>
           <a:srcRect/>
           <a:stretch>
             <a:fillRect/>
@@ -693,43 +538,11 @@
             <a:noFill/>
           </a:ln>
           <a:effectLst/>
-          <a:extLst>
-            <a:ext uri="{909E8E84-426E-40DD-AFC4-6F175D3DCCD1}">
-              <a14:hiddenFill xmlns:a14="http://schemas.microsoft.com/office/drawing/2010/main">
-                <a:blipFill dpi="0" rotWithShape="0">
-                  <a:blip/>
-                  <a:srcRect/>
-                  <a:stretch>
-                    <a:fillRect/>
-                  </a:stretch>
-                </a:blipFill>
-              </a14:hiddenFill>
-            </a:ext>
-            <a:ext uri="{91240B29-F687-4F45-9708-019B960494DF}">
-              <a14:hiddenLine xmlns:a14="http://schemas.microsoft.com/office/drawing/2010/main" w="9525">
-                <a:solidFill>
-                  <a:srgbClr val="000000"/>
-                </a:solidFill>
-                <a:round/>
-                <a:headEnd/>
-                <a:tailEnd/>
-              </a14:hiddenLine>
-            </a:ext>
-            <a:ext uri="{AF507438-7753-43E0-B8FC-AC1667EBCBE1}">
-              <a14:hiddenEffects xmlns:a14="http://schemas.microsoft.com/office/drawing/2010/main">
-                <a:effectLst>
-                  <a:outerShdw dist="35921" dir="2700000" algn="ctr" rotWithShape="0">
-                    <a:srgbClr val="808080"/>
-                  </a:outerShdw>
-                </a:effectLst>
-              </a14:hiddenEffects>
-            </a:ext>
-          </a:extLst>
         </p:spPr>
       </p:pic>
       <p:sp>
         <p:nvSpPr>
-          <p:cNvPr id="3075" name="Rectangle 3"/>
+          <p:cNvPr id="1048671" name="Rectangle 3"/>
           <p:cNvSpPr>
             <a:spLocks noGrp="1" noChangeArrowheads="1"/>
           </p:cNvSpPr>
@@ -750,34 +563,6 @@
             <a:noFill/>
           </a:ln>
           <a:effectLst/>
-          <a:extLst>
-            <a:ext uri="{909E8E84-426E-40DD-AFC4-6F175D3DCCD1}">
-              <a14:hiddenFill xmlns:a14="http://schemas.microsoft.com/office/drawing/2010/main">
-                <a:solidFill>
-                  <a:srgbClr val="FFFFFF"/>
-                </a:solidFill>
-              </a14:hiddenFill>
-            </a:ext>
-            <a:ext uri="{91240B29-F687-4F45-9708-019B960494DF}">
-              <a14:hiddenLine xmlns:a14="http://schemas.microsoft.com/office/drawing/2010/main" w="9525">
-                <a:solidFill>
-                  <a:srgbClr val="000000"/>
-                </a:solidFill>
-                <a:round/>
-                <a:headEnd/>
-                <a:tailEnd/>
-              </a14:hiddenLine>
-            </a:ext>
-            <a:ext uri="{AF507438-7753-43E0-B8FC-AC1667EBCBE1}">
-              <a14:hiddenEffects xmlns:a14="http://schemas.microsoft.com/office/drawing/2010/main">
-                <a:effectLst>
-                  <a:outerShdw dist="35921" dir="2700000" algn="ctr" rotWithShape="0">
-                    <a:schemeClr val="bg2"/>
-                  </a:outerShdw>
-                </a:effectLst>
-              </a14:hiddenEffects>
-            </a:ext>
-          </a:extLst>
         </p:spPr>
         <p:txBody>
           <a:bodyPr vert="horz" wrap="square" lIns="95514" tIns="47578" rIns="95514" bIns="47578" numCol="1" anchor="ctr" anchorCtr="0" compatLnSpc="1">
@@ -805,9 +590,6 @@
             </a:lvl1pPr>
           </a:lstStyle>
           <a:p>
-            <a:pPr>
-              <a:defRPr/>
-            </a:pPr>
             <a:r>
               <a:rPr lang="en-GB"/>
               <a:t>November 19, 2007</a:t>
@@ -817,7 +599,7 @@
       </p:sp>
       <p:sp>
         <p:nvSpPr>
-          <p:cNvPr id="6149" name="Rectangle 4"/>
+          <p:cNvPr id="1048672" name="Rectangle 4"/>
           <p:cNvSpPr>
             <a:spLocks noGrp="1" noRot="1" noChangeAspect="1" noChangeArrowheads="1"/>
           </p:cNvSpPr>
@@ -845,22 +627,11 @@
             <a:tailEnd/>
           </a:ln>
           <a:effectLst/>
-          <a:extLst>
-            <a:ext uri="{AF507438-7753-43E0-B8FC-AC1667EBCBE1}">
-              <a14:hiddenEffects xmlns:a14="http://schemas.microsoft.com/office/drawing/2010/main">
-                <a:effectLst>
-                  <a:outerShdw dist="35921" dir="2700000" algn="ctr" rotWithShape="0">
-                    <a:schemeClr val="bg2"/>
-                  </a:outerShdw>
-                </a:effectLst>
-              </a14:hiddenEffects>
-            </a:ext>
-          </a:extLst>
         </p:spPr>
       </p:sp>
       <p:sp>
         <p:nvSpPr>
-          <p:cNvPr id="3077" name="Rectangle 5"/>
+          <p:cNvPr id="1048673" name="Rectangle 5"/>
           <p:cNvSpPr>
             <a:spLocks noGrp="1" noChangeArrowheads="1"/>
           </p:cNvSpPr>
@@ -881,34 +652,6 @@
             <a:noFill/>
           </a:ln>
           <a:effectLst/>
-          <a:extLst>
-            <a:ext uri="{909E8E84-426E-40DD-AFC4-6F175D3DCCD1}">
-              <a14:hiddenFill xmlns:a14="http://schemas.microsoft.com/office/drawing/2010/main">
-                <a:solidFill>
-                  <a:srgbClr val="FFFFFF"/>
-                </a:solidFill>
-              </a14:hiddenFill>
-            </a:ext>
-            <a:ext uri="{91240B29-F687-4F45-9708-019B960494DF}">
-              <a14:hiddenLine xmlns:a14="http://schemas.microsoft.com/office/drawing/2010/main" w="9525">
-                <a:solidFill>
-                  <a:srgbClr val="000000"/>
-                </a:solidFill>
-                <a:round/>
-                <a:headEnd/>
-                <a:tailEnd/>
-              </a14:hiddenLine>
-            </a:ext>
-            <a:ext uri="{AF507438-7753-43E0-B8FC-AC1667EBCBE1}">
-              <a14:hiddenEffects xmlns:a14="http://schemas.microsoft.com/office/drawing/2010/main">
-                <a:effectLst>
-                  <a:outerShdw dist="35921" dir="2700000" algn="ctr" rotWithShape="0">
-                    <a:schemeClr val="bg2"/>
-                  </a:outerShdw>
-                </a:effectLst>
-              </a14:hiddenEffects>
-            </a:ext>
-          </a:extLst>
         </p:spPr>
         <p:txBody>
           <a:bodyPr vert="horz" wrap="square" lIns="95514" tIns="47578" rIns="95514" bIns="47578" numCol="1" anchor="t" anchorCtr="0" compatLnSpc="1">
@@ -925,7 +668,7 @@
       </p:sp>
       <p:sp>
         <p:nvSpPr>
-          <p:cNvPr id="3078" name="Rectangle 6"/>
+          <p:cNvPr id="1048674" name="Rectangle 6"/>
           <p:cNvSpPr>
             <a:spLocks noGrp="1" noChangeArrowheads="1"/>
           </p:cNvSpPr>
@@ -946,34 +689,6 @@
             <a:noFill/>
           </a:ln>
           <a:effectLst/>
-          <a:extLst>
-            <a:ext uri="{909E8E84-426E-40DD-AFC4-6F175D3DCCD1}">
-              <a14:hiddenFill xmlns:a14="http://schemas.microsoft.com/office/drawing/2010/main">
-                <a:solidFill>
-                  <a:srgbClr val="FFFFFF"/>
-                </a:solidFill>
-              </a14:hiddenFill>
-            </a:ext>
-            <a:ext uri="{91240B29-F687-4F45-9708-019B960494DF}">
-              <a14:hiddenLine xmlns:a14="http://schemas.microsoft.com/office/drawing/2010/main" w="9525">
-                <a:solidFill>
-                  <a:srgbClr val="000000"/>
-                </a:solidFill>
-                <a:round/>
-                <a:headEnd/>
-                <a:tailEnd/>
-              </a14:hiddenLine>
-            </a:ext>
-            <a:ext uri="{AF507438-7753-43E0-B8FC-AC1667EBCBE1}">
-              <a14:hiddenEffects xmlns:a14="http://schemas.microsoft.com/office/drawing/2010/main">
-                <a:effectLst>
-                  <a:outerShdw dist="35921" dir="2700000" algn="ctr" rotWithShape="0">
-                    <a:schemeClr val="bg2"/>
-                  </a:outerShdw>
-                </a:effectLst>
-              </a14:hiddenEffects>
-            </a:ext>
-          </a:extLst>
         </p:spPr>
         <p:txBody>
           <a:bodyPr vert="horz" wrap="square" lIns="95514" tIns="47578" rIns="95514" bIns="47578" numCol="1" anchor="ctr" anchorCtr="0" compatLnSpc="1">
@@ -1004,9 +719,6 @@
             </a:lvl1pPr>
           </a:lstStyle>
           <a:p>
-            <a:pPr>
-              <a:defRPr/>
-            </a:pPr>
             <a:r>
               <a:rPr lang="en-GB"/>
               <a:t>|  </a:t>
@@ -1016,7 +728,7 @@
       </p:sp>
       <p:sp>
         <p:nvSpPr>
-          <p:cNvPr id="3079" name="Rectangle 7"/>
+          <p:cNvPr id="1048675" name="Rectangle 7"/>
           <p:cNvSpPr>
             <a:spLocks noGrp="1" noChangeArrowheads="1"/>
           </p:cNvSpPr>
@@ -1037,34 +749,6 @@
             <a:noFill/>
           </a:ln>
           <a:effectLst/>
-          <a:extLst>
-            <a:ext uri="{909E8E84-426E-40DD-AFC4-6F175D3DCCD1}">
-              <a14:hiddenFill xmlns:a14="http://schemas.microsoft.com/office/drawing/2010/main">
-                <a:solidFill>
-                  <a:srgbClr val="FFFFFF"/>
-                </a:solidFill>
-              </a14:hiddenFill>
-            </a:ext>
-            <a:ext uri="{91240B29-F687-4F45-9708-019B960494DF}">
-              <a14:hiddenLine xmlns:a14="http://schemas.microsoft.com/office/drawing/2010/main" w="9525">
-                <a:solidFill>
-                  <a:srgbClr val="000000"/>
-                </a:solidFill>
-                <a:round/>
-                <a:headEnd/>
-                <a:tailEnd/>
-              </a14:hiddenLine>
-            </a:ext>
-            <a:ext uri="{AF507438-7753-43E0-B8FC-AC1667EBCBE1}">
-              <a14:hiddenEffects xmlns:a14="http://schemas.microsoft.com/office/drawing/2010/main">
-                <a:effectLst>
-                  <a:outerShdw dist="35921" dir="2700000" algn="ctr" rotWithShape="0">
-                    <a:schemeClr val="bg2"/>
-                  </a:outerShdw>
-                </a:effectLst>
-              </a14:hiddenEffects>
-            </a:ext>
-          </a:extLst>
         </p:spPr>
         <p:txBody>
           <a:bodyPr vert="horz" wrap="square" lIns="95514" tIns="47578" rIns="95514" bIns="47578" numCol="1" anchor="ctr" anchorCtr="0" compatLnSpc="1">
@@ -1091,18 +775,12 @@
             </a:lvl1pPr>
           </a:lstStyle>
           <a:p>
-            <a:pPr>
-              <a:defRPr/>
-            </a:pPr>
             <a:r>
               <a:rPr lang="en-GB"/>
               <a:t>|  </a:t>
             </a:r>
             <a:fld id="{92C156F3-6C7D-4C62-B24F-CEC351458306}" type="slidenum">
               <a:rPr lang="en-GB"/>
-              <a:pPr>
-                <a:defRPr/>
-              </a:pPr>
               <a:t>‹Nr.›</a:t>
             </a:fld>
             <a:endParaRPr lang="en-GB"/>
@@ -1111,7 +789,7 @@
       </p:sp>
       <p:sp>
         <p:nvSpPr>
-          <p:cNvPr id="6153" name="Rectangle 8"/>
+          <p:cNvPr id="1048676" name="Rectangle 8"/>
           <p:cNvSpPr>
             <a:spLocks noChangeArrowheads="1"/>
           </p:cNvSpPr>
@@ -1130,34 +808,6 @@
             <a:noFill/>
           </a:ln>
           <a:effectLst/>
-          <a:extLst>
-            <a:ext uri="{909E8E84-426E-40DD-AFC4-6F175D3DCCD1}">
-              <a14:hiddenFill xmlns:a14="http://schemas.microsoft.com/office/drawing/2010/main">
-                <a:solidFill>
-                  <a:srgbClr val="FFFFFF"/>
-                </a:solidFill>
-              </a14:hiddenFill>
-            </a:ext>
-            <a:ext uri="{91240B29-F687-4F45-9708-019B960494DF}">
-              <a14:hiddenLine xmlns:a14="http://schemas.microsoft.com/office/drawing/2010/main" w="9525">
-                <a:solidFill>
-                  <a:srgbClr val="000000"/>
-                </a:solidFill>
-                <a:round/>
-                <a:headEnd/>
-                <a:tailEnd/>
-              </a14:hiddenLine>
-            </a:ext>
-            <a:ext uri="{AF507438-7753-43E0-B8FC-AC1667EBCBE1}">
-              <a14:hiddenEffects xmlns:a14="http://schemas.microsoft.com/office/drawing/2010/main">
-                <a:effectLst>
-                  <a:outerShdw dist="35921" dir="2700000" algn="ctr" rotWithShape="0">
-                    <a:srgbClr val="808080"/>
-                  </a:outerShdw>
-                </a:effectLst>
-              </a14:hiddenEffects>
-            </a:ext>
-          </a:extLst>
         </p:spPr>
         <p:txBody>
           <a:bodyPr lIns="112686" tIns="0" rIns="0" bIns="0" anchor="ctr"/>
@@ -1195,7 +845,7 @@
       </p:sp>
       <p:sp>
         <p:nvSpPr>
-          <p:cNvPr id="6154" name="Rectangle 9"/>
+          <p:cNvPr id="1048677" name="Rectangle 9"/>
           <p:cNvSpPr>
             <a:spLocks noChangeArrowheads="1"/>
           </p:cNvSpPr>
@@ -1216,27 +866,6 @@
             <a:noFill/>
           </a:ln>
           <a:effectLst/>
-          <a:extLst>
-            <a:ext uri="{91240B29-F687-4F45-9708-019B960494DF}">
-              <a14:hiddenLine xmlns:a14="http://schemas.microsoft.com/office/drawing/2010/main" w="9525">
-                <a:solidFill>
-                  <a:srgbClr val="000000"/>
-                </a:solidFill>
-                <a:round/>
-                <a:headEnd/>
-                <a:tailEnd/>
-              </a14:hiddenLine>
-            </a:ext>
-            <a:ext uri="{AF507438-7753-43E0-B8FC-AC1667EBCBE1}">
-              <a14:hiddenEffects xmlns:a14="http://schemas.microsoft.com/office/drawing/2010/main">
-                <a:effectLst>
-                  <a:outerShdw dist="35921" dir="2700000" algn="ctr" rotWithShape="0">
-                    <a:srgbClr val="808080"/>
-                  </a:outerShdw>
-                </a:effectLst>
-              </a14:hiddenEffects>
-            </a:ext>
-          </a:extLst>
         </p:spPr>
         <p:txBody>
           <a:bodyPr wrap="none" lIns="90864" tIns="45432" rIns="90864" bIns="45432" anchor="ctr"/>
@@ -1248,7 +877,7 @@
       </p:sp>
       <p:sp>
         <p:nvSpPr>
-          <p:cNvPr id="6155" name="Line 10"/>
+          <p:cNvPr id="1048678" name="Line 10"/>
           <p:cNvSpPr>
             <a:spLocks noChangeShapeType="1"/>
           </p:cNvSpPr>
@@ -1272,22 +901,6 @@
             <a:tailEnd/>
           </a:ln>
           <a:effectLst/>
-          <a:extLst>
-            <a:ext uri="{909E8E84-426E-40DD-AFC4-6F175D3DCCD1}">
-              <a14:hiddenFill xmlns:a14="http://schemas.microsoft.com/office/drawing/2010/main">
-                <a:noFill/>
-              </a14:hiddenFill>
-            </a:ext>
-            <a:ext uri="{AF507438-7753-43E0-B8FC-AC1667EBCBE1}">
-              <a14:hiddenEffects xmlns:a14="http://schemas.microsoft.com/office/drawing/2010/main">
-                <a:effectLst>
-                  <a:outerShdw dist="35921" dir="2700000" algn="ctr" rotWithShape="0">
-                    <a:srgbClr val="808080"/>
-                  </a:outerShdw>
-                </a:effectLst>
-              </a14:hiddenEffects>
-            </a:ext>
-          </a:extLst>
         </p:spPr>
         <p:txBody>
           <a:bodyPr lIns="90864" tIns="45432" rIns="90864" bIns="45432"/>
@@ -1299,7 +912,7 @@
       </p:sp>
       <p:sp>
         <p:nvSpPr>
-          <p:cNvPr id="6156" name="Line 11"/>
+          <p:cNvPr id="1048679" name="Line 11"/>
           <p:cNvSpPr>
             <a:spLocks noChangeShapeType="1"/>
           </p:cNvSpPr>
@@ -1323,22 +936,6 @@
             <a:tailEnd/>
           </a:ln>
           <a:effectLst/>
-          <a:extLst>
-            <a:ext uri="{909E8E84-426E-40DD-AFC4-6F175D3DCCD1}">
-              <a14:hiddenFill xmlns:a14="http://schemas.microsoft.com/office/drawing/2010/main">
-                <a:noFill/>
-              </a14:hiddenFill>
-            </a:ext>
-            <a:ext uri="{AF507438-7753-43E0-B8FC-AC1667EBCBE1}">
-              <a14:hiddenEffects xmlns:a14="http://schemas.microsoft.com/office/drawing/2010/main">
-                <a:effectLst>
-                  <a:outerShdw dist="35921" dir="2700000" algn="ctr" rotWithShape="0">
-                    <a:srgbClr val="808080"/>
-                  </a:outerShdw>
-                </a:effectLst>
-              </a14:hiddenEffects>
-            </a:ext>
-          </a:extLst>
         </p:spPr>
         <p:txBody>
           <a:bodyPr lIns="90864" tIns="45432" rIns="90864" bIns="45432"/>
@@ -1350,7 +947,7 @@
       </p:sp>
       <p:sp>
         <p:nvSpPr>
-          <p:cNvPr id="6157" name="Line 12"/>
+          <p:cNvPr id="1048680" name="Line 12"/>
           <p:cNvSpPr>
             <a:spLocks noChangeShapeType="1"/>
           </p:cNvSpPr>
@@ -1374,22 +971,6 @@
             <a:tailEnd/>
           </a:ln>
           <a:effectLst/>
-          <a:extLst>
-            <a:ext uri="{909E8E84-426E-40DD-AFC4-6F175D3DCCD1}">
-              <a14:hiddenFill xmlns:a14="http://schemas.microsoft.com/office/drawing/2010/main">
-                <a:noFill/>
-              </a14:hiddenFill>
-            </a:ext>
-            <a:ext uri="{AF507438-7753-43E0-B8FC-AC1667EBCBE1}">
-              <a14:hiddenEffects xmlns:a14="http://schemas.microsoft.com/office/drawing/2010/main">
-                <a:effectLst>
-                  <a:outerShdw dist="35921" dir="2700000" algn="ctr" rotWithShape="0">
-                    <a:srgbClr val="808080"/>
-                  </a:outerShdw>
-                </a:effectLst>
-              </a14:hiddenEffects>
-            </a:ext>
-          </a:extLst>
         </p:spPr>
         <p:txBody>
           <a:bodyPr lIns="90864" tIns="45432" rIns="90864" bIns="45432"/>
@@ -1401,7 +982,7 @@
       </p:sp>
       <p:sp>
         <p:nvSpPr>
-          <p:cNvPr id="6158" name="Line 13"/>
+          <p:cNvPr id="1048681" name="Line 13"/>
           <p:cNvSpPr>
             <a:spLocks noChangeShapeType="1"/>
           </p:cNvSpPr>
@@ -1425,22 +1006,6 @@
             <a:tailEnd/>
           </a:ln>
           <a:effectLst/>
-          <a:extLst>
-            <a:ext uri="{909E8E84-426E-40DD-AFC4-6F175D3DCCD1}">
-              <a14:hiddenFill xmlns:a14="http://schemas.microsoft.com/office/drawing/2010/main">
-                <a:noFill/>
-              </a14:hiddenFill>
-            </a:ext>
-            <a:ext uri="{AF507438-7753-43E0-B8FC-AC1667EBCBE1}">
-              <a14:hiddenEffects xmlns:a14="http://schemas.microsoft.com/office/drawing/2010/main">
-                <a:effectLst>
-                  <a:outerShdw dist="35921" dir="2700000" algn="ctr" rotWithShape="0">
-                    <a:srgbClr val="808080"/>
-                  </a:outerShdw>
-                </a:effectLst>
-              </a14:hiddenEffects>
-            </a:ext>
-          </a:extLst>
         </p:spPr>
         <p:txBody>
           <a:bodyPr lIns="90864" tIns="45432" rIns="90864" bIns="45432"/>
@@ -1453,7 +1018,7 @@
     </p:spTree>
     <p:extLst>
       <p:ext uri="{BB962C8B-B14F-4D97-AF65-F5344CB8AC3E}">
-        <p14:creationId xmlns:p14="http://schemas.microsoft.com/office/powerpoint/2010/main" val="4110397197"/>
+        <p14:creationId xmlns:p14="http://schemas.microsoft.com/office/powerpoint/2010/main" val="3290858648"/>
       </p:ext>
     </p:extLst>
   </p:cSld>
@@ -1628,7 +1193,7 @@
       </p:grpSpPr>
       <p:sp>
         <p:nvSpPr>
-          <p:cNvPr id="7170" name="Rectangle 3"/>
+          <p:cNvPr id="1048599" name="Rectangle 3"/>
           <p:cNvSpPr>
             <a:spLocks noGrp="1" noChangeArrowheads="1"/>
           </p:cNvSpPr>
@@ -1823,7 +1388,7 @@
       </p:sp>
       <p:sp>
         <p:nvSpPr>
-          <p:cNvPr id="7171" name="Rectangle 6"/>
+          <p:cNvPr id="1048600" name="Rectangle 6"/>
           <p:cNvSpPr>
             <a:spLocks noGrp="1" noChangeArrowheads="1"/>
           </p:cNvSpPr>
@@ -2045,7 +1610,7 @@
       </p:sp>
       <p:sp>
         <p:nvSpPr>
-          <p:cNvPr id="7172" name="Rectangle 7"/>
+          <p:cNvPr id="1048601" name="Rectangle 7"/>
           <p:cNvSpPr>
             <a:spLocks noGrp="1" noChangeArrowheads="1"/>
           </p:cNvSpPr>
@@ -2247,7 +1812,7 @@
       </p:sp>
       <p:sp>
         <p:nvSpPr>
-          <p:cNvPr id="7173" name="Rectangle 2"/>
+          <p:cNvPr id="1048602" name="Rectangle 2"/>
           <p:cNvSpPr>
             <a:spLocks noGrp="1" noRot="1" noChangeAspect="1" noChangeArrowheads="1" noTextEdit="1"/>
           </p:cNvSpPr>
@@ -2260,12 +1825,11 @@
             <a:off x="1168400" y="1004888"/>
             <a:ext cx="4440238" cy="3330575"/>
           </a:xfrm>
-          <a:ln/>
         </p:spPr>
       </p:sp>
       <p:sp>
         <p:nvSpPr>
-          <p:cNvPr id="7174" name="Rectangle 3"/>
+          <p:cNvPr id="1048603" name="Rectangle 3"/>
           <p:cNvSpPr>
             <a:spLocks noGrp="1" noChangeArrowheads="1"/>
           </p:cNvSpPr>
@@ -2292,11 +1856,6 @@
     <p:custDataLst>
       <p:tags r:id="rId1"/>
     </p:custDataLst>
-    <p:extLst>
-      <p:ext uri="{BB962C8B-B14F-4D97-AF65-F5344CB8AC3E}">
-        <p14:creationId xmlns:p14="http://schemas.microsoft.com/office/powerpoint/2010/main" val="1931926535"/>
-      </p:ext>
-    </p:extLst>
   </p:cSld>
   <p:clrMapOvr>
     <a:masterClrMapping/>
@@ -2323,7 +1882,7 @@
       </p:grpSpPr>
       <p:sp>
         <p:nvSpPr>
-          <p:cNvPr id="2" name="Folienbildplatzhalter 1"/>
+          <p:cNvPr id="1048612" name="Folienbildplatzhalter 1"/>
           <p:cNvSpPr>
             <a:spLocks noGrp="1" noRot="1" noChangeAspect="1"/>
           </p:cNvSpPr>
@@ -2335,7 +1894,7 @@
       </p:sp>
       <p:sp>
         <p:nvSpPr>
-          <p:cNvPr id="3" name="Notizenplatzhalter 2"/>
+          <p:cNvPr id="1048613" name="Notizenplatzhalter 2"/>
           <p:cNvSpPr>
             <a:spLocks noGrp="1"/>
           </p:cNvSpPr>
@@ -2366,7 +1925,7 @@
       </p:sp>
       <p:sp>
         <p:nvSpPr>
-          <p:cNvPr id="4" name="Datumsplatzhalter 3"/>
+          <p:cNvPr id="1048614" name="Datumsplatzhalter 3"/>
           <p:cNvSpPr>
             <a:spLocks noGrp="1"/>
           </p:cNvSpPr>
@@ -2379,9 +1938,6 @@
           <a:bodyPr/>
           <a:lstStyle/>
           <a:p>
-            <a:pPr>
-              <a:defRPr/>
-            </a:pPr>
             <a:r>
               <a:rPr lang="en-GB" smtClean="0"/>
               <a:t>November 19, 2007</a:t>
@@ -2392,7 +1948,7 @@
       </p:sp>
       <p:sp>
         <p:nvSpPr>
-          <p:cNvPr id="5" name="Fußzeilenplatzhalter 4"/>
+          <p:cNvPr id="1048615" name="Fußzeilenplatzhalter 4"/>
           <p:cNvSpPr>
             <a:spLocks noGrp="1"/>
           </p:cNvSpPr>
@@ -2405,9 +1961,6 @@
           <a:bodyPr/>
           <a:lstStyle/>
           <a:p>
-            <a:pPr>
-              <a:defRPr/>
-            </a:pPr>
             <a:r>
               <a:rPr lang="en-GB" smtClean="0"/>
               <a:t>|  </a:t>
@@ -2418,7 +1971,7 @@
       </p:sp>
       <p:sp>
         <p:nvSpPr>
-          <p:cNvPr id="6" name="Foliennummernplatzhalter 5"/>
+          <p:cNvPr id="1048616" name="Foliennummernplatzhalter 5"/>
           <p:cNvSpPr>
             <a:spLocks noGrp="1"/>
           </p:cNvSpPr>
@@ -2431,30 +1984,19 @@
           <a:bodyPr/>
           <a:lstStyle/>
           <a:p>
-            <a:pPr>
-              <a:defRPr/>
-            </a:pPr>
             <a:r>
               <a:rPr lang="en-GB" smtClean="0"/>
               <a:t>|  </a:t>
             </a:r>
             <a:fld id="{92C156F3-6C7D-4C62-B24F-CEC351458306}" type="slidenum">
               <a:rPr lang="en-GB" smtClean="0"/>
-              <a:pPr>
-                <a:defRPr/>
-              </a:pPr>
-              <a:t>4</a:t>
+              <a:t>5</a:t>
             </a:fld>
             <a:endParaRPr lang="en-GB"/>
           </a:p>
         </p:txBody>
       </p:sp>
     </p:spTree>
-    <p:extLst>
-      <p:ext uri="{BB962C8B-B14F-4D97-AF65-F5344CB8AC3E}">
-        <p14:creationId xmlns:p14="http://schemas.microsoft.com/office/powerpoint/2010/main" val="2731160873"/>
-      </p:ext>
-    </p:extLst>
   </p:cSld>
   <p:clrMapOvr>
     <a:masterClrMapping/>
@@ -2481,7 +2023,7 @@
       </p:grpSpPr>
       <p:sp>
         <p:nvSpPr>
-          <p:cNvPr id="4" name="Rectangle 2"/>
+          <p:cNvPr id="1048584" name="Rectangle 2"/>
           <p:cNvSpPr>
             <a:spLocks noChangeArrowheads="1"/>
           </p:cNvSpPr>
@@ -2502,27 +2044,6 @@
             <a:noFill/>
           </a:ln>
           <a:effectLst/>
-          <a:extLst>
-            <a:ext uri="{91240B29-F687-4F45-9708-019B960494DF}">
-              <a14:hiddenLine xmlns:a14="http://schemas.microsoft.com/office/drawing/2010/main" w="9525">
-                <a:solidFill>
-                  <a:schemeClr val="tx1"/>
-                </a:solidFill>
-                <a:miter lim="800000"/>
-                <a:headEnd/>
-                <a:tailEnd/>
-              </a14:hiddenLine>
-            </a:ext>
-            <a:ext uri="{AF507438-7753-43E0-B8FC-AC1667EBCBE1}">
-              <a14:hiddenEffects xmlns:a14="http://schemas.microsoft.com/office/drawing/2010/main">
-                <a:effectLst>
-                  <a:outerShdw dist="35921" dir="2700000" algn="ctr" rotWithShape="0">
-                    <a:schemeClr val="bg2"/>
-                  </a:outerShdw>
-                </a:effectLst>
-              </a14:hiddenEffects>
-            </a:ext>
-          </a:extLst>
         </p:spPr>
         <p:txBody>
           <a:bodyPr wrap="none" anchor="ctr"/>
@@ -2547,7 +2068,7 @@
       </p:sp>
       <p:sp>
         <p:nvSpPr>
-          <p:cNvPr id="6" name="Rectangle 6"/>
+          <p:cNvPr id="1048585" name="Rectangle 6"/>
           <p:cNvSpPr>
             <a:spLocks noChangeArrowheads="1"/>
           </p:cNvSpPr>
@@ -2567,18 +2088,6 @@
           <a:ln>
             <a:noFill/>
           </a:ln>
-          <a:extLst>
-            <a:ext uri="{91240B29-F687-4F45-9708-019B960494DF}">
-              <a14:hiddenLine xmlns:a14="http://schemas.microsoft.com/office/drawing/2010/main" w="3175">
-                <a:solidFill>
-                  <a:srgbClr val="B5B5B5"/>
-                </a:solidFill>
-                <a:miter lim="800000"/>
-                <a:headEnd/>
-                <a:tailEnd/>
-              </a14:hiddenLine>
-            </a:ext>
-          </a:extLst>
         </p:spPr>
         <p:txBody>
           <a:bodyPr/>
@@ -2590,7 +2099,7 @@
       </p:sp>
       <p:sp>
         <p:nvSpPr>
-          <p:cNvPr id="7" name="Rectangle 8"/>
+          <p:cNvPr id="1048586" name="Rectangle 8"/>
           <p:cNvSpPr>
             <a:spLocks noChangeArrowheads="1"/>
           </p:cNvSpPr>
@@ -2611,27 +2120,6 @@
             <a:noFill/>
           </a:ln>
           <a:effectLst/>
-          <a:extLst>
-            <a:ext uri="{91240B29-F687-4F45-9708-019B960494DF}">
-              <a14:hiddenLine xmlns:a14="http://schemas.microsoft.com/office/drawing/2010/main" w="9525">
-                <a:solidFill>
-                  <a:schemeClr val="tx1"/>
-                </a:solidFill>
-                <a:miter lim="800000"/>
-                <a:headEnd/>
-                <a:tailEnd/>
-              </a14:hiddenLine>
-            </a:ext>
-            <a:ext uri="{AF507438-7753-43E0-B8FC-AC1667EBCBE1}">
-              <a14:hiddenEffects xmlns:a14="http://schemas.microsoft.com/office/drawing/2010/main">
-                <a:effectLst>
-                  <a:outerShdw dist="35921" dir="2700000" algn="ctr" rotWithShape="0">
-                    <a:schemeClr val="bg2"/>
-                  </a:outerShdw>
-                </a:effectLst>
-              </a14:hiddenEffects>
-            </a:ext>
-          </a:extLst>
         </p:spPr>
         <p:txBody>
           <a:bodyPr wrap="none" anchor="ctr"/>
@@ -2643,7 +2131,7 @@
       </p:sp>
       <p:sp>
         <p:nvSpPr>
-          <p:cNvPr id="8" name="Rectangle 9"/>
+          <p:cNvPr id="1048587" name="Rectangle 9"/>
           <p:cNvSpPr>
             <a:spLocks noChangeArrowheads="1"/>
           </p:cNvSpPr>
@@ -2664,27 +2152,6 @@
             <a:noFill/>
           </a:ln>
           <a:effectLst/>
-          <a:extLst>
-            <a:ext uri="{91240B29-F687-4F45-9708-019B960494DF}">
-              <a14:hiddenLine xmlns:a14="http://schemas.microsoft.com/office/drawing/2010/main" w="9525">
-                <a:solidFill>
-                  <a:schemeClr val="tx1"/>
-                </a:solidFill>
-                <a:miter lim="800000"/>
-                <a:headEnd/>
-                <a:tailEnd/>
-              </a14:hiddenLine>
-            </a:ext>
-            <a:ext uri="{AF507438-7753-43E0-B8FC-AC1667EBCBE1}">
-              <a14:hiddenEffects xmlns:a14="http://schemas.microsoft.com/office/drawing/2010/main">
-                <a:effectLst>
-                  <a:outerShdw dist="35921" dir="2700000" algn="ctr" rotWithShape="0">
-                    <a:schemeClr val="bg2"/>
-                  </a:outerShdw>
-                </a:effectLst>
-              </a14:hiddenEffects>
-            </a:ext>
-          </a:extLst>
         </p:spPr>
         <p:txBody>
           <a:bodyPr wrap="none" anchor="ctr"/>
@@ -2696,7 +2163,7 @@
       </p:sp>
       <p:sp>
         <p:nvSpPr>
-          <p:cNvPr id="10" name="Text Box 11"/>
+          <p:cNvPr id="1048588" name="Text Box 11"/>
           <p:cNvSpPr txBox="1">
             <a:spLocks noChangeArrowheads="1"/>
           </p:cNvSpPr>
@@ -2715,34 +2182,6 @@
             <a:noFill/>
           </a:ln>
           <a:effectLst/>
-          <a:extLst>
-            <a:ext uri="{909E8E84-426E-40DD-AFC4-6F175D3DCCD1}">
-              <a14:hiddenFill xmlns:a14="http://schemas.microsoft.com/office/drawing/2010/main">
-                <a:solidFill>
-                  <a:srgbClr val="FFFF99"/>
-                </a:solidFill>
-              </a14:hiddenFill>
-            </a:ext>
-            <a:ext uri="{91240B29-F687-4F45-9708-019B960494DF}">
-              <a14:hiddenLine xmlns:a14="http://schemas.microsoft.com/office/drawing/2010/main" w="9525">
-                <a:solidFill>
-                  <a:schemeClr val="tx1"/>
-                </a:solidFill>
-                <a:miter lim="800000"/>
-                <a:headEnd/>
-                <a:tailEnd/>
-              </a14:hiddenLine>
-            </a:ext>
-            <a:ext uri="{AF507438-7753-43E0-B8FC-AC1667EBCBE1}">
-              <a14:hiddenEffects xmlns:a14="http://schemas.microsoft.com/office/drawing/2010/main">
-                <a:effectLst>
-                  <a:outerShdw dist="35921" dir="2700000" algn="ctr" rotWithShape="0">
-                    <a:schemeClr val="bg2"/>
-                  </a:outerShdw>
-                </a:effectLst>
-              </a14:hiddenEffects>
-            </a:ext>
-          </a:extLst>
         </p:spPr>
         <p:txBody>
           <a:bodyPr lIns="90000" tIns="46800" rIns="90000" bIns="46800" anchor="ctr">
@@ -2890,7 +2329,6 @@
               <a:buSzTx/>
               <a:buFontTx/>
               <a:buNone/>
-              <a:defRPr/>
             </a:pPr>
             <a:r>
               <a:rPr lang="en-US" sz="800" dirty="0" smtClean="0">
@@ -2905,7 +2343,7 @@
       </p:sp>
       <p:sp>
         <p:nvSpPr>
-          <p:cNvPr id="11" name="Line 12"/>
+          <p:cNvPr id="1048589" name="Line 12"/>
           <p:cNvSpPr>
             <a:spLocks noChangeShapeType="1"/>
           </p:cNvSpPr>
@@ -2928,13 +2366,6 @@
             <a:headEnd/>
             <a:tailEnd/>
           </a:ln>
-          <a:extLst>
-            <a:ext uri="{909E8E84-426E-40DD-AFC4-6F175D3DCCD1}">
-              <a14:hiddenFill xmlns:a14="http://schemas.microsoft.com/office/drawing/2010/main">
-                <a:noFill/>
-              </a14:hiddenFill>
-            </a:ext>
-          </a:extLst>
         </p:spPr>
         <p:txBody>
           <a:bodyPr/>
@@ -2946,7 +2377,7 @@
       </p:sp>
       <p:sp>
         <p:nvSpPr>
-          <p:cNvPr id="153604" name="Rectangle 4"/>
+          <p:cNvPr id="1048590" name="Rectangle 4"/>
           <p:cNvSpPr>
             <a:spLocks noGrp="1" noChangeArrowheads="1"/>
           </p:cNvSpPr>
@@ -2982,7 +2413,7 @@
       </p:sp>
       <p:sp>
         <p:nvSpPr>
-          <p:cNvPr id="153605" name="Rectangle 5"/>
+          <p:cNvPr id="1048591" name="Rectangle 5"/>
           <p:cNvSpPr>
             <a:spLocks noGrp="1" noChangeArrowheads="1"/>
           </p:cNvSpPr>
@@ -3021,20 +2452,14 @@
       </p:sp>
       <p:pic>
         <p:nvPicPr>
-          <p:cNvPr id="3" name="Grafik 2"/>
+          <p:cNvPr id="2097154" name="Grafik 2"/>
           <p:cNvPicPr>
             <a:picLocks noChangeAspect="1"/>
           </p:cNvPicPr>
           <p:nvPr userDrawn="1"/>
         </p:nvPicPr>
         <p:blipFill>
-          <a:blip r:embed="rId2">
-            <a:extLst>
-              <a:ext uri="{28A0092B-C50C-407E-A947-70E740481C1C}">
-                <a14:useLocalDpi xmlns:a14="http://schemas.microsoft.com/office/drawing/2010/main" val="0"/>
-              </a:ext>
-            </a:extLst>
-          </a:blip>
+          <a:blip r:embed="rId2"/>
           <a:stretch>
             <a:fillRect/>
           </a:stretch>
@@ -3051,14 +2476,14 @@
       </p:pic>
       <p:sp>
         <p:nvSpPr>
-          <p:cNvPr id="5" name="Textfeld 4"/>
+          <p:cNvPr id="1048592" name="Textfeld 4"/>
           <p:cNvSpPr txBox="1"/>
           <p:nvPr userDrawn="1"/>
         </p:nvSpPr>
         <p:spPr>
           <a:xfrm>
             <a:off x="6699962" y="5181001"/>
-            <a:ext cx="2191626" cy="1294585"/>
+            <a:ext cx="2062480" cy="1285239"/>
           </a:xfrm>
           <a:prstGeom prst="rect">
             <a:avLst/>
@@ -3098,8 +2523,6 @@
               <a:buSzPct val="100000"/>
               <a:buFont typeface="Arial" pitchFamily="34" charset="0"/>
               <a:buNone/>
-              <a:tabLst/>
-              <a:defRPr/>
             </a:pPr>
             <a:r>
               <a:rPr lang="en-US" sz="1400" b="1" smtClean="0">
@@ -3180,7 +2603,7 @@
       </p:sp>
       <p:sp>
         <p:nvSpPr>
-          <p:cNvPr id="13" name="Inhaltsplatzhalter 12"/>
+          <p:cNvPr id="1048593" name="Inhaltsplatzhalter 12"/>
           <p:cNvSpPr>
             <a:spLocks noGrp="1"/>
           </p:cNvSpPr>
@@ -3249,7 +2672,7 @@
       </p:sp>
       <p:grpSp>
         <p:nvGrpSpPr>
-          <p:cNvPr id="15" name="Gruppieren 14"/>
+          <p:cNvPr id="31" name="Gruppieren 14"/>
           <p:cNvGrpSpPr/>
           <p:nvPr userDrawn="1"/>
         </p:nvGrpSpPr>
@@ -3263,7 +2686,7 @@
         </p:grpSpPr>
         <p:sp>
           <p:nvSpPr>
-            <p:cNvPr id="14" name="Rechteck 13"/>
+            <p:cNvPr id="1048594" name="Rechteck 13"/>
             <p:cNvSpPr/>
             <p:nvPr userDrawn="1"/>
           </p:nvSpPr>
@@ -3286,7 +2709,6 @@
               <a:tailEnd type="none" w="med" len="med"/>
             </a:ln>
             <a:effectLst/>
-            <a:extLst/>
           </p:spPr>
           <p:txBody>
             <a:bodyPr vert="horz" wrap="none" lIns="91440" tIns="45720" rIns="91440" bIns="45720" numCol="1" rtlCol="0" anchor="ctr" anchorCtr="0" compatLnSpc="1">
@@ -3312,7 +2734,6 @@
                 <a:buSzPct val="100000"/>
                 <a:buFont typeface="Arial" charset="0"/>
                 <a:buNone/>
-                <a:tabLst/>
               </a:pPr>
               <a:endParaRPr kumimoji="0" lang="en-US" sz="1800" b="0" i="0" u="none" strike="noStrike" cap="none" normalizeH="0" baseline="0" smtClean="0">
                 <a:ln>
@@ -3329,7 +2750,7 @@
         </p:sp>
         <p:pic>
           <p:nvPicPr>
-            <p:cNvPr id="23" name="Picture 18" descr="tud_logo"/>
+            <p:cNvPr id="2097155" name="Picture 18" descr="tud_logo"/>
             <p:cNvPicPr>
               <a:picLocks noChangeAspect="1" noChangeArrowheads="1"/>
             </p:cNvPicPr>
@@ -3347,11 +2768,6 @@
                   </a:srgbClr>
                 </a:clrTo>
               </a:clrChange>
-              <a:extLst>
-                <a:ext uri="{28A0092B-C50C-407E-A947-70E740481C1C}">
-                  <a14:useLocalDpi xmlns:a14="http://schemas.microsoft.com/office/drawing/2010/main" val="0"/>
-                </a:ext>
-              </a:extLst>
             </a:blip>
             <a:srcRect r="5453"/>
             <a:stretch>
@@ -3370,45 +2786,14 @@
             <a:ln>
               <a:noFill/>
             </a:ln>
-            <a:extLst>
-              <a:ext uri="{909E8E84-426E-40DD-AFC4-6F175D3DCCD1}">
-                <a14:hiddenFill xmlns:a14="http://schemas.microsoft.com/office/drawing/2010/main">
-                  <a:solidFill>
-                    <a:srgbClr val="FFFFFF"/>
-                  </a:solidFill>
-                </a14:hiddenFill>
-              </a:ext>
-              <a:ext uri="{91240B29-F687-4F45-9708-019B960494DF}">
-                <a14:hiddenLine xmlns:a14="http://schemas.microsoft.com/office/drawing/2010/main" w="9525">
-                  <a:solidFill>
-                    <a:srgbClr val="000000"/>
-                  </a:solidFill>
-                  <a:miter lim="800000"/>
-                  <a:headEnd/>
-                  <a:tailEnd/>
-                </a14:hiddenLine>
-              </a:ext>
-            </a:extLst>
           </p:spPr>
         </p:pic>
       </p:grpSp>
     </p:spTree>
-    <p:extLst>
-      <p:ext uri="{BB962C8B-B14F-4D97-AF65-F5344CB8AC3E}">
-        <p14:creationId xmlns:p14="http://schemas.microsoft.com/office/powerpoint/2010/main" val="659327809"/>
-      </p:ext>
-    </p:extLst>
   </p:cSld>
   <p:clrMapOvr>
     <a:masterClrMapping/>
   </p:clrMapOvr>
-  <p:timing>
-    <p:tnLst>
-      <p:par>
-        <p:cTn id="1" dur="indefinite" restart="never" nodeType="tmRoot"/>
-      </p:par>
-    </p:tnLst>
-  </p:timing>
 </p:sldLayout>
 </file>
 
@@ -3430,22 +2815,10 @@
         </a:xfrm>
       </p:grpSpPr>
     </p:spTree>
-    <p:extLst>
-      <p:ext uri="{BB962C8B-B14F-4D97-AF65-F5344CB8AC3E}">
-        <p14:creationId xmlns:p14="http://schemas.microsoft.com/office/powerpoint/2010/main" val="1120385250"/>
-      </p:ext>
-    </p:extLst>
   </p:cSld>
   <p:clrMapOvr>
     <a:masterClrMapping/>
   </p:clrMapOvr>
-  <p:timing>
-    <p:tnLst>
-      <p:par>
-        <p:cTn id="1" dur="indefinite" restart="never" nodeType="tmRoot"/>
-      </p:par>
-    </p:tnLst>
-  </p:timing>
 </p:sldLayout>
 </file>
 
@@ -3468,7 +2841,7 @@
       </p:grpSpPr>
       <p:sp>
         <p:nvSpPr>
-          <p:cNvPr id="2" name="Titel 1"/>
+          <p:cNvPr id="1048660" name="Titel 1"/>
           <p:cNvSpPr>
             <a:spLocks noGrp="1"/>
           </p:cNvSpPr>
@@ -3500,7 +2873,7 @@
       </p:sp>
       <p:sp>
         <p:nvSpPr>
-          <p:cNvPr id="3" name="Inhaltsplatzhalter 2"/>
+          <p:cNvPr id="1048661" name="Inhaltsplatzhalter 2"/>
           <p:cNvSpPr>
             <a:spLocks noGrp="1"/>
           </p:cNvSpPr>
@@ -3585,7 +2958,7 @@
       </p:sp>
       <p:sp>
         <p:nvSpPr>
-          <p:cNvPr id="4" name="Textplatzhalter 3"/>
+          <p:cNvPr id="1048662" name="Textplatzhalter 3"/>
           <p:cNvSpPr>
             <a:spLocks noGrp="1"/>
           </p:cNvSpPr>
@@ -3649,22 +3022,10 @@
         </p:txBody>
       </p:sp>
     </p:spTree>
-    <p:extLst>
-      <p:ext uri="{BB962C8B-B14F-4D97-AF65-F5344CB8AC3E}">
-        <p14:creationId xmlns:p14="http://schemas.microsoft.com/office/powerpoint/2010/main" val="3237940660"/>
-      </p:ext>
-    </p:extLst>
   </p:cSld>
   <p:clrMapOvr>
     <a:masterClrMapping/>
   </p:clrMapOvr>
-  <p:timing>
-    <p:tnLst>
-      <p:par>
-        <p:cTn id="1" dur="indefinite" restart="never" nodeType="tmRoot"/>
-      </p:par>
-    </p:tnLst>
-  </p:timing>
 </p:sldLayout>
 </file>
 
@@ -3687,7 +3048,7 @@
       </p:grpSpPr>
       <p:sp>
         <p:nvSpPr>
-          <p:cNvPr id="2" name="Titel 1"/>
+          <p:cNvPr id="1048663" name="Titel 1"/>
           <p:cNvSpPr>
             <a:spLocks noGrp="1"/>
           </p:cNvSpPr>
@@ -3719,7 +3080,7 @@
       </p:sp>
       <p:sp>
         <p:nvSpPr>
-          <p:cNvPr id="3" name="Bildplatzhalter 2"/>
+          <p:cNvPr id="1048664" name="Bildplatzhalter 2"/>
           <p:cNvSpPr>
             <a:spLocks noGrp="1"/>
           </p:cNvSpPr>
@@ -3781,7 +3142,7 @@
       </p:sp>
       <p:sp>
         <p:nvSpPr>
-          <p:cNvPr id="4" name="Textplatzhalter 3"/>
+          <p:cNvPr id="1048665" name="Textplatzhalter 3"/>
           <p:cNvSpPr>
             <a:spLocks noGrp="1"/>
           </p:cNvSpPr>
@@ -3845,22 +3206,10 @@
         </p:txBody>
       </p:sp>
     </p:spTree>
-    <p:extLst>
-      <p:ext uri="{BB962C8B-B14F-4D97-AF65-F5344CB8AC3E}">
-        <p14:creationId xmlns:p14="http://schemas.microsoft.com/office/powerpoint/2010/main" val="646158957"/>
-      </p:ext>
-    </p:extLst>
   </p:cSld>
   <p:clrMapOvr>
     <a:masterClrMapping/>
   </p:clrMapOvr>
-  <p:timing>
-    <p:tnLst>
-      <p:par>
-        <p:cTn id="1" dur="indefinite" restart="never" nodeType="tmRoot"/>
-      </p:par>
-    </p:tnLst>
-  </p:timing>
 </p:sldLayout>
 </file>
 
@@ -3883,7 +3232,7 @@
       </p:grpSpPr>
       <p:sp>
         <p:nvSpPr>
-          <p:cNvPr id="2" name="Titel 1"/>
+          <p:cNvPr id="1048629" name="Titel 1"/>
           <p:cNvSpPr>
             <a:spLocks noGrp="1"/>
           </p:cNvSpPr>
@@ -3906,7 +3255,7 @@
       </p:sp>
       <p:sp>
         <p:nvSpPr>
-          <p:cNvPr id="3" name="Vertikaler Textplatzhalter 2"/>
+          <p:cNvPr id="1048630" name="Vertikaler Textplatzhalter 2"/>
           <p:cNvSpPr>
             <a:spLocks noGrp="1"/>
           </p:cNvSpPr>
@@ -3957,22 +3306,10 @@
         </p:txBody>
       </p:sp>
     </p:spTree>
-    <p:extLst>
-      <p:ext uri="{BB962C8B-B14F-4D97-AF65-F5344CB8AC3E}">
-        <p14:creationId xmlns:p14="http://schemas.microsoft.com/office/powerpoint/2010/main" val="180447919"/>
-      </p:ext>
-    </p:extLst>
   </p:cSld>
   <p:clrMapOvr>
     <a:masterClrMapping/>
   </p:clrMapOvr>
-  <p:timing>
-    <p:tnLst>
-      <p:par>
-        <p:cTn id="1" dur="indefinite" restart="never" nodeType="tmRoot"/>
-      </p:par>
-    </p:tnLst>
-  </p:timing>
 </p:sldLayout>
 </file>
 
@@ -3995,7 +3332,7 @@
       </p:grpSpPr>
       <p:sp>
         <p:nvSpPr>
-          <p:cNvPr id="2" name="Vertikaler Titel 1"/>
+          <p:cNvPr id="1048624" name="Vertikaler Titel 1"/>
           <p:cNvSpPr>
             <a:spLocks noGrp="1"/>
           </p:cNvSpPr>
@@ -4023,7 +3360,7 @@
       </p:sp>
       <p:sp>
         <p:nvSpPr>
-          <p:cNvPr id="3" name="Vertikaler Textplatzhalter 2"/>
+          <p:cNvPr id="1048625" name="Vertikaler Textplatzhalter 2"/>
           <p:cNvSpPr>
             <a:spLocks noGrp="1"/>
           </p:cNvSpPr>
@@ -4079,22 +3416,10 @@
         </p:txBody>
       </p:sp>
     </p:spTree>
-    <p:extLst>
-      <p:ext uri="{BB962C8B-B14F-4D97-AF65-F5344CB8AC3E}">
-        <p14:creationId xmlns:p14="http://schemas.microsoft.com/office/powerpoint/2010/main" val="1432577514"/>
-      </p:ext>
-    </p:extLst>
   </p:cSld>
   <p:clrMapOvr>
     <a:masterClrMapping/>
   </p:clrMapOvr>
-  <p:timing>
-    <p:tnLst>
-      <p:par>
-        <p:cTn id="1" dur="indefinite" restart="never" nodeType="tmRoot"/>
-      </p:par>
-    </p:tnLst>
-  </p:timing>
 </p:sldLayout>
 </file>
 
@@ -4117,7 +3442,7 @@
       </p:grpSpPr>
       <p:sp>
         <p:nvSpPr>
-          <p:cNvPr id="2" name="Titel 1"/>
+          <p:cNvPr id="1048657" name="Titel 1"/>
           <p:cNvSpPr>
             <a:spLocks noGrp="1"/>
           </p:cNvSpPr>
@@ -4145,7 +3470,7 @@
       </p:sp>
       <p:sp>
         <p:nvSpPr>
-          <p:cNvPr id="3" name="Textplatzhalter 2"/>
+          <p:cNvPr id="1048658" name="Textplatzhalter 2"/>
           <p:cNvSpPr>
             <a:spLocks noGrp="1"/>
           </p:cNvSpPr>
@@ -4202,7 +3527,7 @@
       </p:sp>
       <p:sp>
         <p:nvSpPr>
-          <p:cNvPr id="4" name="Inhaltsplatzhalter 3"/>
+          <p:cNvPr id="1048659" name="Inhaltsplatzhalter 3"/>
           <p:cNvSpPr>
             <a:spLocks noGrp="1"/>
           </p:cNvSpPr>
@@ -4258,22 +3583,10 @@
         </p:txBody>
       </p:sp>
     </p:spTree>
-    <p:extLst>
-      <p:ext uri="{BB962C8B-B14F-4D97-AF65-F5344CB8AC3E}">
-        <p14:creationId xmlns:p14="http://schemas.microsoft.com/office/powerpoint/2010/main" val="1530163030"/>
-      </p:ext>
-    </p:extLst>
   </p:cSld>
   <p:clrMapOvr>
     <a:masterClrMapping/>
   </p:clrMapOvr>
-  <p:timing>
-    <p:tnLst>
-      <p:par>
-        <p:cTn id="1" dur="indefinite" restart="never" nodeType="tmRoot"/>
-      </p:par>
-    </p:tnLst>
-  </p:timing>
 </p:sldLayout>
 </file>
 
@@ -4296,7 +3609,7 @@
       </p:grpSpPr>
       <p:sp>
         <p:nvSpPr>
-          <p:cNvPr id="2" name="Titel 1"/>
+          <p:cNvPr id="1048653" name="Titel 1"/>
           <p:cNvSpPr>
             <a:spLocks noGrp="1"/>
           </p:cNvSpPr>
@@ -4324,7 +3637,7 @@
       </p:sp>
       <p:sp>
         <p:nvSpPr>
-          <p:cNvPr id="3" name="Textplatzhalter 2"/>
+          <p:cNvPr id="1048654" name="Textplatzhalter 2"/>
           <p:cNvSpPr>
             <a:spLocks noGrp="1"/>
           </p:cNvSpPr>
@@ -4381,7 +3694,7 @@
       </p:sp>
       <p:sp>
         <p:nvSpPr>
-          <p:cNvPr id="4" name="Inhaltsplatzhalter 3"/>
+          <p:cNvPr id="1048655" name="Inhaltsplatzhalter 3"/>
           <p:cNvSpPr>
             <a:spLocks noGrp="1"/>
           </p:cNvSpPr>
@@ -4438,7 +3751,7 @@
       </p:sp>
       <p:sp>
         <p:nvSpPr>
-          <p:cNvPr id="5" name="Inhaltsplatzhalter 4"/>
+          <p:cNvPr id="1048656" name="Inhaltsplatzhalter 4"/>
           <p:cNvSpPr>
             <a:spLocks noGrp="1"/>
           </p:cNvSpPr>
@@ -4494,22 +3807,10 @@
         </p:txBody>
       </p:sp>
     </p:spTree>
-    <p:extLst>
-      <p:ext uri="{BB962C8B-B14F-4D97-AF65-F5344CB8AC3E}">
-        <p14:creationId xmlns:p14="http://schemas.microsoft.com/office/powerpoint/2010/main" val="1259160884"/>
-      </p:ext>
-    </p:extLst>
   </p:cSld>
   <p:clrMapOvr>
     <a:masterClrMapping/>
   </p:clrMapOvr>
-  <p:timing>
-    <p:tnLst>
-      <p:par>
-        <p:cTn id="1" dur="indefinite" restart="never" nodeType="tmRoot"/>
-      </p:par>
-    </p:tnLst>
-  </p:timing>
 </p:sldLayout>
 </file>
 
@@ -4532,7 +3833,7 @@
       </p:grpSpPr>
       <p:sp>
         <p:nvSpPr>
-          <p:cNvPr id="2" name="Titel 1"/>
+          <p:cNvPr id="1048638" name="Titel 1"/>
           <p:cNvSpPr>
             <a:spLocks noGrp="1"/>
           </p:cNvSpPr>
@@ -4555,7 +3856,7 @@
       </p:sp>
       <p:sp>
         <p:nvSpPr>
-          <p:cNvPr id="3" name="Textplatzhalter 2"/>
+          <p:cNvPr id="1048639" name="Textplatzhalter 2"/>
           <p:cNvSpPr>
             <a:spLocks noGrp="1"/>
           </p:cNvSpPr>
@@ -4627,7 +3928,7 @@
       </p:sp>
       <p:sp>
         <p:nvSpPr>
-          <p:cNvPr id="5" name="Textplatzhalter 2"/>
+          <p:cNvPr id="1048640" name="Textplatzhalter 2"/>
           <p:cNvSpPr>
             <a:spLocks noGrp="1"/>
           </p:cNvSpPr>
@@ -4684,7 +3985,7 @@
       </p:sp>
       <p:sp>
         <p:nvSpPr>
-          <p:cNvPr id="6" name="Inhaltsplatzhalter 3"/>
+          <p:cNvPr id="1048641" name="Inhaltsplatzhalter 3"/>
           <p:cNvSpPr>
             <a:spLocks noGrp="1"/>
           </p:cNvSpPr>
@@ -4740,22 +4041,10 @@
         </p:txBody>
       </p:sp>
     </p:spTree>
-    <p:extLst>
-      <p:ext uri="{BB962C8B-B14F-4D97-AF65-F5344CB8AC3E}">
-        <p14:creationId xmlns:p14="http://schemas.microsoft.com/office/powerpoint/2010/main" val="3392757053"/>
-      </p:ext>
-    </p:extLst>
   </p:cSld>
   <p:clrMapOvr>
     <a:masterClrMapping/>
   </p:clrMapOvr>
-  <p:timing>
-    <p:tnLst>
-      <p:par>
-        <p:cTn id="1" dur="indefinite" restart="never" nodeType="tmRoot"/>
-      </p:par>
-    </p:tnLst>
-  </p:timing>
 </p:sldLayout>
 </file>
 
@@ -4778,7 +4067,7 @@
       </p:grpSpPr>
       <p:sp>
         <p:nvSpPr>
-          <p:cNvPr id="2" name="Title 1"/>
+          <p:cNvPr id="1048621" name="Title 1"/>
           <p:cNvSpPr>
             <a:spLocks noGrp="1"/>
           </p:cNvSpPr>
@@ -4806,7 +4095,7 @@
       </p:sp>
       <p:sp>
         <p:nvSpPr>
-          <p:cNvPr id="3" name="Content Placeholder 2"/>
+          <p:cNvPr id="1048622" name="Content Placeholder 2"/>
           <p:cNvSpPr>
             <a:spLocks noGrp="1"/>
           </p:cNvSpPr>
@@ -4863,7 +4152,7 @@
       </p:sp>
       <p:sp>
         <p:nvSpPr>
-          <p:cNvPr id="4" name="Text Placeholder 3"/>
+          <p:cNvPr id="1048623" name="Text Placeholder 3"/>
           <p:cNvSpPr>
             <a:spLocks noGrp="1"/>
           </p:cNvSpPr>
@@ -4919,22 +4208,10 @@
         </p:txBody>
       </p:sp>
     </p:spTree>
-    <p:extLst>
-      <p:ext uri="{BB962C8B-B14F-4D97-AF65-F5344CB8AC3E}">
-        <p14:creationId xmlns:p14="http://schemas.microsoft.com/office/powerpoint/2010/main" val="2371766338"/>
-      </p:ext>
-    </p:extLst>
   </p:cSld>
   <p:clrMapOvr>
     <a:masterClrMapping/>
   </p:clrMapOvr>
-  <p:timing>
-    <p:tnLst>
-      <p:par>
-        <p:cTn id="1" dur="indefinite" restart="never" nodeType="tmRoot"/>
-      </p:par>
-    </p:tnLst>
-  </p:timing>
 </p:sldLayout>
 </file>
 
@@ -4957,7 +4234,7 @@
       </p:grpSpPr>
       <p:sp>
         <p:nvSpPr>
-          <p:cNvPr id="2" name="Titel 1"/>
+          <p:cNvPr id="1048646" name="Titel 1"/>
           <p:cNvSpPr>
             <a:spLocks noGrp="1"/>
           </p:cNvSpPr>
@@ -4980,7 +4257,7 @@
       </p:sp>
       <p:sp>
         <p:nvSpPr>
-          <p:cNvPr id="3" name="Textplatzhalter 2"/>
+          <p:cNvPr id="1048647" name="Textplatzhalter 2"/>
           <p:cNvSpPr>
             <a:spLocks noGrp="1"/>
           </p:cNvSpPr>
@@ -5031,22 +4308,10 @@
         </p:txBody>
       </p:sp>
     </p:spTree>
-    <p:extLst>
-      <p:ext uri="{BB962C8B-B14F-4D97-AF65-F5344CB8AC3E}">
-        <p14:creationId xmlns:p14="http://schemas.microsoft.com/office/powerpoint/2010/main" val="1818188479"/>
-      </p:ext>
-    </p:extLst>
   </p:cSld>
   <p:clrMapOvr>
     <a:masterClrMapping/>
   </p:clrMapOvr>
-  <p:timing>
-    <p:tnLst>
-      <p:par>
-        <p:cTn id="1" dur="indefinite" restart="never" nodeType="tmRoot"/>
-      </p:par>
-    </p:tnLst>
-  </p:timing>
 </p:sldLayout>
 </file>
 
@@ -5069,7 +4334,7 @@
       </p:grpSpPr>
       <p:sp>
         <p:nvSpPr>
-          <p:cNvPr id="2" name="Titel 1"/>
+          <p:cNvPr id="1048604" name="Titel 1"/>
           <p:cNvSpPr>
             <a:spLocks noGrp="1"/>
           </p:cNvSpPr>
@@ -5092,7 +4357,7 @@
       </p:sp>
       <p:sp>
         <p:nvSpPr>
-          <p:cNvPr id="3" name="Inhaltsplatzhalter 2"/>
+          <p:cNvPr id="1048605" name="Inhaltsplatzhalter 2"/>
           <p:cNvSpPr>
             <a:spLocks noGrp="1"/>
           </p:cNvSpPr>
@@ -5118,8 +4383,6 @@
               <a:buSzTx/>
               <a:buFont typeface="Arial" panose="020B0604020202020204" pitchFamily="34" charset="0"/>
               <a:buChar char="•"/>
-              <a:tabLst/>
-              <a:defRPr/>
             </a:lvl1pPr>
             <a:lvl2pPr marL="446088" marR="0" indent="-265113" algn="l" defTabSz="914400" rtl="0" eaLnBrk="0" fontAlgn="base" latinLnBrk="0" hangingPunct="0">
               <a:lnSpc>
@@ -5135,8 +4398,6 @@
               <a:buSzTx/>
               <a:buFont typeface="Wingdings" panose="05000000000000000000" pitchFamily="2" charset="2"/>
               <a:buChar char="§"/>
-              <a:tabLst/>
-              <a:defRPr/>
             </a:lvl2pPr>
             <a:lvl3pPr marL="630238" marR="0" indent="-279400" algn="l" defTabSz="914400" rtl="0" eaLnBrk="0" fontAlgn="base" latinLnBrk="0" hangingPunct="0">
               <a:lnSpc>
@@ -5152,8 +4413,6 @@
               <a:buSzTx/>
               <a:buFont typeface="Courier New" panose="02070309020205020404" pitchFamily="49" charset="0"/>
               <a:buChar char="o"/>
-              <a:tabLst/>
-              <a:defRPr/>
             </a:lvl3pPr>
             <a:lvl4pPr marL="806450" marR="0" indent="-261938" algn="l" defTabSz="914400" rtl="0" eaLnBrk="0" fontAlgn="base" latinLnBrk="0" hangingPunct="0">
               <a:lnSpc>
@@ -5169,8 +4428,6 @@
               <a:buSzTx/>
               <a:buFont typeface="Symbol" panose="05050102010706020507" pitchFamily="18" charset="2"/>
               <a:buChar char="-"/>
-              <a:tabLst/>
-              <a:defRPr/>
             </a:lvl4pPr>
             <a:lvl5pPr marL="908050" marR="0" indent="-188913" algn="l" defTabSz="914400" rtl="0" eaLnBrk="0" fontAlgn="base" latinLnBrk="0" hangingPunct="0">
               <a:lnSpc>
@@ -5186,7 +4443,6 @@
               <a:buSzTx/>
               <a:buFont typeface="Symbol" panose="05050102010706020507" pitchFamily="18" charset="2"/>
               <a:buChar char="-"/>
-              <a:tabLst/>
               <a:defRPr b="1"/>
             </a:lvl5pPr>
           </a:lstStyle>
@@ -5205,8 +4461,6 @@
               <a:buSzTx/>
               <a:buFont typeface="Arial" panose="020B0604020202020204" pitchFamily="34" charset="0"/>
               <a:buChar char="•"/>
-              <a:tabLst/>
-              <a:defRPr/>
             </a:pPr>
             <a:r>
               <a:rPr kumimoji="0" lang="de-DE" sz="2000" b="0" i="0" u="none" strike="noStrike" kern="0" cap="none" spc="0" normalizeH="0" baseline="0" noProof="0" dirty="0" smtClean="0">
@@ -5241,8 +4495,6 @@
               <a:buSzTx/>
               <a:buFont typeface="Wingdings" panose="05000000000000000000" pitchFamily="2" charset="2"/>
               <a:buChar char="§"/>
-              <a:tabLst/>
-              <a:defRPr/>
             </a:pPr>
             <a:r>
               <a:rPr kumimoji="0" lang="de-DE" sz="1800" b="0" i="0" u="none" strike="noStrike" kern="0" cap="none" spc="0" normalizeH="0" baseline="0" noProof="0" dirty="0" smtClean="0">
@@ -5275,8 +4527,6 @@
               <a:buSzTx/>
               <a:buFont typeface="Courier New" panose="02070309020205020404" pitchFamily="49" charset="0"/>
               <a:buChar char="o"/>
-              <a:tabLst/>
-              <a:defRPr/>
             </a:pPr>
             <a:r>
               <a:rPr kumimoji="0" lang="de-DE" sz="1800" b="0" i="0" u="none" strike="noStrike" kern="0" cap="none" spc="0" normalizeH="0" baseline="0" noProof="0" dirty="0" smtClean="0">
@@ -5309,8 +4559,6 @@
               <a:buSzTx/>
               <a:buFont typeface="Symbol" panose="05050102010706020507" pitchFamily="18" charset="2"/>
               <a:buChar char="-"/>
-              <a:tabLst/>
-              <a:defRPr/>
             </a:pPr>
             <a:r>
               <a:rPr kumimoji="0" lang="de-DE" sz="1600" b="0" i="0" u="none" strike="noStrike" kern="0" cap="none" spc="0" normalizeH="0" baseline="0" noProof="0" dirty="0" smtClean="0">
@@ -5343,8 +4591,6 @@
               <a:buSzTx/>
               <a:buFont typeface="Symbol" panose="05050102010706020507" pitchFamily="18" charset="2"/>
               <a:buChar char="-"/>
-              <a:tabLst/>
-              <a:defRPr/>
             </a:pPr>
             <a:r>
               <a:rPr kumimoji="0" lang="de-DE" sz="1600" b="0" i="0" u="none" strike="noStrike" kern="0" cap="none" spc="0" normalizeH="0" baseline="0" noProof="0" dirty="0" smtClean="0">
@@ -5365,22 +4611,10 @@
         </p:txBody>
       </p:sp>
     </p:spTree>
-    <p:extLst>
-      <p:ext uri="{BB962C8B-B14F-4D97-AF65-F5344CB8AC3E}">
-        <p14:creationId xmlns:p14="http://schemas.microsoft.com/office/powerpoint/2010/main" val="3069065253"/>
-      </p:ext>
-    </p:extLst>
   </p:cSld>
   <p:clrMapOvr>
     <a:masterClrMapping/>
   </p:clrMapOvr>
-  <p:timing>
-    <p:tnLst>
-      <p:par>
-        <p:cTn id="1" dur="indefinite" restart="never" nodeType="tmRoot"/>
-      </p:par>
-    </p:tnLst>
-  </p:timing>
 </p:sldLayout>
 </file>
 
@@ -5403,7 +4637,7 @@
       </p:grpSpPr>
       <p:sp>
         <p:nvSpPr>
-          <p:cNvPr id="2" name="Titel 1"/>
+          <p:cNvPr id="1048642" name="Titel 1"/>
           <p:cNvSpPr>
             <a:spLocks noGrp="1"/>
           </p:cNvSpPr>
@@ -5426,7 +4660,7 @@
       </p:sp>
       <p:sp>
         <p:nvSpPr>
-          <p:cNvPr id="3" name="Textplatzhalter 2"/>
+          <p:cNvPr id="1048643" name="Textplatzhalter 2"/>
           <p:cNvSpPr>
             <a:spLocks noGrp="1"/>
           </p:cNvSpPr>
@@ -5498,7 +4732,7 @@
       </p:sp>
       <p:sp>
         <p:nvSpPr>
-          <p:cNvPr id="5" name="Textplatzhalter 2"/>
+          <p:cNvPr id="1048644" name="Textplatzhalter 2"/>
           <p:cNvSpPr>
             <a:spLocks noGrp="1"/>
           </p:cNvSpPr>
@@ -5555,7 +4789,7 @@
       </p:sp>
       <p:sp>
         <p:nvSpPr>
-          <p:cNvPr id="6" name="Inhaltsplatzhalter 3"/>
+          <p:cNvPr id="1048645" name="Inhaltsplatzhalter 3"/>
           <p:cNvSpPr>
             <a:spLocks noGrp="1"/>
           </p:cNvSpPr>
@@ -5611,22 +4845,10 @@
         </p:txBody>
       </p:sp>
     </p:spTree>
-    <p:extLst>
-      <p:ext uri="{BB962C8B-B14F-4D97-AF65-F5344CB8AC3E}">
-        <p14:creationId xmlns:p14="http://schemas.microsoft.com/office/powerpoint/2010/main" val="1852631292"/>
-      </p:ext>
-    </p:extLst>
   </p:cSld>
   <p:clrMapOvr>
     <a:masterClrMapping/>
   </p:clrMapOvr>
-  <p:timing>
-    <p:tnLst>
-      <p:par>
-        <p:cTn id="1" dur="indefinite" restart="never" nodeType="tmRoot"/>
-      </p:par>
-    </p:tnLst>
-  </p:timing>
 </p:sldLayout>
 </file>
 
@@ -5649,7 +4871,7 @@
       </p:grpSpPr>
       <p:sp>
         <p:nvSpPr>
-          <p:cNvPr id="5" name="Titel 4"/>
+          <p:cNvPr id="1048628" name="Titel 4"/>
           <p:cNvSpPr>
             <a:spLocks noGrp="1"/>
           </p:cNvSpPr>
@@ -5680,22 +4902,10 @@
         </p:txBody>
       </p:sp>
     </p:spTree>
-    <p:extLst>
-      <p:ext uri="{BB962C8B-B14F-4D97-AF65-F5344CB8AC3E}">
-        <p14:creationId xmlns:p14="http://schemas.microsoft.com/office/powerpoint/2010/main" val="42989677"/>
-      </p:ext>
-    </p:extLst>
   </p:cSld>
   <p:clrMapOvr>
     <a:masterClrMapping/>
   </p:clrMapOvr>
-  <p:timing>
-    <p:tnLst>
-      <p:par>
-        <p:cTn id="1" dur="indefinite" restart="never" nodeType="tmRoot"/>
-      </p:par>
-    </p:tnLst>
-  </p:timing>
 </p:sldLayout>
 </file>
 
@@ -5718,7 +4928,7 @@
       </p:grpSpPr>
       <p:sp>
         <p:nvSpPr>
-          <p:cNvPr id="5" name="Titel 4"/>
+          <p:cNvPr id="1048626" name="Titel 4"/>
           <p:cNvSpPr>
             <a:spLocks noGrp="1"/>
           </p:cNvSpPr>
@@ -5750,7 +4960,7 @@
       </p:sp>
       <p:sp>
         <p:nvSpPr>
-          <p:cNvPr id="3" name="Textplatzhalter 2"/>
+          <p:cNvPr id="1048627" name="Textplatzhalter 2"/>
           <p:cNvSpPr>
             <a:spLocks noGrp="1"/>
           </p:cNvSpPr>
@@ -5782,22 +4992,10 @@
         </p:txBody>
       </p:sp>
     </p:spTree>
-    <p:extLst>
-      <p:ext uri="{BB962C8B-B14F-4D97-AF65-F5344CB8AC3E}">
-        <p14:creationId xmlns:p14="http://schemas.microsoft.com/office/powerpoint/2010/main" val="1783781372"/>
-      </p:ext>
-    </p:extLst>
   </p:cSld>
   <p:clrMapOvr>
     <a:masterClrMapping/>
   </p:clrMapOvr>
-  <p:timing>
-    <p:tnLst>
-      <p:par>
-        <p:cTn id="1" dur="indefinite" restart="never" nodeType="tmRoot"/>
-      </p:par>
-    </p:tnLst>
-  </p:timing>
 </p:sldLayout>
 </file>
 
@@ -5820,7 +5018,7 @@
       </p:grpSpPr>
       <p:sp>
         <p:nvSpPr>
-          <p:cNvPr id="2" name="Titel 1"/>
+          <p:cNvPr id="1048667" name="Titel 1"/>
           <p:cNvSpPr>
             <a:spLocks noGrp="1"/>
           </p:cNvSpPr>
@@ -5831,11 +5029,7 @@
         <p:spPr/>
         <p:txBody>
           <a:bodyPr/>
-          <a:lstStyle>
-            <a:lvl1pPr>
-              <a:defRPr/>
-            </a:lvl1pPr>
-          </a:lstStyle>
+          <a:lstStyle/>
           <a:p>
             <a:r>
               <a:rPr lang="de-DE" smtClean="0"/>
@@ -5847,7 +5041,7 @@
       </p:sp>
       <p:sp>
         <p:nvSpPr>
-          <p:cNvPr id="4" name="Datumsplatzhalter 3"/>
+          <p:cNvPr id="1048668" name="Datumsplatzhalter 3"/>
           <p:cNvSpPr>
             <a:spLocks noGrp="1"/>
           </p:cNvSpPr>
@@ -5878,7 +5072,7 @@
       </p:sp>
       <p:sp>
         <p:nvSpPr>
-          <p:cNvPr id="7" name="Textplatzhalter 6"/>
+          <p:cNvPr id="1048669" name="Textplatzhalter 6"/>
           <p:cNvSpPr>
             <a:spLocks noGrp="1"/>
           </p:cNvSpPr>
@@ -5909,7 +5103,6 @@
               <a:buSzTx/>
               <a:buFont typeface="Wingdings" pitchFamily="2" charset="2"/>
               <a:buNone/>
-              <a:tabLst/>
               <a:defRPr sz="1000" b="0" baseline="0"/>
             </a:lvl1pPr>
           </a:lstStyle>
@@ -5928,8 +5121,6 @@
               <a:buSzTx/>
               <a:buFont typeface="Wingdings" pitchFamily="2" charset="2"/>
               <a:buNone/>
-              <a:tabLst/>
-              <a:defRPr/>
             </a:pPr>
             <a:r>
               <a:rPr lang="en-US" smtClean="0"/>
@@ -5948,22 +5139,10 @@
         </p:txBody>
       </p:sp>
     </p:spTree>
-    <p:extLst>
-      <p:ext uri="{BB962C8B-B14F-4D97-AF65-F5344CB8AC3E}">
-        <p14:creationId xmlns:p14="http://schemas.microsoft.com/office/powerpoint/2010/main" val="2282454811"/>
-      </p:ext>
-    </p:extLst>
   </p:cSld>
   <p:clrMapOvr>
     <a:masterClrMapping/>
   </p:clrMapOvr>
-  <p:timing>
-    <p:tnLst>
-      <p:par>
-        <p:cTn id="1" dur="indefinite" restart="never" nodeType="tmRoot"/>
-      </p:par>
-    </p:tnLst>
-  </p:timing>
 </p:sldLayout>
 </file>
 
@@ -5986,7 +5165,7 @@
       </p:grpSpPr>
       <p:sp>
         <p:nvSpPr>
-          <p:cNvPr id="2" name="Titel 1"/>
+          <p:cNvPr id="1048635" name="Titel 1"/>
           <p:cNvSpPr>
             <a:spLocks noGrp="1"/>
           </p:cNvSpPr>
@@ -6009,7 +5188,7 @@
       </p:sp>
       <p:sp>
         <p:nvSpPr>
-          <p:cNvPr id="3" name="Inhaltsplatzhalter 2"/>
+          <p:cNvPr id="1048636" name="Inhaltsplatzhalter 2"/>
           <p:cNvSpPr>
             <a:spLocks noGrp="1"/>
           </p:cNvSpPr>
@@ -6094,7 +5273,7 @@
       </p:sp>
       <p:sp>
         <p:nvSpPr>
-          <p:cNvPr id="4" name="Inhaltsplatzhalter 3"/>
+          <p:cNvPr id="1048637" name="Inhaltsplatzhalter 3"/>
           <p:cNvSpPr>
             <a:spLocks noGrp="1"/>
           </p:cNvSpPr>
@@ -6178,22 +5357,10 @@
         </p:txBody>
       </p:sp>
     </p:spTree>
-    <p:extLst>
-      <p:ext uri="{BB962C8B-B14F-4D97-AF65-F5344CB8AC3E}">
-        <p14:creationId xmlns:p14="http://schemas.microsoft.com/office/powerpoint/2010/main" val="362859639"/>
-      </p:ext>
-    </p:extLst>
   </p:cSld>
   <p:clrMapOvr>
     <a:masterClrMapping/>
   </p:clrMapOvr>
-  <p:timing>
-    <p:tnLst>
-      <p:par>
-        <p:cTn id="1" dur="indefinite" restart="never" nodeType="tmRoot"/>
-      </p:par>
-    </p:tnLst>
-  </p:timing>
 </p:sldLayout>
 </file>
 
@@ -6216,7 +5383,7 @@
       </p:grpSpPr>
       <p:sp>
         <p:nvSpPr>
-          <p:cNvPr id="2" name="Titel 1"/>
+          <p:cNvPr id="1048631" name="Titel 1"/>
           <p:cNvSpPr>
             <a:spLocks noGrp="1"/>
           </p:cNvSpPr>
@@ -6239,7 +5406,7 @@
       </p:sp>
       <p:sp>
         <p:nvSpPr>
-          <p:cNvPr id="3" name="Inhaltsplatzhalter 2"/>
+          <p:cNvPr id="1048632" name="Inhaltsplatzhalter 2"/>
           <p:cNvSpPr>
             <a:spLocks noGrp="1"/>
           </p:cNvSpPr>
@@ -6324,7 +5491,7 @@
       </p:sp>
       <p:sp>
         <p:nvSpPr>
-          <p:cNvPr id="6" name="Inhaltsplatzhalter 2"/>
+          <p:cNvPr id="1048633" name="Inhaltsplatzhalter 2"/>
           <p:cNvSpPr>
             <a:spLocks noGrp="1"/>
           </p:cNvSpPr>
@@ -6409,7 +5576,7 @@
       </p:sp>
       <p:sp>
         <p:nvSpPr>
-          <p:cNvPr id="8" name="Inhaltsplatzhalter 2"/>
+          <p:cNvPr id="1048634" name="Inhaltsplatzhalter 2"/>
           <p:cNvSpPr>
             <a:spLocks noGrp="1"/>
           </p:cNvSpPr>
@@ -6493,22 +5660,10 @@
         </p:txBody>
       </p:sp>
     </p:spTree>
-    <p:extLst>
-      <p:ext uri="{BB962C8B-B14F-4D97-AF65-F5344CB8AC3E}">
-        <p14:creationId xmlns:p14="http://schemas.microsoft.com/office/powerpoint/2010/main" val="1249374131"/>
-      </p:ext>
-    </p:extLst>
   </p:cSld>
   <p:clrMapOvr>
     <a:masterClrMapping/>
   </p:clrMapOvr>
-  <p:timing>
-    <p:tnLst>
-      <p:par>
-        <p:cTn id="1" dur="indefinite" restart="never" nodeType="tmRoot"/>
-      </p:par>
-    </p:tnLst>
-  </p:timing>
 </p:sldLayout>
 </file>
 
@@ -6531,7 +5686,7 @@
       </p:grpSpPr>
       <p:sp>
         <p:nvSpPr>
-          <p:cNvPr id="2" name="Titel 1"/>
+          <p:cNvPr id="1048648" name="Titel 1"/>
           <p:cNvSpPr>
             <a:spLocks noGrp="1"/>
           </p:cNvSpPr>
@@ -6547,11 +5702,7 @@
         </p:spPr>
         <p:txBody>
           <a:bodyPr/>
-          <a:lstStyle>
-            <a:lvl1pPr>
-              <a:defRPr/>
-            </a:lvl1pPr>
-          </a:lstStyle>
+          <a:lstStyle/>
           <a:p>
             <a:r>
               <a:rPr lang="de-DE" dirty="0" smtClean="0"/>
@@ -6563,7 +5714,7 @@
       </p:sp>
       <p:sp>
         <p:nvSpPr>
-          <p:cNvPr id="3" name="Textplatzhalter 2"/>
+          <p:cNvPr id="1048649" name="Textplatzhalter 2"/>
           <p:cNvSpPr>
             <a:spLocks noGrp="1"/>
           </p:cNvSpPr>
@@ -6628,7 +5779,7 @@
       </p:sp>
       <p:sp>
         <p:nvSpPr>
-          <p:cNvPr id="4" name="Inhaltsplatzhalter 3"/>
+          <p:cNvPr id="1048650" name="Inhaltsplatzhalter 3"/>
           <p:cNvSpPr>
             <a:spLocks noGrp="1"/>
           </p:cNvSpPr>
@@ -6713,7 +5864,7 @@
       </p:sp>
       <p:sp>
         <p:nvSpPr>
-          <p:cNvPr id="5" name="Textplatzhalter 4"/>
+          <p:cNvPr id="1048651" name="Textplatzhalter 4"/>
           <p:cNvSpPr>
             <a:spLocks noGrp="1"/>
           </p:cNvSpPr>
@@ -6778,7 +5929,7 @@
       </p:sp>
       <p:sp>
         <p:nvSpPr>
-          <p:cNvPr id="6" name="Inhaltsplatzhalter 5"/>
+          <p:cNvPr id="1048652" name="Inhaltsplatzhalter 5"/>
           <p:cNvSpPr>
             <a:spLocks noGrp="1"/>
           </p:cNvSpPr>
@@ -6862,22 +6013,10 @@
         </p:txBody>
       </p:sp>
     </p:spTree>
-    <p:extLst>
-      <p:ext uri="{BB962C8B-B14F-4D97-AF65-F5344CB8AC3E}">
-        <p14:creationId xmlns:p14="http://schemas.microsoft.com/office/powerpoint/2010/main" val="258377211"/>
-      </p:ext>
-    </p:extLst>
   </p:cSld>
   <p:clrMapOvr>
     <a:masterClrMapping/>
   </p:clrMapOvr>
-  <p:timing>
-    <p:tnLst>
-      <p:par>
-        <p:cTn id="1" dur="indefinite" restart="never" nodeType="tmRoot"/>
-      </p:par>
-    </p:tnLst>
-  </p:timing>
 </p:sldLayout>
 </file>
 
@@ -6900,7 +6039,7 @@
       </p:grpSpPr>
       <p:sp>
         <p:nvSpPr>
-          <p:cNvPr id="2" name="Titel 1"/>
+          <p:cNvPr id="1048666" name="Titel 1"/>
           <p:cNvSpPr>
             <a:spLocks noGrp="1"/>
           </p:cNvSpPr>
@@ -6922,22 +6061,10 @@
         </p:txBody>
       </p:sp>
     </p:spTree>
-    <p:extLst>
-      <p:ext uri="{BB962C8B-B14F-4D97-AF65-F5344CB8AC3E}">
-        <p14:creationId xmlns:p14="http://schemas.microsoft.com/office/powerpoint/2010/main" val="1505043342"/>
-      </p:ext>
-    </p:extLst>
   </p:cSld>
   <p:clrMapOvr>
     <a:masterClrMapping/>
   </p:clrMapOvr>
-  <p:timing>
-    <p:tnLst>
-      <p:par>
-        <p:cTn id="1" dur="indefinite" restart="never" nodeType="tmRoot"/>
-      </p:par>
-    </p:tnLst>
-  </p:timing>
 </p:sldLayout>
 </file>
 
@@ -6968,7 +6095,7 @@
       </p:grpSpPr>
       <p:sp>
         <p:nvSpPr>
-          <p:cNvPr id="1026" name="Line 2"/>
+          <p:cNvPr id="1048576" name="Line 2"/>
           <p:cNvSpPr>
             <a:spLocks noChangeShapeType="1"/>
           </p:cNvSpPr>
@@ -6991,13 +6118,6 @@
             <a:headEnd/>
             <a:tailEnd/>
           </a:ln>
-          <a:extLst>
-            <a:ext uri="{909E8E84-426E-40DD-AFC4-6F175D3DCCD1}">
-              <a14:hiddenFill xmlns:a14="http://schemas.microsoft.com/office/drawing/2010/main">
-                <a:noFill/>
-              </a14:hiddenFill>
-            </a:ext>
-          </a:extLst>
         </p:spPr>
         <p:txBody>
           <a:bodyPr/>
@@ -7009,7 +6129,7 @@
       </p:sp>
       <p:sp>
         <p:nvSpPr>
-          <p:cNvPr id="1027" name="Rectangle 3"/>
+          <p:cNvPr id="1048577" name="Rectangle 3"/>
           <p:cNvSpPr>
             <a:spLocks noChangeArrowheads="1"/>
           </p:cNvSpPr>
@@ -7028,34 +6148,6 @@
             <a:noFill/>
           </a:ln>
           <a:effectLst/>
-          <a:extLst>
-            <a:ext uri="{909E8E84-426E-40DD-AFC4-6F175D3DCCD1}">
-              <a14:hiddenFill xmlns:a14="http://schemas.microsoft.com/office/drawing/2010/main">
-                <a:solidFill>
-                  <a:srgbClr val="E9503E"/>
-                </a:solidFill>
-              </a14:hiddenFill>
-            </a:ext>
-            <a:ext uri="{91240B29-F687-4F45-9708-019B960494DF}">
-              <a14:hiddenLine xmlns:a14="http://schemas.microsoft.com/office/drawing/2010/main" w="9525">
-                <a:solidFill>
-                  <a:schemeClr val="tx1"/>
-                </a:solidFill>
-                <a:miter lim="800000"/>
-                <a:headEnd/>
-                <a:tailEnd/>
-              </a14:hiddenLine>
-            </a:ext>
-            <a:ext uri="{AF507438-7753-43E0-B8FC-AC1667EBCBE1}">
-              <a14:hiddenEffects xmlns:a14="http://schemas.microsoft.com/office/drawing/2010/main">
-                <a:effectLst>
-                  <a:outerShdw dist="35921" dir="2700000" algn="ctr" rotWithShape="0">
-                    <a:schemeClr val="bg2"/>
-                  </a:outerShdw>
-                </a:effectLst>
-              </a14:hiddenEffects>
-            </a:ext>
-          </a:extLst>
         </p:spPr>
         <p:txBody>
           <a:bodyPr wrap="none" anchor="ctr"/>
@@ -7067,7 +6159,7 @@
       </p:sp>
       <p:sp>
         <p:nvSpPr>
-          <p:cNvPr id="1028" name="SlideTitle"/>
+          <p:cNvPr id="1048578" name="SlideTitle"/>
           <p:cNvSpPr>
             <a:spLocks noGrp="1" noChangeArrowheads="1"/>
           </p:cNvSpPr>
@@ -7088,34 +6180,6 @@
             <a:noFill/>
           </a:ln>
           <a:effectLst/>
-          <a:extLst>
-            <a:ext uri="{909E8E84-426E-40DD-AFC4-6F175D3DCCD1}">
-              <a14:hiddenFill xmlns:a14="http://schemas.microsoft.com/office/drawing/2010/main">
-                <a:solidFill>
-                  <a:schemeClr val="accent1"/>
-                </a:solidFill>
-              </a14:hiddenFill>
-            </a:ext>
-            <a:ext uri="{91240B29-F687-4F45-9708-019B960494DF}">
-              <a14:hiddenLine xmlns:a14="http://schemas.microsoft.com/office/drawing/2010/main" w="9525">
-                <a:solidFill>
-                  <a:schemeClr val="tx1"/>
-                </a:solidFill>
-                <a:miter lim="800000"/>
-                <a:headEnd/>
-                <a:tailEnd/>
-              </a14:hiddenLine>
-            </a:ext>
-            <a:ext uri="{AF507438-7753-43E0-B8FC-AC1667EBCBE1}">
-              <a14:hiddenEffects xmlns:a14="http://schemas.microsoft.com/office/drawing/2010/main">
-                <a:effectLst>
-                  <a:outerShdw dist="35921" dir="2700000" algn="ctr" rotWithShape="0">
-                    <a:schemeClr val="bg2"/>
-                  </a:outerShdw>
-                </a:effectLst>
-              </a14:hiddenEffects>
-            </a:ext>
-          </a:extLst>
         </p:spPr>
         <p:txBody>
           <a:bodyPr vert="horz" wrap="square" lIns="0" tIns="0" rIns="0" bIns="0" numCol="1" anchor="ctr" anchorCtr="0" compatLnSpc="1">
@@ -7135,7 +6199,7 @@
       </p:sp>
       <p:sp>
         <p:nvSpPr>
-          <p:cNvPr id="1029" name="Rectangle 5"/>
+          <p:cNvPr id="1048579" name="Rectangle 5"/>
           <p:cNvSpPr>
             <a:spLocks noGrp="1" noChangeArrowheads="1"/>
           </p:cNvSpPr>
@@ -7156,34 +6220,6 @@
             <a:noFill/>
           </a:ln>
           <a:effectLst/>
-          <a:extLst>
-            <a:ext uri="{909E8E84-426E-40DD-AFC4-6F175D3DCCD1}">
-              <a14:hiddenFill xmlns:a14="http://schemas.microsoft.com/office/drawing/2010/main">
-                <a:solidFill>
-                  <a:schemeClr val="accent1"/>
-                </a:solidFill>
-              </a14:hiddenFill>
-            </a:ext>
-            <a:ext uri="{91240B29-F687-4F45-9708-019B960494DF}">
-              <a14:hiddenLine xmlns:a14="http://schemas.microsoft.com/office/drawing/2010/main" w="9525">
-                <a:solidFill>
-                  <a:schemeClr val="tx1"/>
-                </a:solidFill>
-                <a:miter lim="800000"/>
-                <a:headEnd/>
-                <a:tailEnd/>
-              </a14:hiddenLine>
-            </a:ext>
-            <a:ext uri="{AF507438-7753-43E0-B8FC-AC1667EBCBE1}">
-              <a14:hiddenEffects xmlns:a14="http://schemas.microsoft.com/office/drawing/2010/main">
-                <a:effectLst>
-                  <a:outerShdw dist="35921" dir="2700000" algn="ctr" rotWithShape="0">
-                    <a:schemeClr val="bg2"/>
-                  </a:outerShdw>
-                </a:effectLst>
-              </a14:hiddenEffects>
-            </a:ext>
-          </a:extLst>
         </p:spPr>
         <p:txBody>
           <a:bodyPr vert="horz" wrap="square" lIns="91440" tIns="45720" rIns="91440" bIns="45720" numCol="1" anchor="t" anchorCtr="0" compatLnSpc="1">
@@ -7231,7 +6267,7 @@
       </p:sp>
       <p:sp>
         <p:nvSpPr>
-          <p:cNvPr id="1031" name="Rectangle 7"/>
+          <p:cNvPr id="1048580" name="Rectangle 7"/>
           <p:cNvSpPr>
             <a:spLocks noChangeArrowheads="1"/>
           </p:cNvSpPr>
@@ -7251,18 +6287,6 @@
           <a:ln>
             <a:noFill/>
           </a:ln>
-          <a:extLst>
-            <a:ext uri="{91240B29-F687-4F45-9708-019B960494DF}">
-              <a14:hiddenLine xmlns:a14="http://schemas.microsoft.com/office/drawing/2010/main" w="3175">
-                <a:solidFill>
-                  <a:srgbClr val="B5B5B5"/>
-                </a:solidFill>
-                <a:miter lim="800000"/>
-                <a:headEnd/>
-                <a:tailEnd/>
-              </a14:hiddenLine>
-            </a:ext>
-          </a:extLst>
         </p:spPr>
         <p:txBody>
           <a:bodyPr/>
@@ -7274,7 +6298,7 @@
       </p:sp>
       <p:pic>
         <p:nvPicPr>
-          <p:cNvPr id="1032" name="Picture 8" descr="tud_logo"/>
+          <p:cNvPr id="2097152" name="Picture 8" descr="tud_logo"/>
           <p:cNvPicPr>
             <a:picLocks noChangeAspect="1" noChangeArrowheads="1"/>
           </p:cNvPicPr>
@@ -7292,11 +6316,6 @@
                 </a:srgbClr>
               </a:clrTo>
             </a:clrChange>
-            <a:extLst>
-              <a:ext uri="{28A0092B-C50C-407E-A947-70E740481C1C}">
-                <a14:useLocalDpi xmlns:a14="http://schemas.microsoft.com/office/drawing/2010/main" val="0"/>
-              </a:ext>
-            </a:extLst>
           </a:blip>
           <a:srcRect r="5453"/>
           <a:stretch>
@@ -7315,30 +6334,11 @@
           <a:ln>
             <a:noFill/>
           </a:ln>
-          <a:extLst>
-            <a:ext uri="{909E8E84-426E-40DD-AFC4-6F175D3DCCD1}">
-              <a14:hiddenFill xmlns:a14="http://schemas.microsoft.com/office/drawing/2010/main">
-                <a:solidFill>
-                  <a:srgbClr val="FFFFFF"/>
-                </a:solidFill>
-              </a14:hiddenFill>
-            </a:ext>
-            <a:ext uri="{91240B29-F687-4F45-9708-019B960494DF}">
-              <a14:hiddenLine xmlns:a14="http://schemas.microsoft.com/office/drawing/2010/main" w="9525">
-                <a:solidFill>
-                  <a:srgbClr val="000000"/>
-                </a:solidFill>
-                <a:miter lim="800000"/>
-                <a:headEnd/>
-                <a:tailEnd/>
-              </a14:hiddenLine>
-            </a:ext>
-          </a:extLst>
         </p:spPr>
       </p:pic>
       <p:sp>
         <p:nvSpPr>
-          <p:cNvPr id="1033" name="Line 9"/>
+          <p:cNvPr id="1048581" name="Line 9"/>
           <p:cNvSpPr>
             <a:spLocks noChangeShapeType="1"/>
           </p:cNvSpPr>
@@ -7361,13 +6361,6 @@
             <a:headEnd/>
             <a:tailEnd/>
           </a:ln>
-          <a:extLst>
-            <a:ext uri="{909E8E84-426E-40DD-AFC4-6F175D3DCCD1}">
-              <a14:hiddenFill xmlns:a14="http://schemas.microsoft.com/office/drawing/2010/main">
-                <a:noFill/>
-              </a14:hiddenFill>
-            </a:ext>
-          </a:extLst>
         </p:spPr>
         <p:txBody>
           <a:bodyPr/>
@@ -7379,7 +6372,7 @@
       </p:sp>
       <p:sp>
         <p:nvSpPr>
-          <p:cNvPr id="1034" name="Rectangle 10"/>
+          <p:cNvPr id="1048582" name="Rectangle 10"/>
           <p:cNvSpPr>
             <a:spLocks noChangeArrowheads="1"/>
           </p:cNvSpPr>
@@ -7400,27 +6393,6 @@
             <a:noFill/>
           </a:ln>
           <a:effectLst/>
-          <a:extLst>
-            <a:ext uri="{91240B29-F687-4F45-9708-019B960494DF}">
-              <a14:hiddenLine xmlns:a14="http://schemas.microsoft.com/office/drawing/2010/main" w="9525">
-                <a:solidFill>
-                  <a:schemeClr val="tx1"/>
-                </a:solidFill>
-                <a:miter lim="800000"/>
-                <a:headEnd/>
-                <a:tailEnd/>
-              </a14:hiddenLine>
-            </a:ext>
-            <a:ext uri="{AF507438-7753-43E0-B8FC-AC1667EBCBE1}">
-              <a14:hiddenEffects xmlns:a14="http://schemas.microsoft.com/office/drawing/2010/main">
-                <a:effectLst>
-                  <a:outerShdw dist="35921" dir="2700000" algn="ctr" rotWithShape="0">
-                    <a:schemeClr val="bg2"/>
-                  </a:outerShdw>
-                </a:effectLst>
-              </a14:hiddenEffects>
-            </a:ext>
-          </a:extLst>
         </p:spPr>
         <p:txBody>
           <a:bodyPr wrap="none" anchor="ctr"/>
@@ -7432,20 +6404,14 @@
       </p:sp>
       <p:pic>
         <p:nvPicPr>
-          <p:cNvPr id="14" name="Grafik 13"/>
+          <p:cNvPr id="2097153" name="Grafik 13"/>
           <p:cNvPicPr>
             <a:picLocks noChangeAspect="1"/>
           </p:cNvPicPr>
           <p:nvPr userDrawn="1"/>
         </p:nvPicPr>
         <p:blipFill>
-          <a:blip r:embed="rId23" cstate="print">
-            <a:extLst>
-              <a:ext uri="{28A0092B-C50C-407E-A947-70E740481C1C}">
-                <a14:useLocalDpi xmlns:a14="http://schemas.microsoft.com/office/drawing/2010/main" val="0"/>
-              </a:ext>
-            </a:extLst>
-          </a:blip>
+          <a:blip r:embed="rId23" cstate="print"/>
           <a:stretch>
             <a:fillRect/>
           </a:stretch>
@@ -7462,14 +6428,14 @@
       </p:pic>
       <p:sp>
         <p:nvSpPr>
-          <p:cNvPr id="6" name="Textfeld 5"/>
+          <p:cNvPr id="1048583" name="Textfeld 5"/>
           <p:cNvSpPr txBox="1"/>
           <p:nvPr userDrawn="1"/>
         </p:nvSpPr>
         <p:spPr>
           <a:xfrm>
             <a:off x="250825" y="6494461"/>
-            <a:ext cx="4033476" cy="249748"/>
+            <a:ext cx="3688081" cy="243840"/>
           </a:xfrm>
           <a:prstGeom prst="rect">
             <a:avLst/>
@@ -7498,8 +6464,6 @@
               <a:buSzPct val="100000"/>
               <a:buFont typeface="Arial" pitchFamily="34" charset="0"/>
               <a:buNone/>
-              <a:tabLst/>
-              <a:defRPr/>
             </a:pPr>
             <a:fld id="{BFEB3AFD-45CF-4643-9AB6-44AF66657833}" type="slidenum">
               <a:rPr kumimoji="0" lang="en-US" sz="1100" b="0" i="0" u="none" strike="noStrike" kern="1200" cap="none" spc="0" normalizeH="0" baseline="0" noProof="0" smtClean="0">
@@ -7550,7 +6514,7 @@
                 <a:ea typeface="+mn-ea"/>
                 <a:cs typeface="+mn-cs"/>
               </a:rPr>
-              <a:t>5. Dezember 2018</a:t>
+              <a:t>10. Dezember 2018</a:t>
             </a:fld>
             <a:r>
               <a:rPr kumimoji="0" lang="en-US" sz="1100" b="0" i="0" u="none" strike="noStrike" kern="1200" cap="none" spc="0" normalizeH="0" baseline="0" noProof="0" dirty="0" smtClean="0">
@@ -7587,42 +6551,30 @@
         </p:txBody>
       </p:sp>
     </p:spTree>
-    <p:extLst>
-      <p:ext uri="{BB962C8B-B14F-4D97-AF65-F5344CB8AC3E}">
-        <p14:creationId xmlns:p14="http://schemas.microsoft.com/office/powerpoint/2010/main" val="2845781478"/>
-      </p:ext>
-    </p:extLst>
   </p:cSld>
   <p:clrMap bg1="lt1" tx1="dk1" bg2="lt2" tx2="dk2" accent1="accent1" accent2="accent2" accent3="accent3" accent4="accent4" accent5="accent5" accent6="accent6" hlink="hlink" folHlink="folHlink"/>
   <p:sldLayoutIdLst>
-    <p:sldLayoutId id="2147483774" r:id="rId1"/>
-    <p:sldLayoutId id="2147483775" r:id="rId2"/>
-    <p:sldLayoutId id="2147483776" r:id="rId3"/>
-    <p:sldLayoutId id="2147483862" r:id="rId4"/>
-    <p:sldLayoutId id="2147483863" r:id="rId5"/>
-    <p:sldLayoutId id="2147483777" r:id="rId6"/>
-    <p:sldLayoutId id="2147483778" r:id="rId7"/>
-    <p:sldLayoutId id="2147483779" r:id="rId8"/>
-    <p:sldLayoutId id="2147483780" r:id="rId9"/>
-    <p:sldLayoutId id="2147483781" r:id="rId10"/>
-    <p:sldLayoutId id="2147483782" r:id="rId11"/>
-    <p:sldLayoutId id="2147483783" r:id="rId12"/>
-    <p:sldLayoutId id="2147483784" r:id="rId13"/>
-    <p:sldLayoutId id="2147483785" r:id="rId14"/>
-    <p:sldLayoutId id="2147483786" r:id="rId15"/>
-    <p:sldLayoutId id="2147483787" r:id="rId16"/>
-    <p:sldLayoutId id="2147483788" r:id="rId17"/>
-    <p:sldLayoutId id="2147483789" r:id="rId18"/>
-    <p:sldLayoutId id="2147483790" r:id="rId19"/>
-    <p:sldLayoutId id="2147483791" r:id="rId20"/>
+    <p:sldLayoutId id="2147483650" r:id="rId1"/>
+    <p:sldLayoutId id="2147483651" r:id="rId2"/>
+    <p:sldLayoutId id="2147483652" r:id="rId3"/>
+    <p:sldLayoutId id="2147483653" r:id="rId4"/>
+    <p:sldLayoutId id="2147483654" r:id="rId5"/>
+    <p:sldLayoutId id="2147483655" r:id="rId6"/>
+    <p:sldLayoutId id="2147483656" r:id="rId7"/>
+    <p:sldLayoutId id="2147483657" r:id="rId8"/>
+    <p:sldLayoutId id="2147483658" r:id="rId9"/>
+    <p:sldLayoutId id="2147483659" r:id="rId10"/>
+    <p:sldLayoutId id="2147483660" r:id="rId11"/>
+    <p:sldLayoutId id="2147483661" r:id="rId12"/>
+    <p:sldLayoutId id="2147483662" r:id="rId13"/>
+    <p:sldLayoutId id="2147483663" r:id="rId14"/>
+    <p:sldLayoutId id="2147483664" r:id="rId15"/>
+    <p:sldLayoutId id="2147483665" r:id="rId16"/>
+    <p:sldLayoutId id="2147483666" r:id="rId17"/>
+    <p:sldLayoutId id="2147483667" r:id="rId18"/>
+    <p:sldLayoutId id="2147483668" r:id="rId19"/>
+    <p:sldLayoutId id="2147483669" r:id="rId20"/>
   </p:sldLayoutIdLst>
-  <p:timing>
-    <p:tnLst>
-      <p:par>
-        <p:cTn id="1" dur="indefinite" restart="never" nodeType="tmRoot"/>
-      </p:par>
-    </p:tnLst>
-  </p:timing>
   <p:hf hdr="0"/>
   <p:txStyles>
     <p:titleStyle>
@@ -8021,7 +6973,7 @@
       </p:grpSpPr>
       <p:sp>
         <p:nvSpPr>
-          <p:cNvPr id="3" name="Titel 2"/>
+          <p:cNvPr id="1048595" name="Titel 2"/>
           <p:cNvSpPr>
             <a:spLocks noGrp="1"/>
           </p:cNvSpPr>
@@ -8043,7 +6995,7 @@
       </p:sp>
       <p:sp>
         <p:nvSpPr>
-          <p:cNvPr id="3075" name="Rectangle 3"/>
+          <p:cNvPr id="1048596" name="Rectangle 3"/>
           <p:cNvSpPr>
             <a:spLocks noGrp="1" noChangeArrowheads="1"/>
           </p:cNvSpPr>
@@ -8068,7 +7020,7 @@
       </p:sp>
       <p:sp>
         <p:nvSpPr>
-          <p:cNvPr id="11" name="Inhaltsplatzhalter 10"/>
+          <p:cNvPr id="1048597" name="Inhaltsplatzhalter 10"/>
           <p:cNvSpPr>
             <a:spLocks noGrp="1"/>
           </p:cNvSpPr>
@@ -8151,7 +7103,7 @@
       </p:sp>
       <p:sp>
         <p:nvSpPr>
-          <p:cNvPr id="6" name="Text Box 6"/>
+          <p:cNvPr id="1048598" name="Text Box 6"/>
           <p:cNvSpPr txBox="1">
             <a:spLocks noChangeArrowheads="1"/>
           </p:cNvSpPr>
@@ -8159,8 +7111,8 @@
         </p:nvSpPr>
         <p:spPr bwMode="auto">
           <a:xfrm>
-            <a:off x="250825" y="6159342"/>
-            <a:ext cx="889987" cy="246221"/>
+            <a:off x="250825" y="6174423"/>
+            <a:ext cx="208281" cy="231140"/>
           </a:xfrm>
           <a:prstGeom prst="rect">
             <a:avLst/>
@@ -8170,34 +7122,6 @@
             <a:noFill/>
           </a:ln>
           <a:effectLst/>
-          <a:extLst>
-            <a:ext uri="{909E8E84-426E-40DD-AFC4-6F175D3DCCD1}">
-              <a14:hiddenFill xmlns:a14="http://schemas.microsoft.com/office/drawing/2010/main">
-                <a:solidFill>
-                  <a:schemeClr val="accent1"/>
-                </a:solidFill>
-              </a14:hiddenFill>
-            </a:ext>
-            <a:ext uri="{91240B29-F687-4F45-9708-019B960494DF}">
-              <a14:hiddenLine xmlns:a14="http://schemas.microsoft.com/office/drawing/2010/main" w="9525">
-                <a:solidFill>
-                  <a:schemeClr val="tx1"/>
-                </a:solidFill>
-                <a:miter lim="800000"/>
-                <a:headEnd/>
-                <a:tailEnd/>
-              </a14:hiddenLine>
-            </a:ext>
-            <a:ext uri="{AF507438-7753-43E0-B8FC-AC1667EBCBE1}">
-              <a14:hiddenEffects xmlns:a14="http://schemas.microsoft.com/office/drawing/2010/main">
-                <a:effectLst>
-                  <a:outerShdw dist="35921" dir="2700000" algn="ctr" rotWithShape="0">
-                    <a:schemeClr val="bg2"/>
-                  </a:outerShdw>
-                </a:effectLst>
-              </a14:hiddenEffects>
-            </a:ext>
-          </a:extLst>
         </p:spPr>
         <p:txBody>
           <a:bodyPr wrap="none" anchor="b">
@@ -8365,22 +7289,18 @@
       </p:sp>
       <p:pic>
         <p:nvPicPr>
-          <p:cNvPr id="1026" name="Picture 2" descr="C:\Users\Ramona\Dropbox\Studium\3. Semester\PS ES\IMG_20181126_110719462_HDR.jpg"/>
+          <p:cNvPr id="2097156" name="Picture 2" descr="C:\Users\Ramona\Dropbox\Studium\3. Semester\PS ES\IMG_20181126_110719462_HDR.jpg"/>
           <p:cNvPicPr>
             <a:picLocks noChangeAspect="1" noChangeArrowheads="1"/>
           </p:cNvPicPr>
           <p:nvPr/>
         </p:nvPicPr>
         <p:blipFill rotWithShape="1">
-          <a:blip r:embed="rId3" cstate="print">
-            <a:extLst>
-              <a:ext uri="{28A0092B-C50C-407E-A947-70E740481C1C}">
-                <a14:useLocalDpi xmlns:a14="http://schemas.microsoft.com/office/drawing/2010/main" val="0"/>
-              </a:ext>
-            </a:extLst>
-          </a:blip>
+          <a:blip r:embed="rId3" cstate="print"/>
           <a:srcRect l="9420" t="9420" r="9420" b="9420"/>
-          <a:stretch/>
+          <a:stretch>
+            <a:fillRect/>
+          </a:stretch>
         </p:blipFill>
         <p:spPr bwMode="auto">
           <a:xfrm>
@@ -8398,42 +7318,14 @@
               </a:prstClr>
             </a:outerShdw>
           </a:effectLst>
-          <a:extLst>
-            <a:ext uri="{909E8E84-426E-40DD-AFC4-6F175D3DCCD1}">
-              <a14:hiddenFill xmlns:a14="http://schemas.microsoft.com/office/drawing/2010/main">
-                <a:solidFill>
-                  <a:srgbClr val="FFFFFF"/>
-                </a:solidFill>
-              </a14:hiddenFill>
-            </a:ext>
-          </a:extLst>
         </p:spPr>
       </p:pic>
     </p:spTree>
-    <p:extLst>
-      <p:ext uri="{BB962C8B-B14F-4D97-AF65-F5344CB8AC3E}">
-        <p14:creationId xmlns:p14="http://schemas.microsoft.com/office/powerpoint/2010/main" val="1538929810"/>
-      </p:ext>
-    </p:extLst>
   </p:cSld>
   <p:clrMapOvr>
     <a:masterClrMapping/>
   </p:clrMapOvr>
-  <mc:AlternateContent xmlns:mc="http://schemas.openxmlformats.org/markup-compatibility/2006" xmlns:p14="http://schemas.microsoft.com/office/powerpoint/2010/main">
-    <mc:Choice Requires="p14">
-      <p:transition p14:dur="10"/>
-    </mc:Choice>
-    <mc:Fallback xmlns="">
-      <p:transition/>
-    </mc:Fallback>
-  </mc:AlternateContent>
-  <p:timing>
-    <p:tnLst>
-      <p:par>
-        <p:cTn id="1" dur="indefinite" restart="never" nodeType="tmRoot"/>
-      </p:par>
-    </p:tnLst>
-  </p:timing>
+  <p:transition/>
 </p:sld>
 </file>
 
@@ -8456,7 +7348,7 @@
       </p:grpSpPr>
       <p:sp>
         <p:nvSpPr>
-          <p:cNvPr id="2" name="Titel 1"/>
+          <p:cNvPr id="1048606" name="Titel 1"/>
           <p:cNvSpPr>
             <a:spLocks noGrp="1"/>
           </p:cNvSpPr>
@@ -8487,7 +7379,7 @@
       </p:sp>
       <p:sp>
         <p:nvSpPr>
-          <p:cNvPr id="3" name="Inhaltsplatzhalter 2"/>
+          <p:cNvPr id="1048607" name="Inhaltsplatzhalter 2"/>
           <p:cNvSpPr>
             <a:spLocks noGrp="1"/>
           </p:cNvSpPr>
@@ -8588,22 +7480,10 @@
         </p:txBody>
       </p:sp>
     </p:spTree>
-    <p:extLst>
-      <p:ext uri="{BB962C8B-B14F-4D97-AF65-F5344CB8AC3E}">
-        <p14:creationId xmlns:p14="http://schemas.microsoft.com/office/powerpoint/2010/main" val="1191499082"/>
-      </p:ext>
-    </p:extLst>
   </p:cSld>
   <p:clrMapOvr>
     <a:masterClrMapping/>
   </p:clrMapOvr>
-  <p:timing>
-    <p:tnLst>
-      <p:par>
-        <p:cTn id="1" dur="indefinite" restart="never" nodeType="tmRoot"/>
-      </p:par>
-    </p:tnLst>
-  </p:timing>
 </p:sld>
 </file>
 
@@ -8626,7 +7506,7 @@
       </p:grpSpPr>
       <p:sp>
         <p:nvSpPr>
-          <p:cNvPr id="2" name="Titel 1"/>
+          <p:cNvPr id="1048608" name="Titel 1"/>
           <p:cNvSpPr>
             <a:spLocks noGrp="1"/>
           </p:cNvSpPr>
@@ -8639,9 +7519,12 @@
           <a:bodyPr/>
           <a:lstStyle/>
           <a:p>
-            <a:r>
-              <a:rPr lang="de-DE" dirty="0" smtClean="0"/>
-              <a:t>Aktueller Stand</a:t>
+            <a:pPr marL="4763" indent="0">
+              <a:buNone/>
+            </a:pPr>
+            <a:r>
+              <a:rPr lang="en-US" altLang="de-DE" dirty="0" smtClean="0"/>
+              <a:t>Ndgdjwjrbfuf</a:t>
             </a:r>
             <a:endParaRPr lang="de-DE" dirty="0"/>
           </a:p>
@@ -8649,7 +7532,7 @@
       </p:sp>
       <p:sp>
         <p:nvSpPr>
-          <p:cNvPr id="3" name="Inhaltsplatzhalter 2"/>
+          <p:cNvPr id="1048609" name="Inhaltsplatzhalter 2"/>
           <p:cNvSpPr>
             <a:spLocks noGrp="1"/>
           </p:cNvSpPr>
@@ -8657,7 +7540,12 @@
             <p:ph idx="1"/>
           </p:nvPr>
         </p:nvSpPr>
-        <p:spPr/>
+        <p:spPr>
+          <a:xfrm>
+            <a:off x="250825" y="1484312"/>
+            <a:ext cx="8640763" cy="4968875"/>
+          </a:xfrm>
+        </p:spPr>
         <p:txBody>
           <a:bodyPr/>
           <a:lstStyle/>
@@ -8670,10 +7558,45 @@
               <a:rPr lang="de-DE" dirty="0" err="1" smtClean="0"/>
               <a:t>Wallfollower</a:t>
             </a:r>
-            <a:r>
-              <a:rPr lang="de-DE" dirty="0" smtClean="0"/>
-              <a:t> </a:t>
-            </a:r>
+            <a:endParaRPr lang="de-DE" dirty="0" smtClean="0"/>
+          </a:p>
+          <a:p>
+            <a:pPr lvl="1"/>
+            <a:r>
+              <a:rPr lang="de-DE" altLang="de-DE" dirty="0" err="1" smtClean="0"/>
+              <a:t>pd</a:t>
+            </a:r>
+            <a:r>
+              <a:rPr lang="de-DE" altLang="de-DE" dirty="0" smtClean="0"/>
+              <a:t> Regler</a:t>
+            </a:r>
+            <a:endParaRPr lang="de-DE" altLang="zh-CN" dirty="0" smtClean="0"/>
+          </a:p>
+          <a:p>
+            <a:pPr lvl="1"/>
+            <a:r>
+              <a:rPr lang="de-DE" altLang="de-DE" dirty="0" smtClean="0"/>
+              <a:t>Abweichung des Abstandes zur 'Wand' korrigieren</a:t>
+            </a:r>
+            <a:endParaRPr lang="de-DE" altLang="zh-CN" dirty="0" smtClean="0"/>
+          </a:p>
+          <a:p>
+            <a:pPr lvl="1"/>
+            <a:r>
+              <a:rPr lang="de-DE" altLang="zh-CN" dirty="0" smtClean="0"/>
+              <a:t>Berechnung des </a:t>
+            </a:r>
+            <a:r>
+              <a:rPr lang="de-DE" altLang="zh-CN" dirty="0"/>
+              <a:t>L</a:t>
+            </a:r>
+            <a:r>
+              <a:rPr lang="de-DE" altLang="zh-CN" dirty="0" smtClean="0"/>
+              <a:t>enkwinkels durch Abstand</a:t>
+            </a:r>
+          </a:p>
+          <a:p>
+            <a:endParaRPr lang="de-DE" altLang="zh-CN" dirty="0" smtClean="0"/>
           </a:p>
           <a:p>
             <a:endParaRPr lang="de-DE" dirty="0" smtClean="0"/>
@@ -8698,42 +7621,17 @@
             <a:endParaRPr lang="de-DE" dirty="0" smtClean="0"/>
           </a:p>
           <a:p>
+            <a:endParaRPr lang="de-DE" dirty="0" smtClean="0"/>
+          </a:p>
+          <a:p>
+            <a:r>
+              <a:rPr lang="de-DE" dirty="0" smtClean="0"/>
+              <a:t>Ansatz:</a:t>
+            </a:r>
+          </a:p>
+          <a:p>
             <a:pPr lvl="1"/>
             <a:r>
-              <a:rPr lang="de-DE" dirty="0" err="1" smtClean="0"/>
-              <a:t>Birdeye</a:t>
-            </a:r>
-            <a:r>
-              <a:rPr lang="de-DE" dirty="0" smtClean="0"/>
-              <a:t> View</a:t>
-            </a:r>
-          </a:p>
-          <a:p>
-            <a:pPr lvl="1"/>
-            <a:r>
-              <a:rPr lang="de-DE" dirty="0" smtClean="0"/>
-              <a:t>Rauschen entfernen</a:t>
-            </a:r>
-          </a:p>
-          <a:p>
-            <a:pPr lvl="1"/>
-            <a:r>
-              <a:rPr lang="de-DE" dirty="0" smtClean="0"/>
-              <a:t>Farbfilterung</a:t>
-            </a:r>
-          </a:p>
-          <a:p>
-            <a:endParaRPr lang="de-DE" dirty="0" smtClean="0"/>
-          </a:p>
-          <a:p>
-            <a:r>
-              <a:rPr lang="de-DE" dirty="0" smtClean="0"/>
-              <a:t>Ansatz:</a:t>
-            </a:r>
-          </a:p>
-          <a:p>
-            <a:pPr lvl="1"/>
-            <a:r>
               <a:rPr lang="de-DE" dirty="0" smtClean="0"/>
               <a:t>Linien zu imaginären Wänden transformieren und diesen folgen</a:t>
             </a:r>
@@ -8741,23 +7639,41 @@
           </a:p>
         </p:txBody>
       </p:sp>
+      <mc:AlternateContent xmlns:mc="http://schemas.openxmlformats.org/markup-compatibility/2006" xmlns:p14="http://schemas.microsoft.com/office/powerpoint/2010/main">
+        <mc:Choice Requires="p14">
+          <p:contentPart p14:bwMode="auto" r:id="rId2">
+            <p14:nvContentPartPr>
+              <p14:cNvPr id="1048690" name="Freihand 1048689"/>
+              <p14:cNvContentPartPr/>
+              <p14:nvPr/>
+            </p14:nvContentPartPr>
+            <p14:xfrm>
+              <a:off x="1823588" y="2876393"/>
+              <a:ext cx="14506" cy="42457"/>
+            </p14:xfrm>
+          </p:contentPart>
+        </mc:Choice>
+        <mc:Fallback xmlns="">
+          <p:sp>
+            <p:nvSpPr>
+              <p:cNvPr id="1048690" name=""/>
+              <p:cNvSpPr/>
+              <p:nvPr/>
+            </p:nvSpPr>
+            <p:spPr>
+              <a:xfrm>
+                <a:off x="1823588" y="2876393"/>
+                <a:ext cx="14506" cy="42457"/>
+              </a:xfrm>
+            </p:spPr>
+          </p:sp>
+        </mc:Fallback>
+      </mc:AlternateContent>
     </p:spTree>
-    <p:extLst>
-      <p:ext uri="{BB962C8B-B14F-4D97-AF65-F5344CB8AC3E}">
-        <p14:creationId xmlns:p14="http://schemas.microsoft.com/office/powerpoint/2010/main" val="1764840804"/>
-      </p:ext>
-    </p:extLst>
   </p:cSld>
   <p:clrMapOvr>
     <a:masterClrMapping/>
   </p:clrMapOvr>
-  <p:timing>
-    <p:tnLst>
-      <p:par>
-        <p:cTn id="1" dur="indefinite" restart="never" nodeType="tmRoot"/>
-      </p:par>
-    </p:tnLst>
-  </p:timing>
 </p:sld>
 </file>
 
@@ -8780,7 +7696,7 @@
       </p:grpSpPr>
       <p:sp>
         <p:nvSpPr>
-          <p:cNvPr id="2" name="Titel 1"/>
+          <p:cNvPr id="1048687" name="Titel 1"/>
           <p:cNvSpPr>
             <a:spLocks noGrp="1"/>
           </p:cNvSpPr>
@@ -8793,9 +7709,12 @@
           <a:bodyPr/>
           <a:lstStyle/>
           <a:p>
-            <a:r>
-              <a:rPr lang="de-DE" dirty="0" smtClean="0"/>
-              <a:t>Verworfene Ansätze</a:t>
+            <a:pPr marL="4763" indent="0">
+              <a:buNone/>
+            </a:pPr>
+            <a:r>
+              <a:rPr lang="en-US" altLang="de-DE" dirty="0" smtClean="0"/>
+              <a:t>Bildverarbeitung</a:t>
             </a:r>
             <a:endParaRPr lang="de-DE" dirty="0"/>
           </a:p>
@@ -8803,7 +7722,7 @@
       </p:sp>
       <p:sp>
         <p:nvSpPr>
-          <p:cNvPr id="3" name="Inhaltsplatzhalter 2"/>
+          <p:cNvPr id="1048689" name="Inhaltsplatzhalter 2"/>
           <p:cNvSpPr>
             <a:spLocks noGrp="1"/>
           </p:cNvSpPr>
@@ -8811,107 +7730,171 @@
             <p:ph idx="1"/>
           </p:nvPr>
         </p:nvSpPr>
-        <p:spPr/>
+        <p:spPr>
+          <a:xfrm>
+            <a:off x="353335" y="1484312"/>
+            <a:ext cx="8640763" cy="4968875"/>
+          </a:xfrm>
+        </p:spPr>
         <p:txBody>
           <a:bodyPr/>
           <a:lstStyle/>
           <a:p>
             <a:r>
-              <a:rPr lang="de-DE" dirty="0" smtClean="0"/>
-              <a:t>Bildfilterung durch </a:t>
-            </a:r>
-          </a:p>
-          <a:p>
-            <a:pPr lvl="1"/>
-            <a:r>
-              <a:rPr lang="de-DE" dirty="0" smtClean="0"/>
-              <a:t>Edge </a:t>
-            </a:r>
-            <a:r>
-              <a:rPr lang="de-DE" dirty="0" err="1" smtClean="0"/>
-              <a:t>Detection</a:t>
-            </a:r>
-            <a:r>
-              <a:rPr lang="de-DE" dirty="0" smtClean="0"/>
-              <a:t> mit </a:t>
-            </a:r>
-            <a:r>
-              <a:rPr lang="de-DE" dirty="0" err="1" smtClean="0"/>
-              <a:t>Canny</a:t>
-            </a:r>
+              <a:rPr lang="en-US" altLang="de-DE" dirty="0" smtClean="0"/>
+              <a:t>Bild der Kinect </a:t>
+            </a:r>
+            <a:r>
+              <a:rPr lang="en-US" altLang="de-DE" dirty="0" err="1" smtClean="0"/>
+              <a:t>empfangen</a:t>
+            </a:r>
+            <a:endParaRPr lang="en-US" altLang="de-DE" dirty="0" smtClean="0"/>
+          </a:p>
+          <a:p>
             <a:endParaRPr lang="de-DE" dirty="0" smtClean="0"/>
           </a:p>
           <a:p>
-            <a:pPr lvl="1"/>
-            <a:r>
-              <a:rPr lang="de-DE" dirty="0" err="1" smtClean="0"/>
-              <a:t>Contour</a:t>
-            </a:r>
-            <a:r>
-              <a:rPr lang="de-DE" dirty="0" smtClean="0"/>
+            <a:r>
+              <a:rPr lang="en-US" altLang="de-DE" dirty="0" err="1" smtClean="0"/>
+              <a:t>Birdeyeview</a:t>
+            </a:r>
+            <a:endParaRPr lang="en-US" altLang="de-DE" dirty="0" smtClean="0"/>
+          </a:p>
+          <a:p>
+            <a:endParaRPr lang="de-DE" dirty="0" smtClean="0"/>
+          </a:p>
+          <a:p>
+            <a:r>
+              <a:rPr lang="en-US" altLang="de-DE" dirty="0" err="1" smtClean="0"/>
+              <a:t>Bild</a:t>
+            </a:r>
+            <a:r>
+              <a:rPr lang="en-US" altLang="de-DE" dirty="0" smtClean="0"/>
               <a:t> </a:t>
             </a:r>
             <a:r>
-              <a:rPr lang="de-DE" dirty="0" err="1" smtClean="0"/>
-              <a:t>Detection</a:t>
-            </a:r>
-            <a:r>
-              <a:rPr lang="de-DE" dirty="0" smtClean="0"/>
+              <a:rPr lang="en-US" altLang="de-DE" dirty="0" err="1" smtClean="0"/>
+              <a:t>aufhellen</a:t>
+            </a:r>
+            <a:endParaRPr lang="en-US" altLang="de-DE" dirty="0" smtClean="0"/>
+          </a:p>
+          <a:p>
+            <a:endParaRPr lang="de-DE" dirty="0" smtClean="0"/>
+          </a:p>
+          <a:p>
+            <a:r>
+              <a:rPr lang="en-US" altLang="de-DE" dirty="0" smtClean="0"/>
+              <a:t>relevanten </a:t>
+            </a:r>
+            <a:r>
+              <a:rPr lang="en-US" altLang="de-DE" dirty="0" err="1" smtClean="0"/>
+              <a:t>Bildausschnitt</a:t>
+            </a:r>
+            <a:r>
+              <a:rPr lang="en-US" altLang="de-DE" dirty="0" smtClean="0"/>
               <a:t> </a:t>
             </a:r>
-          </a:p>
-          <a:p>
-            <a:endParaRPr lang="de-DE" dirty="0"/>
-          </a:p>
-        </p:txBody>
-      </p:sp>
-      <p:pic>
-        <p:nvPicPr>
-          <p:cNvPr id="1026" name="Picture 2" descr="C:\Users\Ramona\Dropbox\Studium\3. Semester\PS ES\AUDO\Dokumente\SCHOENES_BILD_JAJAJAJAJA_01a.png"/>
-          <p:cNvPicPr>
-            <a:picLocks noChangeAspect="1" noChangeArrowheads="1"/>
-          </p:cNvPicPr>
-          <p:nvPr/>
-        </p:nvPicPr>
-        <p:blipFill>
-          <a:blip r:embed="rId3">
-            <a:extLst>
-              <a:ext uri="{28A0092B-C50C-407E-A947-70E740481C1C}">
-                <a14:useLocalDpi xmlns:a14="http://schemas.microsoft.com/office/drawing/2010/main" val="0"/>
-              </a:ext>
-            </a:extLst>
-          </a:blip>
-          <a:srcRect/>
-          <a:stretch>
-            <a:fillRect/>
-          </a:stretch>
-        </p:blipFill>
-        <p:spPr bwMode="auto">
-          <a:xfrm>
-            <a:off x="2675668" y="2276872"/>
-            <a:ext cx="6278936" cy="3701614"/>
-          </a:xfrm>
-          <a:prstGeom prst="rect">
-            <a:avLst/>
-          </a:prstGeom>
-          <a:noFill/>
-          <a:extLst>
-            <a:ext uri="{909E8E84-426E-40DD-AFC4-6F175D3DCCD1}">
-              <a14:hiddenFill xmlns:a14="http://schemas.microsoft.com/office/drawing/2010/main">
-                <a:solidFill>
-                  <a:srgbClr val="FFFFFF"/>
-                </a:solidFill>
-              </a14:hiddenFill>
-            </a:ext>
-          </a:extLst>
-        </p:spPr>
-      </p:pic>
+            <a:r>
+              <a:rPr lang="en-US" altLang="de-DE" dirty="0" err="1" smtClean="0"/>
+              <a:t>auswählen</a:t>
+            </a:r>
+            <a:endParaRPr lang="en-US" altLang="de-DE" dirty="0" smtClean="0"/>
+          </a:p>
+          <a:p>
+            <a:endParaRPr lang="de-DE" dirty="0" smtClean="0"/>
+          </a:p>
+          <a:p>
+            <a:r>
+              <a:rPr lang="en-US" altLang="de-DE" dirty="0" err="1" smtClean="0"/>
+              <a:t>Farbfilterung</a:t>
+            </a:r>
+            <a:r>
+              <a:rPr lang="de-DE" altLang="de-DE" dirty="0"/>
+              <a:t> </a:t>
+            </a:r>
+            <a:r>
+              <a:rPr lang="de-DE" altLang="de-DE" dirty="0" smtClean="0"/>
+              <a:t>- </a:t>
+            </a:r>
+            <a:r>
+              <a:rPr lang="en-US" altLang="de-DE" dirty="0" smtClean="0"/>
+              <a:t>Greyscale </a:t>
+            </a:r>
+            <a:r>
+              <a:rPr lang="en-US" altLang="de-DE" dirty="0" err="1" smtClean="0"/>
+              <a:t>zu</a:t>
+            </a:r>
+            <a:r>
+              <a:rPr lang="en-US" altLang="de-DE" dirty="0" smtClean="0"/>
+              <a:t> </a:t>
+            </a:r>
+            <a:r>
+              <a:rPr lang="en-US" altLang="de-DE" dirty="0" smtClean="0"/>
+              <a:t>binary</a:t>
+            </a:r>
+          </a:p>
+          <a:p>
+            <a:endParaRPr lang="de-DE" dirty="0" smtClean="0"/>
+          </a:p>
+          <a:p>
+            <a:r>
+              <a:rPr lang="en-US" altLang="de-DE" dirty="0" err="1" smtClean="0"/>
+              <a:t>probabilistische</a:t>
+            </a:r>
+            <a:r>
+              <a:rPr lang="en-US" altLang="de-DE" dirty="0" smtClean="0"/>
+              <a:t> </a:t>
+            </a:r>
+            <a:r>
+              <a:rPr lang="en-US" altLang="de-DE" dirty="0" smtClean="0"/>
+              <a:t>Hough </a:t>
+            </a:r>
+            <a:r>
+              <a:rPr lang="en-US" altLang="de-DE" dirty="0" smtClean="0"/>
+              <a:t>Transformation</a:t>
+            </a:r>
+          </a:p>
+          <a:p>
+            <a:endParaRPr lang="de-DE" dirty="0" smtClean="0"/>
+          </a:p>
+          <a:p>
+            <a:r>
+              <a:rPr lang="en-US" altLang="de-DE" dirty="0" smtClean="0"/>
+              <a:t>Auswahl längste </a:t>
+            </a:r>
+            <a:r>
+              <a:rPr lang="en-US" altLang="de-DE" dirty="0" err="1" smtClean="0"/>
+              <a:t>unterste</a:t>
+            </a:r>
+            <a:r>
+              <a:rPr lang="en-US" altLang="de-DE" dirty="0" smtClean="0"/>
+              <a:t> </a:t>
+            </a:r>
+            <a:r>
+              <a:rPr lang="en-US" altLang="de-DE" dirty="0" err="1" smtClean="0"/>
+              <a:t>Linie</a:t>
+            </a:r>
+            <a:r>
+              <a:rPr lang="en-US" altLang="de-DE" dirty="0" smtClean="0"/>
+              <a:t>, </a:t>
+            </a:r>
+            <a:r>
+              <a:rPr lang="en-US" altLang="de-DE" dirty="0" err="1" smtClean="0"/>
+              <a:t>verlängern</a:t>
+            </a:r>
+            <a:r>
+              <a:rPr lang="en-US" altLang="de-DE" dirty="0" smtClean="0"/>
+              <a:t> und </a:t>
+            </a:r>
+            <a:r>
+              <a:rPr lang="en-US" altLang="de-DE" dirty="0" err="1" smtClean="0"/>
+              <a:t>publishen</a:t>
+            </a:r>
+            <a:endParaRPr lang="de-DE" dirty="0" smtClean="0"/>
+          </a:p>
+        </p:txBody>
+      </p:sp>
     </p:spTree>
-    <p:extLst>
-      <p:ext uri="{BB962C8B-B14F-4D97-AF65-F5344CB8AC3E}">
-        <p14:creationId xmlns:p14="http://schemas.microsoft.com/office/powerpoint/2010/main" val="564856578"/>
-      </p:ext>
-    </p:extLst>
   </p:cSld>
   <p:clrMapOvr>
     <a:masterClrMapping/>
@@ -8938,7 +7921,7 @@
       </p:grpSpPr>
       <p:sp>
         <p:nvSpPr>
-          <p:cNvPr id="2" name="Titel 1"/>
+          <p:cNvPr id="1048610" name="Titel 1"/>
           <p:cNvSpPr>
             <a:spLocks noGrp="1"/>
           </p:cNvSpPr>
@@ -8953,7 +7936,7 @@
           <a:p>
             <a:r>
               <a:rPr lang="de-DE" dirty="0" smtClean="0"/>
-              <a:t>Probleme</a:t>
+              <a:t>Verworfene Ansätze</a:t>
             </a:r>
             <a:endParaRPr lang="de-DE" dirty="0"/>
           </a:p>
@@ -8961,7 +7944,7 @@
       </p:sp>
       <p:sp>
         <p:nvSpPr>
-          <p:cNvPr id="3" name="Inhaltsplatzhalter 2"/>
+          <p:cNvPr id="1048611" name="Inhaltsplatzhalter 2"/>
           <p:cNvSpPr>
             <a:spLocks noGrp="1"/>
           </p:cNvSpPr>
@@ -8976,69 +7959,84 @@
           <a:p>
             <a:r>
               <a:rPr lang="de-DE" dirty="0" smtClean="0"/>
-              <a:t>Anfänglich kein Bild der Weitwinkelkamera</a:t>
+              <a:t>Bildfilterung durch </a:t>
+            </a:r>
+          </a:p>
+          <a:p>
+            <a:pPr lvl="1"/>
+            <a:r>
+              <a:rPr lang="de-DE" dirty="0" smtClean="0"/>
+              <a:t>Edge </a:t>
+            </a:r>
+            <a:r>
+              <a:rPr lang="de-DE" dirty="0" err="1" smtClean="0"/>
+              <a:t>Detection</a:t>
+            </a:r>
+            <a:r>
+              <a:rPr lang="de-DE" dirty="0" smtClean="0"/>
+              <a:t> mit </a:t>
+            </a:r>
+            <a:r>
+              <a:rPr lang="de-DE" dirty="0" err="1" smtClean="0"/>
+              <a:t>Canny</a:t>
+            </a:r>
+            <a:endParaRPr lang="de-DE" dirty="0" smtClean="0"/>
+          </a:p>
+          <a:p>
+            <a:pPr lvl="1"/>
+            <a:r>
+              <a:rPr lang="de-DE" dirty="0" err="1" smtClean="0"/>
+              <a:t>Contour</a:t>
+            </a:r>
+            <a:r>
+              <a:rPr lang="de-DE" dirty="0" smtClean="0"/>
+              <a:t> </a:t>
+            </a:r>
+            <a:r>
+              <a:rPr lang="de-DE" dirty="0" err="1" smtClean="0"/>
+              <a:t>Detection</a:t>
+            </a:r>
+            <a:r>
+              <a:rPr lang="de-DE" dirty="0" smtClean="0"/>
+              <a:t> </a:t>
             </a:r>
           </a:p>
           <a:p>
             <a:endParaRPr lang="de-DE" dirty="0"/>
           </a:p>
-          <a:p>
-            <a:r>
-              <a:rPr lang="de-DE" dirty="0" smtClean="0"/>
-              <a:t>Unterschiede der Farbdarstellung zwischen </a:t>
-            </a:r>
-            <a:r>
-              <a:rPr lang="de-DE" dirty="0" err="1" smtClean="0"/>
-              <a:t>Kinect</a:t>
-            </a:r>
-            <a:r>
-              <a:rPr lang="de-DE" dirty="0" smtClean="0"/>
-              <a:t>- und Weitwinkelkamera</a:t>
-            </a:r>
-          </a:p>
-          <a:p>
-            <a:endParaRPr lang="de-DE" dirty="0" smtClean="0"/>
-          </a:p>
-          <a:p>
-            <a:r>
-              <a:rPr lang="de-DE" dirty="0" smtClean="0"/>
-              <a:t>Aufschwingen beim </a:t>
-            </a:r>
-            <a:r>
-              <a:rPr lang="de-DE" dirty="0" err="1" smtClean="0"/>
-              <a:t>Wallfollower</a:t>
-            </a:r>
-            <a:endParaRPr lang="de-DE" dirty="0" smtClean="0"/>
-          </a:p>
-          <a:p>
-            <a:endParaRPr lang="de-DE" dirty="0" smtClean="0"/>
-          </a:p>
-          <a:p>
-            <a:r>
-              <a:rPr lang="de-DE" dirty="0" smtClean="0"/>
-              <a:t>Unzuverlässiger Front-Ultraschallsensor mit falschen Werten (je nach Umgebung)</a:t>
-            </a:r>
-            <a:endParaRPr lang="de-DE" dirty="0"/>
-          </a:p>
-        </p:txBody>
-      </p:sp>
+        </p:txBody>
+      </p:sp>
+      <p:pic>
+        <p:nvPicPr>
+          <p:cNvPr id="2097157" name="Picture 2" descr="C:\Users\Ramona\Dropbox\Studium\3. Semester\PS ES\AUDO\Dokumente\SCHOENES_BILD_JAJAJAJAJA_01a.png"/>
+          <p:cNvPicPr>
+            <a:picLocks noChangeAspect="1" noChangeArrowheads="1"/>
+          </p:cNvPicPr>
+          <p:nvPr/>
+        </p:nvPicPr>
+        <p:blipFill>
+          <a:blip r:embed="rId3"/>
+          <a:srcRect/>
+          <a:stretch>
+            <a:fillRect/>
+          </a:stretch>
+        </p:blipFill>
+        <p:spPr bwMode="auto">
+          <a:xfrm>
+            <a:off x="2675668" y="2276872"/>
+            <a:ext cx="6278936" cy="3701614"/>
+          </a:xfrm>
+          <a:prstGeom prst="rect">
+            <a:avLst/>
+          </a:prstGeom>
+          <a:noFill/>
+        </p:spPr>
+      </p:pic>
     </p:spTree>
-    <p:extLst>
-      <p:ext uri="{BB962C8B-B14F-4D97-AF65-F5344CB8AC3E}">
-        <p14:creationId xmlns:p14="http://schemas.microsoft.com/office/powerpoint/2010/main" val="310549416"/>
-      </p:ext>
-    </p:extLst>
   </p:cSld>
   <p:clrMapOvr>
     <a:masterClrMapping/>
   </p:clrMapOvr>
-  <p:timing>
-    <p:tnLst>
-      <p:par>
-        <p:cTn id="1" dur="indefinite" restart="never" nodeType="tmRoot"/>
-      </p:par>
-    </p:tnLst>
-  </p:timing>
 </p:sld>
 </file>
 
@@ -9061,7 +8059,7 @@
       </p:grpSpPr>
       <p:sp>
         <p:nvSpPr>
-          <p:cNvPr id="2" name="Titel 1"/>
+          <p:cNvPr id="1048617" name="Titel 1"/>
           <p:cNvSpPr>
             <a:spLocks noGrp="1"/>
           </p:cNvSpPr>
@@ -9076,7 +8074,7 @@
           <a:p>
             <a:r>
               <a:rPr lang="de-DE" dirty="0" smtClean="0"/>
-              <a:t>2. Thema</a:t>
+              <a:t>Probleme</a:t>
             </a:r>
             <a:endParaRPr lang="de-DE" dirty="0"/>
           </a:p>
@@ -9084,7 +8082,7 @@
       </p:sp>
       <p:sp>
         <p:nvSpPr>
-          <p:cNvPr id="3" name="Inhaltsplatzhalter 2"/>
+          <p:cNvPr id="1048618" name="Inhaltsplatzhalter 2"/>
           <p:cNvSpPr>
             <a:spLocks noGrp="1"/>
           </p:cNvSpPr>
@@ -9099,43 +8097,142 @@
           <a:p>
             <a:r>
               <a:rPr lang="de-DE" dirty="0" smtClean="0"/>
-              <a:t>Hinderniserkennung mit Spurwechsel</a:t>
-            </a:r>
-          </a:p>
-          <a:p>
-            <a:pPr lvl="1"/>
-            <a:r>
-              <a:rPr lang="de-DE" dirty="0" smtClean="0"/>
-              <a:t>Entweder an linker Außenlinie oder Mittellinie entlang beim Wechsel</a:t>
-            </a:r>
-          </a:p>
-          <a:p>
-            <a:pPr lvl="1"/>
-            <a:r>
-              <a:rPr lang="de-DE" dirty="0" smtClean="0"/>
-              <a:t>Abstandsmessung zum Hindernis</a:t>
-            </a:r>
+              <a:t>Anfänglich kein Bild der Weitwinkelkamera</a:t>
+            </a:r>
+          </a:p>
+          <a:p>
             <a:endParaRPr lang="de-DE" dirty="0"/>
           </a:p>
+          <a:p>
+            <a:r>
+              <a:rPr lang="de-DE" dirty="0" smtClean="0"/>
+              <a:t>Unterschiede der Farbdarstellung zwischen </a:t>
+            </a:r>
+            <a:r>
+              <a:rPr lang="de-DE" dirty="0" err="1" smtClean="0"/>
+              <a:t>Kinect</a:t>
+            </a:r>
+            <a:r>
+              <a:rPr lang="de-DE" dirty="0" smtClean="0"/>
+              <a:t>- und Weitwinkelkamera</a:t>
+            </a:r>
+          </a:p>
+          <a:p>
+            <a:endParaRPr lang="de-DE" dirty="0" smtClean="0"/>
+          </a:p>
+          <a:p>
+            <a:r>
+              <a:rPr lang="de-DE" dirty="0" smtClean="0"/>
+              <a:t>Aufschwingen beim </a:t>
+            </a:r>
+            <a:r>
+              <a:rPr lang="de-DE" dirty="0" err="1" smtClean="0"/>
+              <a:t>Wallfollower</a:t>
+            </a:r>
+            <a:endParaRPr lang="de-DE" dirty="0" smtClean="0"/>
+          </a:p>
+          <a:p>
+            <a:endParaRPr lang="de-DE" dirty="0" smtClean="0"/>
+          </a:p>
+          <a:p>
+            <a:r>
+              <a:rPr lang="de-DE" dirty="0" smtClean="0"/>
+              <a:t>Unzuverlässiger Front-Ultraschallsensor mit falschen Werten (je nach Umgebung)</a:t>
+            </a:r>
+            <a:endParaRPr lang="de-DE" dirty="0"/>
+          </a:p>
         </p:txBody>
       </p:sp>
     </p:spTree>
-    <p:extLst>
-      <p:ext uri="{BB962C8B-B14F-4D97-AF65-F5344CB8AC3E}">
-        <p14:creationId xmlns:p14="http://schemas.microsoft.com/office/powerpoint/2010/main" val="1392095386"/>
-      </p:ext>
-    </p:extLst>
   </p:cSld>
   <p:clrMapOvr>
     <a:masterClrMapping/>
   </p:clrMapOvr>
-  <p:timing>
-    <p:tnLst>
-      <p:par>
-        <p:cTn id="1" dur="indefinite" restart="never" nodeType="tmRoot"/>
-      </p:par>
-    </p:tnLst>
-  </p:timing>
+</p:sld>
+</file>
+
+<file path=ppt/slides/slide7.xml><?xml version="1.0" encoding="utf-8"?>
+<p:sld xmlns:a="http://schemas.openxmlformats.org/drawingml/2006/main" xmlns:r="http://schemas.openxmlformats.org/officeDocument/2006/relationships" xmlns:p="http://schemas.openxmlformats.org/presentationml/2006/main">
+  <p:cSld>
+    <p:spTree>
+      <p:nvGrpSpPr>
+        <p:cNvPr id="1" name=""/>
+        <p:cNvGrpSpPr/>
+        <p:nvPr/>
+      </p:nvGrpSpPr>
+      <p:grpSpPr>
+        <a:xfrm>
+          <a:off x="0" y="0"/>
+          <a:ext cx="0" cy="0"/>
+          <a:chOff x="0" y="0"/>
+          <a:chExt cx="0" cy="0"/>
+        </a:xfrm>
+      </p:grpSpPr>
+      <p:sp>
+        <p:nvSpPr>
+          <p:cNvPr id="1048619" name="Titel 1"/>
+          <p:cNvSpPr>
+            <a:spLocks noGrp="1"/>
+          </p:cNvSpPr>
+          <p:nvPr>
+            <p:ph type="title"/>
+          </p:nvPr>
+        </p:nvSpPr>
+        <p:spPr/>
+        <p:txBody>
+          <a:bodyPr/>
+          <a:lstStyle/>
+          <a:p>
+            <a:r>
+              <a:rPr lang="de-DE" dirty="0" smtClean="0"/>
+              <a:t>2. Thema</a:t>
+            </a:r>
+            <a:endParaRPr lang="de-DE" dirty="0"/>
+          </a:p>
+        </p:txBody>
+      </p:sp>
+      <p:sp>
+        <p:nvSpPr>
+          <p:cNvPr id="1048620" name="Inhaltsplatzhalter 2"/>
+          <p:cNvSpPr>
+            <a:spLocks noGrp="1"/>
+          </p:cNvSpPr>
+          <p:nvPr>
+            <p:ph idx="1"/>
+          </p:nvPr>
+        </p:nvSpPr>
+        <p:spPr/>
+        <p:txBody>
+          <a:bodyPr/>
+          <a:lstStyle/>
+          <a:p>
+            <a:r>
+              <a:rPr lang="de-DE" dirty="0" smtClean="0"/>
+              <a:t>Hinderniserkennung mit Spurwechsel</a:t>
+            </a:r>
+          </a:p>
+          <a:p>
+            <a:pPr lvl="1"/>
+            <a:r>
+              <a:rPr lang="de-DE" dirty="0" smtClean="0"/>
+              <a:t>Entweder an linker Außenlinie oder Mittellinie entlang beim Wechsel</a:t>
+            </a:r>
+          </a:p>
+          <a:p>
+            <a:pPr lvl="1"/>
+            <a:r>
+              <a:rPr lang="de-DE" dirty="0" smtClean="0"/>
+              <a:t>Abstandsmessung zum Hindernis</a:t>
+            </a:r>
+            <a:endParaRPr lang="de-DE" dirty="0"/>
+          </a:p>
+        </p:txBody>
+      </p:sp>
+    </p:spTree>
+  </p:cSld>
+  <p:clrMapOvr>
+    <a:masterClrMapping/>
+  </p:clrMapOvr>
 </p:sld>
 </file>
 
@@ -9393,17 +8490,6 @@
           <a:tailEnd type="none" w="med" len="med"/>
         </a:ln>
         <a:effectLst/>
-        <a:extLst>
-          <a:ext uri="{AF507438-7753-43E0-B8FC-AC1667EBCBE1}">
-            <a14:hiddenEffects xmlns:a14="http://schemas.microsoft.com/office/drawing/2010/main">
-              <a:effectLst>
-                <a:outerShdw dist="35921" dir="2700000" algn="ctr" rotWithShape="0">
-                  <a:schemeClr val="bg2"/>
-                </a:outerShdw>
-              </a:effectLst>
-            </a14:hiddenEffects>
-          </a:ext>
-        </a:extLst>
       </a:spPr>
       <a:bodyPr vert="horz" wrap="none" lIns="91440" tIns="45720" rIns="91440" bIns="45720" numCol="1" anchor="ctr" anchorCtr="0" compatLnSpc="1">
         <a:prstTxWarp prst="textNoShape">
@@ -9427,7 +8513,6 @@
           <a:buSzPct val="100000"/>
           <a:buFont typeface="Arial" charset="0"/>
           <a:buNone/>
-          <a:tabLst/>
           <a:defRPr kumimoji="0" lang="en-GB" sz="1800" b="0" i="0" u="none" strike="noStrike" cap="none" normalizeH="0" baseline="0" smtClean="0">
             <a:ln>
               <a:noFill/>
@@ -9468,17 +8553,6 @@
           <a:tailEnd type="none" w="med" len="med"/>
         </a:ln>
         <a:effectLst/>
-        <a:extLst>
-          <a:ext uri="{AF507438-7753-43E0-B8FC-AC1667EBCBE1}">
-            <a14:hiddenEffects xmlns:a14="http://schemas.microsoft.com/office/drawing/2010/main">
-              <a:effectLst>
-                <a:outerShdw dist="35921" dir="2700000" algn="ctr" rotWithShape="0">
-                  <a:schemeClr val="bg2"/>
-                </a:outerShdw>
-              </a:effectLst>
-            </a14:hiddenEffects>
-          </a:ext>
-        </a:extLst>
       </a:spPr>
       <a:bodyPr vert="horz" wrap="none" lIns="91440" tIns="45720" rIns="91440" bIns="45720" numCol="1" anchor="ctr" anchorCtr="0" compatLnSpc="1">
         <a:prstTxWarp prst="textNoShape">
@@ -9502,7 +8576,6 @@
           <a:buSzPct val="100000"/>
           <a:buFont typeface="Arial" charset="0"/>
           <a:buNone/>
-          <a:tabLst/>
           <a:defRPr kumimoji="0" lang="en-GB" sz="1800" b="0" i="0" u="none" strike="noStrike" cap="none" normalizeH="0" baseline="0" smtClean="0">
             <a:ln>
               <a:noFill/>

--- a/Dokumente/Präsentationen/Zwischenpräsentation.pptx
+++ b/Dokumente/Präsentationen/Zwischenpräsentation.pptx
@@ -12,10 +12,10 @@
   </p:handoutMasterIdLst>
   <p:sldIdLst>
     <p:sldId id="257" r:id="rId2"/>
-    <p:sldId id="258" r:id="rId3"/>
-    <p:sldId id="259" r:id="rId4"/>
-    <p:sldId id="265" r:id="rId5"/>
-    <p:sldId id="260" r:id="rId6"/>
+    <p:sldId id="266" r:id="rId3"/>
+    <p:sldId id="258" r:id="rId4"/>
+    <p:sldId id="259" r:id="rId5"/>
+    <p:sldId id="265" r:id="rId6"/>
     <p:sldId id="261" r:id="rId7"/>
     <p:sldId id="262" r:id="rId8"/>
   </p:sldIdLst>
@@ -186,6 +186,36 @@
       </a:defRPr>
     </a:lvl9pPr>
   </p:defaultTextStyle>
+  <p:extLst>
+    <p:ext uri="{EFAFB233-063F-42B5-8137-9DF3F51BA10A}">
+      <p15:sldGuideLst xmlns:p15="http://schemas.microsoft.com/office/powerpoint/2012/main">
+        <p15:guide id="1" orient="horz" pos="4319">
+          <p15:clr>
+            <a:srgbClr val="A4A3A4"/>
+          </p15:clr>
+        </p15:guide>
+        <p15:guide id="2">
+          <p15:clr>
+            <a:srgbClr val="A4A3A4"/>
+          </p15:clr>
+        </p15:guide>
+      </p15:sldGuideLst>
+    </p:ext>
+    <p:ext uri="{2D200454-40CA-4A62-9FC3-DE9A4176ACB9}">
+      <p15:notesGuideLst xmlns:p15="http://schemas.microsoft.com/office/powerpoint/2012/main">
+        <p15:guide id="1" orient="horz" pos="2874">
+          <p15:clr>
+            <a:srgbClr val="A4A3A4"/>
+          </p15:clr>
+        </p15:guide>
+        <p15:guide id="2" pos="2141">
+          <p15:clr>
+            <a:srgbClr val="A4A3A4"/>
+          </p15:clr>
+        </p15:guide>
+      </p15:notesGuideLst>
+    </p:ext>
+  </p:extLst>
 </p:presentation>
 </file>
 
@@ -193,6 +223,14 @@
 <p:cmAuthorLst xmlns:a="http://schemas.openxmlformats.org/drawingml/2006/main" xmlns:r="http://schemas.openxmlformats.org/officeDocument/2006/relationships" xmlns:p="http://schemas.openxmlformats.org/presentationml/2006/main">
   <p:cmAuthor id="0" name="" initials="" lastIdx="1" clrIdx="0"/>
 </p:cmAuthorLst>
+</file>
+
+<file path=ppt/revisionInfo.xml><?xml version="1.0" encoding="utf-8"?>
+<p1510:revInfo xmlns:a="http://schemas.openxmlformats.org/drawingml/2006/main" xmlns:r="http://schemas.openxmlformats.org/officeDocument/2006/relationships" xmlns:p1510="http://schemas.microsoft.com/office/powerpoint/2015/10/main">
+  <p1510:revLst>
+    <p1510:client id="{EFD63440-FEA4-40A6-8E96-DD209B82904F}" v="18" dt="2018-12-10T15:58:58.880"/>
+  </p1510:revLst>
+</p1510:revInfo>
 </file>
 
 <file path=ppt/handoutMasters/handoutMaster1.xml><?xml version="1.0" encoding="utf-8"?>
@@ -421,34 +459,6 @@
   </p:cSld>
   <p:clrMap bg1="lt1" tx1="dk1" bg2="lt2" tx2="dk2" accent1="accent1" accent2="accent2" accent3="accent3" accent4="accent4" accent5="accent5" accent6="accent6" hlink="hlink" folHlink="folHlink"/>
 </p:handoutMaster>
-</file>
-
-<file path=ppt/ink/ink1.xml><?xml version="1.0" encoding="utf-8"?>
-<inkml:ink xmlns:inkml="http://www.w3.org/2003/InkML">
-  <inkml:definitions>
-    <inkml:context xml:id="ctx0">
-      <inkml:inkSource xml:id="inkSrc0">
-        <inkml:traceFormat>
-          <inkml:channel name="X" type="integer" units="cm"/>
-          <inkml:channel name="Y" type="integer" units="cm"/>
-          <inkml:channel name="F" type="integer" max="1023" units="dev"/>
-        </inkml:traceFormat>
-        <inkml:channelProperties>
-          <inkml:channelProperty channel="X" name="resolution" value="28.36041" units="1/cm"/>
-          <inkml:channelProperty channel="Y" name="resolution" value="28.36041" units="1/cm"/>
-          <inkml:channelProperty channel="F" name="resolution" value="1" units="1/dev"/>
-        </inkml:channelProperties>
-      </inkml:inkSource>
-      <inkml:timestamp xml:id="ts0" timeString="2018-12-10T13:43:39.002"/>
-    </inkml:context>
-    <inkml:brush xml:id="br0">
-      <inkml:brushProperty name="width" value="0.01984" units="cm"/>
-      <inkml:brushProperty name="height" value="0.01984" units="cm"/>
-      <inkml:brushProperty name="fitToCurve" value="1"/>
-    </inkml:brush>
-  </inkml:definitions>
-  <inkml:trace contextRef="#ctx0" brushRef="#br0">38293635 6080939 87414984,'-34494493'53843924'-6171600</inkml:trace>
-</inkml:ink>
 </file>
 
 <file path=ppt/notesMasters/notesMaster1.xml><?xml version="1.0" encoding="utf-8"?>
@@ -662,7 +672,7 @@
           <a:lstStyle/>
           <a:p>
             <a:pPr lvl="0"/>
-            <a:endParaRPr lang="de-DE" noProof="0" dirty="0" smtClean="0"/>
+            <a:endParaRPr lang="de-DE" noProof="0" dirty="0"/>
           </a:p>
         </p:txBody>
       </p:sp>
@@ -1375,7 +1385,7 @@
           <a:p>
             <a:pPr eaLnBrk="1" hangingPunct="1"/>
             <a:r>
-              <a:rPr lang="en-GB" dirty="0" smtClean="0">
+              <a:rPr lang="en-GB" dirty="0">
                 <a:solidFill>
                   <a:srgbClr val="000000"/>
                 </a:solidFill>
@@ -1597,7 +1607,7 @@
           <a:p>
             <a:pPr eaLnBrk="1" hangingPunct="1"/>
             <a:r>
-              <a:rPr lang="en-GB" dirty="0" smtClean="0">
+              <a:rPr lang="en-GB" dirty="0">
                 <a:solidFill>
                   <a:srgbClr val="000000"/>
                 </a:solidFill>
@@ -1783,7 +1793,7 @@
           <a:p>
             <a:pPr eaLnBrk="1" hangingPunct="1"/>
             <a:r>
-              <a:rPr lang="en-GB" dirty="0" smtClean="0">
+              <a:rPr lang="en-GB" dirty="0">
                 <a:solidFill>
                   <a:srgbClr val="000000"/>
                 </a:solidFill>
@@ -1801,7 +1811,7 @@
               <a:pPr eaLnBrk="1" hangingPunct="1"/>
               <a:t>1</a:t>
             </a:fld>
-            <a:endParaRPr lang="en-GB" dirty="0" smtClean="0">
+            <a:endParaRPr lang="en-GB" dirty="0">
               <a:solidFill>
                 <a:srgbClr val="000000"/>
               </a:solidFill>
@@ -1848,7 +1858,7 @@
           <a:bodyPr/>
           <a:lstStyle/>
           <a:p>
-            <a:endParaRPr lang="en-US" dirty="0" smtClean="0"/>
+            <a:endParaRPr lang="en-US" dirty="0"/>
           </a:p>
         </p:txBody>
       </p:sp>
@@ -1882,7 +1892,7 @@
       </p:grpSpPr>
       <p:sp>
         <p:nvSpPr>
-          <p:cNvPr id="1048612" name="Folienbildplatzhalter 1"/>
+          <p:cNvPr id="2" name="Folienbildplatzhalter 1"/>
           <p:cNvSpPr>
             <a:spLocks noGrp="1" noRot="1" noChangeAspect="1"/>
           </p:cNvSpPr>
@@ -1894,7 +1904,7 @@
       </p:sp>
       <p:sp>
         <p:nvSpPr>
-          <p:cNvPr id="1048613" name="Notizenplatzhalter 2"/>
+          <p:cNvPr id="3" name="Notizenplatzhalter 2"/>
           <p:cNvSpPr>
             <a:spLocks noGrp="1"/>
           </p:cNvSpPr>
@@ -1908,29 +1918,20 @@
           <a:lstStyle/>
           <a:p>
             <a:r>
-              <a:rPr lang="de-DE" dirty="0" smtClean="0"/>
-              <a:t>Rundung als Edge erkannt und großer Kasten drum herum, dies zwar mit </a:t>
-            </a:r>
-            <a:r>
-              <a:rPr lang="de-DE" dirty="0" err="1" smtClean="0"/>
-              <a:t>Polygomen</a:t>
-            </a:r>
-            <a:r>
-              <a:rPr lang="de-DE" dirty="0" smtClean="0"/>
-              <a:t> gefüllt, aber zu groß und nicht nutzbar</a:t>
-            </a:r>
-            <a:endParaRPr lang="de-DE" dirty="0"/>
-          </a:p>
-        </p:txBody>
-      </p:sp>
-      <p:sp>
-        <p:nvSpPr>
-          <p:cNvPr id="1048614" name="Datumsplatzhalter 3"/>
+              <a:rPr lang="en-GB" dirty="0"/>
+              <a:t>MIR EGAL WER DAS MACHT</a:t>
+            </a:r>
+          </a:p>
+        </p:txBody>
+      </p:sp>
+      <p:sp>
+        <p:nvSpPr>
+          <p:cNvPr id="4" name="Datumsplatzhalter 3"/>
           <p:cNvSpPr>
             <a:spLocks noGrp="1"/>
           </p:cNvSpPr>
           <p:nvPr>
-            <p:ph type="dt" idx="10"/>
+            <p:ph type="dt"/>
           </p:nvPr>
         </p:nvSpPr>
         <p:spPr/>
@@ -1939,21 +1940,20 @@
           <a:lstStyle/>
           <a:p>
             <a:r>
-              <a:rPr lang="en-GB" smtClean="0"/>
+              <a:rPr lang="en-GB"/>
               <a:t>November 19, 2007</a:t>
             </a:r>
-            <a:endParaRPr lang="en-GB"/>
-          </a:p>
-        </p:txBody>
-      </p:sp>
-      <p:sp>
-        <p:nvSpPr>
-          <p:cNvPr id="1048615" name="Fußzeilenplatzhalter 4"/>
+          </a:p>
+        </p:txBody>
+      </p:sp>
+      <p:sp>
+        <p:nvSpPr>
+          <p:cNvPr id="5" name="Fußzeilenplatzhalter 4"/>
           <p:cNvSpPr>
             <a:spLocks noGrp="1"/>
           </p:cNvSpPr>
           <p:nvPr>
-            <p:ph type="ftr" idx="11"/>
+            <p:ph type="ftr"/>
           </p:nvPr>
         </p:nvSpPr>
         <p:spPr/>
@@ -1962,21 +1962,20 @@
           <a:lstStyle/>
           <a:p>
             <a:r>
-              <a:rPr lang="en-GB" smtClean="0"/>
+              <a:rPr lang="en-GB"/>
               <a:t>|  </a:t>
             </a:r>
-            <a:endParaRPr lang="en-GB"/>
-          </a:p>
-        </p:txBody>
-      </p:sp>
-      <p:sp>
-        <p:nvSpPr>
-          <p:cNvPr id="1048616" name="Foliennummernplatzhalter 5"/>
+          </a:p>
+        </p:txBody>
+      </p:sp>
+      <p:sp>
+        <p:nvSpPr>
+          <p:cNvPr id="6" name="Foliennummernplatzhalter 5"/>
           <p:cNvSpPr>
             <a:spLocks noGrp="1"/>
           </p:cNvSpPr>
           <p:nvPr>
-            <p:ph type="sldNum" idx="12"/>
+            <p:ph type="sldNum"/>
           </p:nvPr>
         </p:nvSpPr>
         <p:spPr/>
@@ -1985,7 +1984,412 @@
           <a:lstStyle/>
           <a:p>
             <a:r>
+              <a:rPr lang="en-GB"/>
+              <a:t>|  </a:t>
+            </a:r>
+            <a:fld id="{92C156F3-6C7D-4C62-B24F-CEC351458306}" type="slidenum">
               <a:rPr lang="en-GB" smtClean="0"/>
+              <a:t>2</a:t>
+            </a:fld>
+            <a:endParaRPr lang="en-GB"/>
+          </a:p>
+        </p:txBody>
+      </p:sp>
+    </p:spTree>
+    <p:extLst>
+      <p:ext uri="{BB962C8B-B14F-4D97-AF65-F5344CB8AC3E}">
+        <p14:creationId xmlns:p14="http://schemas.microsoft.com/office/powerpoint/2010/main" val="4086205857"/>
+      </p:ext>
+    </p:extLst>
+  </p:cSld>
+  <p:clrMapOvr>
+    <a:masterClrMapping/>
+  </p:clrMapOvr>
+</p:notes>
+</file>
+
+<file path=ppt/notesSlides/notesSlide3.xml><?xml version="1.0" encoding="utf-8"?>
+<p:notes xmlns:a="http://schemas.openxmlformats.org/drawingml/2006/main" xmlns:r="http://schemas.openxmlformats.org/officeDocument/2006/relationships" xmlns:p="http://schemas.openxmlformats.org/presentationml/2006/main">
+  <p:cSld>
+    <p:spTree>
+      <p:nvGrpSpPr>
+        <p:cNvPr id="1" name=""/>
+        <p:cNvGrpSpPr/>
+        <p:nvPr/>
+      </p:nvGrpSpPr>
+      <p:grpSpPr>
+        <a:xfrm>
+          <a:off x="0" y="0"/>
+          <a:ext cx="0" cy="0"/>
+          <a:chOff x="0" y="0"/>
+          <a:chExt cx="0" cy="0"/>
+        </a:xfrm>
+      </p:grpSpPr>
+      <p:sp>
+        <p:nvSpPr>
+          <p:cNvPr id="2" name="Folienbildplatzhalter 1"/>
+          <p:cNvSpPr>
+            <a:spLocks noGrp="1" noRot="1" noChangeAspect="1"/>
+          </p:cNvSpPr>
+          <p:nvPr>
+            <p:ph type="sldImg"/>
+          </p:nvPr>
+        </p:nvSpPr>
+        <p:spPr/>
+      </p:sp>
+      <p:sp>
+        <p:nvSpPr>
+          <p:cNvPr id="3" name="Notizenplatzhalter 2"/>
+          <p:cNvSpPr>
+            <a:spLocks noGrp="1"/>
+          </p:cNvSpPr>
+          <p:nvPr>
+            <p:ph type="body" idx="1"/>
+          </p:nvPr>
+        </p:nvSpPr>
+        <p:spPr/>
+        <p:txBody>
+          <a:bodyPr/>
+          <a:lstStyle/>
+          <a:p>
+            <a:r>
+              <a:rPr lang="en-GB" dirty="0"/>
+              <a:t>RAMONA</a:t>
+            </a:r>
+          </a:p>
+        </p:txBody>
+      </p:sp>
+      <p:sp>
+        <p:nvSpPr>
+          <p:cNvPr id="4" name="Datumsplatzhalter 3"/>
+          <p:cNvSpPr>
+            <a:spLocks noGrp="1"/>
+          </p:cNvSpPr>
+          <p:nvPr>
+            <p:ph type="dt"/>
+          </p:nvPr>
+        </p:nvSpPr>
+        <p:spPr/>
+        <p:txBody>
+          <a:bodyPr/>
+          <a:lstStyle/>
+          <a:p>
+            <a:r>
+              <a:rPr lang="en-GB"/>
+              <a:t>November 19, 2007</a:t>
+            </a:r>
+          </a:p>
+        </p:txBody>
+      </p:sp>
+      <p:sp>
+        <p:nvSpPr>
+          <p:cNvPr id="5" name="Fußzeilenplatzhalter 4"/>
+          <p:cNvSpPr>
+            <a:spLocks noGrp="1"/>
+          </p:cNvSpPr>
+          <p:nvPr>
+            <p:ph type="ftr"/>
+          </p:nvPr>
+        </p:nvSpPr>
+        <p:spPr/>
+        <p:txBody>
+          <a:bodyPr/>
+          <a:lstStyle/>
+          <a:p>
+            <a:r>
+              <a:rPr lang="en-GB"/>
+              <a:t>|  </a:t>
+            </a:r>
+          </a:p>
+        </p:txBody>
+      </p:sp>
+      <p:sp>
+        <p:nvSpPr>
+          <p:cNvPr id="6" name="Foliennummernplatzhalter 5"/>
+          <p:cNvSpPr>
+            <a:spLocks noGrp="1"/>
+          </p:cNvSpPr>
+          <p:nvPr>
+            <p:ph type="sldNum"/>
+          </p:nvPr>
+        </p:nvSpPr>
+        <p:spPr/>
+        <p:txBody>
+          <a:bodyPr/>
+          <a:lstStyle/>
+          <a:p>
+            <a:r>
+              <a:rPr lang="en-GB"/>
+              <a:t>|  </a:t>
+            </a:r>
+            <a:fld id="{92C156F3-6C7D-4C62-B24F-CEC351458306}" type="slidenum">
+              <a:rPr lang="en-GB" smtClean="0"/>
+              <a:t>3</a:t>
+            </a:fld>
+            <a:endParaRPr lang="en-GB"/>
+          </a:p>
+        </p:txBody>
+      </p:sp>
+    </p:spTree>
+    <p:extLst>
+      <p:ext uri="{BB962C8B-B14F-4D97-AF65-F5344CB8AC3E}">
+        <p14:creationId xmlns:p14="http://schemas.microsoft.com/office/powerpoint/2010/main" val="2130257856"/>
+      </p:ext>
+    </p:extLst>
+  </p:cSld>
+  <p:clrMapOvr>
+    <a:masterClrMapping/>
+  </p:clrMapOvr>
+</p:notes>
+</file>
+
+<file path=ppt/notesSlides/notesSlide4.xml><?xml version="1.0" encoding="utf-8"?>
+<p:notes xmlns:a="http://schemas.openxmlformats.org/drawingml/2006/main" xmlns:r="http://schemas.openxmlformats.org/officeDocument/2006/relationships" xmlns:p="http://schemas.openxmlformats.org/presentationml/2006/main">
+  <p:cSld>
+    <p:spTree>
+      <p:nvGrpSpPr>
+        <p:cNvPr id="1" name=""/>
+        <p:cNvGrpSpPr/>
+        <p:nvPr/>
+      </p:nvGrpSpPr>
+      <p:grpSpPr>
+        <a:xfrm>
+          <a:off x="0" y="0"/>
+          <a:ext cx="0" cy="0"/>
+          <a:chOff x="0" y="0"/>
+          <a:chExt cx="0" cy="0"/>
+        </a:xfrm>
+      </p:grpSpPr>
+      <p:sp>
+        <p:nvSpPr>
+          <p:cNvPr id="2" name="Folienbildplatzhalter 1"/>
+          <p:cNvSpPr>
+            <a:spLocks noGrp="1" noRot="1" noChangeAspect="1"/>
+          </p:cNvSpPr>
+          <p:nvPr>
+            <p:ph type="sldImg"/>
+          </p:nvPr>
+        </p:nvSpPr>
+        <p:spPr/>
+      </p:sp>
+      <p:sp>
+        <p:nvSpPr>
+          <p:cNvPr id="3" name="Notizenplatzhalter 2"/>
+          <p:cNvSpPr>
+            <a:spLocks noGrp="1"/>
+          </p:cNvSpPr>
+          <p:nvPr>
+            <p:ph type="body" idx="1"/>
+          </p:nvPr>
+        </p:nvSpPr>
+        <p:spPr/>
+        <p:txBody>
+          <a:bodyPr/>
+          <a:lstStyle/>
+          <a:p>
+            <a:r>
+              <a:rPr lang="en-GB" dirty="0"/>
+              <a:t>NIKO</a:t>
+            </a:r>
+          </a:p>
+        </p:txBody>
+      </p:sp>
+      <p:sp>
+        <p:nvSpPr>
+          <p:cNvPr id="4" name="Datumsplatzhalter 3"/>
+          <p:cNvSpPr>
+            <a:spLocks noGrp="1"/>
+          </p:cNvSpPr>
+          <p:nvPr>
+            <p:ph type="dt"/>
+          </p:nvPr>
+        </p:nvSpPr>
+        <p:spPr/>
+        <p:txBody>
+          <a:bodyPr/>
+          <a:lstStyle/>
+          <a:p>
+            <a:r>
+              <a:rPr lang="en-GB"/>
+              <a:t>November 19, 2007</a:t>
+            </a:r>
+          </a:p>
+        </p:txBody>
+      </p:sp>
+      <p:sp>
+        <p:nvSpPr>
+          <p:cNvPr id="5" name="Fußzeilenplatzhalter 4"/>
+          <p:cNvSpPr>
+            <a:spLocks noGrp="1"/>
+          </p:cNvSpPr>
+          <p:nvPr>
+            <p:ph type="ftr"/>
+          </p:nvPr>
+        </p:nvSpPr>
+        <p:spPr/>
+        <p:txBody>
+          <a:bodyPr/>
+          <a:lstStyle/>
+          <a:p>
+            <a:r>
+              <a:rPr lang="en-GB"/>
+              <a:t>|  </a:t>
+            </a:r>
+          </a:p>
+        </p:txBody>
+      </p:sp>
+      <p:sp>
+        <p:nvSpPr>
+          <p:cNvPr id="6" name="Foliennummernplatzhalter 5"/>
+          <p:cNvSpPr>
+            <a:spLocks noGrp="1"/>
+          </p:cNvSpPr>
+          <p:nvPr>
+            <p:ph type="sldNum"/>
+          </p:nvPr>
+        </p:nvSpPr>
+        <p:spPr/>
+        <p:txBody>
+          <a:bodyPr/>
+          <a:lstStyle/>
+          <a:p>
+            <a:r>
+              <a:rPr lang="en-GB"/>
+              <a:t>|  </a:t>
+            </a:r>
+            <a:fld id="{92C156F3-6C7D-4C62-B24F-CEC351458306}" type="slidenum">
+              <a:rPr lang="en-GB" smtClean="0"/>
+              <a:t>4</a:t>
+            </a:fld>
+            <a:endParaRPr lang="en-GB"/>
+          </a:p>
+        </p:txBody>
+      </p:sp>
+    </p:spTree>
+    <p:extLst>
+      <p:ext uri="{BB962C8B-B14F-4D97-AF65-F5344CB8AC3E}">
+        <p14:creationId xmlns:p14="http://schemas.microsoft.com/office/powerpoint/2010/main" val="894590783"/>
+      </p:ext>
+    </p:extLst>
+  </p:cSld>
+  <p:clrMapOvr>
+    <a:masterClrMapping/>
+  </p:clrMapOvr>
+</p:notes>
+</file>
+
+<file path=ppt/notesSlides/notesSlide5.xml><?xml version="1.0" encoding="utf-8"?>
+<p:notes xmlns:a="http://schemas.openxmlformats.org/drawingml/2006/main" xmlns:r="http://schemas.openxmlformats.org/officeDocument/2006/relationships" xmlns:p="http://schemas.openxmlformats.org/presentationml/2006/main">
+  <p:cSld>
+    <p:spTree>
+      <p:nvGrpSpPr>
+        <p:cNvPr id="1" name=""/>
+        <p:cNvGrpSpPr/>
+        <p:nvPr/>
+      </p:nvGrpSpPr>
+      <p:grpSpPr>
+        <a:xfrm>
+          <a:off x="0" y="0"/>
+          <a:ext cx="0" cy="0"/>
+          <a:chOff x="0" y="0"/>
+          <a:chExt cx="0" cy="0"/>
+        </a:xfrm>
+      </p:grpSpPr>
+      <p:sp>
+        <p:nvSpPr>
+          <p:cNvPr id="2" name="Folienbildplatzhalter 1"/>
+          <p:cNvSpPr>
+            <a:spLocks noGrp="1" noRot="1" noChangeAspect="1"/>
+          </p:cNvSpPr>
+          <p:nvPr>
+            <p:ph type="sldImg"/>
+          </p:nvPr>
+        </p:nvSpPr>
+        <p:spPr/>
+      </p:sp>
+      <p:sp>
+        <p:nvSpPr>
+          <p:cNvPr id="3" name="Notizenplatzhalter 2"/>
+          <p:cNvSpPr>
+            <a:spLocks noGrp="1"/>
+          </p:cNvSpPr>
+          <p:nvPr>
+            <p:ph type="body" idx="1"/>
+          </p:nvPr>
+        </p:nvSpPr>
+        <p:spPr/>
+        <p:txBody>
+          <a:bodyPr/>
+          <a:lstStyle/>
+          <a:p>
+            <a:r>
+              <a:rPr lang="en-GB" dirty="0"/>
+              <a:t>FABIAN</a:t>
+            </a:r>
+          </a:p>
+        </p:txBody>
+      </p:sp>
+      <p:sp>
+        <p:nvSpPr>
+          <p:cNvPr id="4" name="Datumsplatzhalter 3"/>
+          <p:cNvSpPr>
+            <a:spLocks noGrp="1"/>
+          </p:cNvSpPr>
+          <p:nvPr>
+            <p:ph type="dt"/>
+          </p:nvPr>
+        </p:nvSpPr>
+        <p:spPr/>
+        <p:txBody>
+          <a:bodyPr/>
+          <a:lstStyle/>
+          <a:p>
+            <a:r>
+              <a:rPr lang="en-GB"/>
+              <a:t>November 19, 2007</a:t>
+            </a:r>
+          </a:p>
+        </p:txBody>
+      </p:sp>
+      <p:sp>
+        <p:nvSpPr>
+          <p:cNvPr id="5" name="Fußzeilenplatzhalter 4"/>
+          <p:cNvSpPr>
+            <a:spLocks noGrp="1"/>
+          </p:cNvSpPr>
+          <p:nvPr>
+            <p:ph type="ftr"/>
+          </p:nvPr>
+        </p:nvSpPr>
+        <p:spPr/>
+        <p:txBody>
+          <a:bodyPr/>
+          <a:lstStyle/>
+          <a:p>
+            <a:r>
+              <a:rPr lang="en-GB"/>
+              <a:t>|  </a:t>
+            </a:r>
+          </a:p>
+        </p:txBody>
+      </p:sp>
+      <p:sp>
+        <p:nvSpPr>
+          <p:cNvPr id="6" name="Foliennummernplatzhalter 5"/>
+          <p:cNvSpPr>
+            <a:spLocks noGrp="1"/>
+          </p:cNvSpPr>
+          <p:nvPr>
+            <p:ph type="sldNum"/>
+          </p:nvPr>
+        </p:nvSpPr>
+        <p:spPr/>
+        <p:txBody>
+          <a:bodyPr/>
+          <a:lstStyle/>
+          <a:p>
+            <a:r>
+              <a:rPr lang="en-GB"/>
               <a:t>|  </a:t>
             </a:r>
             <a:fld id="{92C156F3-6C7D-4C62-B24F-CEC351458306}" type="slidenum">
@@ -1997,6 +2401,281 @@
         </p:txBody>
       </p:sp>
     </p:spTree>
+    <p:extLst>
+      <p:ext uri="{BB962C8B-B14F-4D97-AF65-F5344CB8AC3E}">
+        <p14:creationId xmlns:p14="http://schemas.microsoft.com/office/powerpoint/2010/main" val="3979630434"/>
+      </p:ext>
+    </p:extLst>
+  </p:cSld>
+  <p:clrMapOvr>
+    <a:masterClrMapping/>
+  </p:clrMapOvr>
+</p:notes>
+</file>
+
+<file path=ppt/notesSlides/notesSlide6.xml><?xml version="1.0" encoding="utf-8"?>
+<p:notes xmlns:a="http://schemas.openxmlformats.org/drawingml/2006/main" xmlns:r="http://schemas.openxmlformats.org/officeDocument/2006/relationships" xmlns:p="http://schemas.openxmlformats.org/presentationml/2006/main">
+  <p:cSld>
+    <p:spTree>
+      <p:nvGrpSpPr>
+        <p:cNvPr id="1" name=""/>
+        <p:cNvGrpSpPr/>
+        <p:nvPr/>
+      </p:nvGrpSpPr>
+      <p:grpSpPr>
+        <a:xfrm>
+          <a:off x="0" y="0"/>
+          <a:ext cx="0" cy="0"/>
+          <a:chOff x="0" y="0"/>
+          <a:chExt cx="0" cy="0"/>
+        </a:xfrm>
+      </p:grpSpPr>
+      <p:sp>
+        <p:nvSpPr>
+          <p:cNvPr id="2" name="Folienbildplatzhalter 1"/>
+          <p:cNvSpPr>
+            <a:spLocks noGrp="1" noRot="1" noChangeAspect="1"/>
+          </p:cNvSpPr>
+          <p:nvPr>
+            <p:ph type="sldImg"/>
+          </p:nvPr>
+        </p:nvSpPr>
+        <p:spPr/>
+      </p:sp>
+      <p:sp>
+        <p:nvSpPr>
+          <p:cNvPr id="3" name="Notizenplatzhalter 2"/>
+          <p:cNvSpPr>
+            <a:spLocks noGrp="1"/>
+          </p:cNvSpPr>
+          <p:nvPr>
+            <p:ph type="body" idx="1"/>
+          </p:nvPr>
+        </p:nvSpPr>
+        <p:spPr/>
+        <p:txBody>
+          <a:bodyPr/>
+          <a:lstStyle/>
+          <a:p>
+            <a:r>
+              <a:rPr lang="en-GB" dirty="0"/>
+              <a:t>MAIKE</a:t>
+            </a:r>
+          </a:p>
+        </p:txBody>
+      </p:sp>
+      <p:sp>
+        <p:nvSpPr>
+          <p:cNvPr id="4" name="Datumsplatzhalter 3"/>
+          <p:cNvSpPr>
+            <a:spLocks noGrp="1"/>
+          </p:cNvSpPr>
+          <p:nvPr>
+            <p:ph type="dt"/>
+          </p:nvPr>
+        </p:nvSpPr>
+        <p:spPr/>
+        <p:txBody>
+          <a:bodyPr/>
+          <a:lstStyle/>
+          <a:p>
+            <a:r>
+              <a:rPr lang="en-GB"/>
+              <a:t>November 19, 2007</a:t>
+            </a:r>
+          </a:p>
+        </p:txBody>
+      </p:sp>
+      <p:sp>
+        <p:nvSpPr>
+          <p:cNvPr id="5" name="Fußzeilenplatzhalter 4"/>
+          <p:cNvSpPr>
+            <a:spLocks noGrp="1"/>
+          </p:cNvSpPr>
+          <p:nvPr>
+            <p:ph type="ftr"/>
+          </p:nvPr>
+        </p:nvSpPr>
+        <p:spPr/>
+        <p:txBody>
+          <a:bodyPr/>
+          <a:lstStyle/>
+          <a:p>
+            <a:r>
+              <a:rPr lang="en-GB"/>
+              <a:t>|  </a:t>
+            </a:r>
+          </a:p>
+        </p:txBody>
+      </p:sp>
+      <p:sp>
+        <p:nvSpPr>
+          <p:cNvPr id="6" name="Foliennummernplatzhalter 5"/>
+          <p:cNvSpPr>
+            <a:spLocks noGrp="1"/>
+          </p:cNvSpPr>
+          <p:nvPr>
+            <p:ph type="sldNum"/>
+          </p:nvPr>
+        </p:nvSpPr>
+        <p:spPr/>
+        <p:txBody>
+          <a:bodyPr/>
+          <a:lstStyle/>
+          <a:p>
+            <a:r>
+              <a:rPr lang="en-GB"/>
+              <a:t>|  </a:t>
+            </a:r>
+            <a:fld id="{92C156F3-6C7D-4C62-B24F-CEC351458306}" type="slidenum">
+              <a:rPr lang="en-GB" smtClean="0"/>
+              <a:t>6</a:t>
+            </a:fld>
+            <a:endParaRPr lang="en-GB"/>
+          </a:p>
+        </p:txBody>
+      </p:sp>
+    </p:spTree>
+    <p:extLst>
+      <p:ext uri="{BB962C8B-B14F-4D97-AF65-F5344CB8AC3E}">
+        <p14:creationId xmlns:p14="http://schemas.microsoft.com/office/powerpoint/2010/main" val="1472061649"/>
+      </p:ext>
+    </p:extLst>
+  </p:cSld>
+  <p:clrMapOvr>
+    <a:masterClrMapping/>
+  </p:clrMapOvr>
+</p:notes>
+</file>
+
+<file path=ppt/notesSlides/notesSlide7.xml><?xml version="1.0" encoding="utf-8"?>
+<p:notes xmlns:a="http://schemas.openxmlformats.org/drawingml/2006/main" xmlns:r="http://schemas.openxmlformats.org/officeDocument/2006/relationships" xmlns:p="http://schemas.openxmlformats.org/presentationml/2006/main">
+  <p:cSld>
+    <p:spTree>
+      <p:nvGrpSpPr>
+        <p:cNvPr id="1" name=""/>
+        <p:cNvGrpSpPr/>
+        <p:nvPr/>
+      </p:nvGrpSpPr>
+      <p:grpSpPr>
+        <a:xfrm>
+          <a:off x="0" y="0"/>
+          <a:ext cx="0" cy="0"/>
+          <a:chOff x="0" y="0"/>
+          <a:chExt cx="0" cy="0"/>
+        </a:xfrm>
+      </p:grpSpPr>
+      <p:sp>
+        <p:nvSpPr>
+          <p:cNvPr id="2" name="Folienbildplatzhalter 1"/>
+          <p:cNvSpPr>
+            <a:spLocks noGrp="1" noRot="1" noChangeAspect="1"/>
+          </p:cNvSpPr>
+          <p:nvPr>
+            <p:ph type="sldImg"/>
+          </p:nvPr>
+        </p:nvSpPr>
+        <p:spPr/>
+      </p:sp>
+      <p:sp>
+        <p:nvSpPr>
+          <p:cNvPr id="3" name="Notizenplatzhalter 2"/>
+          <p:cNvSpPr>
+            <a:spLocks noGrp="1"/>
+          </p:cNvSpPr>
+          <p:nvPr>
+            <p:ph type="body" idx="1"/>
+          </p:nvPr>
+        </p:nvSpPr>
+        <p:spPr/>
+        <p:txBody>
+          <a:bodyPr/>
+          <a:lstStyle/>
+          <a:p>
+            <a:r>
+              <a:rPr lang="en-GB" dirty="0"/>
+              <a:t>MAIKE/RAMONA ???</a:t>
+            </a:r>
+          </a:p>
+        </p:txBody>
+      </p:sp>
+      <p:sp>
+        <p:nvSpPr>
+          <p:cNvPr id="4" name="Datumsplatzhalter 3"/>
+          <p:cNvSpPr>
+            <a:spLocks noGrp="1"/>
+          </p:cNvSpPr>
+          <p:nvPr>
+            <p:ph type="dt"/>
+          </p:nvPr>
+        </p:nvSpPr>
+        <p:spPr/>
+        <p:txBody>
+          <a:bodyPr/>
+          <a:lstStyle/>
+          <a:p>
+            <a:r>
+              <a:rPr lang="en-GB"/>
+              <a:t>November 19, 2007</a:t>
+            </a:r>
+          </a:p>
+        </p:txBody>
+      </p:sp>
+      <p:sp>
+        <p:nvSpPr>
+          <p:cNvPr id="5" name="Fußzeilenplatzhalter 4"/>
+          <p:cNvSpPr>
+            <a:spLocks noGrp="1"/>
+          </p:cNvSpPr>
+          <p:nvPr>
+            <p:ph type="ftr"/>
+          </p:nvPr>
+        </p:nvSpPr>
+        <p:spPr/>
+        <p:txBody>
+          <a:bodyPr/>
+          <a:lstStyle/>
+          <a:p>
+            <a:r>
+              <a:rPr lang="en-GB"/>
+              <a:t>|  </a:t>
+            </a:r>
+          </a:p>
+        </p:txBody>
+      </p:sp>
+      <p:sp>
+        <p:nvSpPr>
+          <p:cNvPr id="6" name="Foliennummernplatzhalter 5"/>
+          <p:cNvSpPr>
+            <a:spLocks noGrp="1"/>
+          </p:cNvSpPr>
+          <p:nvPr>
+            <p:ph type="sldNum"/>
+          </p:nvPr>
+        </p:nvSpPr>
+        <p:spPr/>
+        <p:txBody>
+          <a:bodyPr/>
+          <a:lstStyle/>
+          <a:p>
+            <a:r>
+              <a:rPr lang="en-GB"/>
+              <a:t>|  </a:t>
+            </a:r>
+            <a:fld id="{92C156F3-6C7D-4C62-B24F-CEC351458306}" type="slidenum">
+              <a:rPr lang="en-GB" smtClean="0"/>
+              <a:t>7</a:t>
+            </a:fld>
+            <a:endParaRPr lang="en-GB"/>
+          </a:p>
+        </p:txBody>
+      </p:sp>
+    </p:spTree>
+    <p:extLst>
+      <p:ext uri="{BB962C8B-B14F-4D97-AF65-F5344CB8AC3E}">
+        <p14:creationId xmlns:p14="http://schemas.microsoft.com/office/powerpoint/2010/main" val="3579872104"/>
+      </p:ext>
+    </p:extLst>
   </p:cSld>
   <p:clrMapOvr>
     <a:masterClrMapping/>
@@ -2331,7 +3010,7 @@
               <a:buNone/>
             </a:pPr>
             <a:r>
-              <a:rPr lang="en-US" sz="800" dirty="0" smtClean="0">
+              <a:rPr lang="en-US" sz="800" dirty="0">
                 <a:solidFill>
                   <a:schemeClr val="folHlink"/>
                 </a:solidFill>
@@ -2405,7 +3084,7 @@
           <a:p>
             <a:pPr lvl="0"/>
             <a:r>
-              <a:rPr lang="de-DE" noProof="0" dirty="0" smtClean="0"/>
+              <a:rPr lang="de-DE" noProof="0" dirty="0"/>
               <a:t>Mastertitelformat bearbeiten</a:t>
             </a:r>
           </a:p>
@@ -2444,7 +3123,7 @@
           <a:p>
             <a:pPr lvl="0"/>
             <a:r>
-              <a:rPr lang="de-DE" noProof="0" dirty="0" smtClean="0"/>
+              <a:rPr lang="de-DE" noProof="0" dirty="0"/>
               <a:t>Master-Untertitelformat bearbeiten</a:t>
             </a:r>
           </a:p>
@@ -2498,7 +3177,7 @@
           <a:p>
             <a:pPr algn="r"/>
             <a:r>
-              <a:rPr lang="en-US" sz="1400" b="1" smtClean="0">
+              <a:rPr lang="en-US" sz="1400" b="1">
                 <a:solidFill>
                   <a:schemeClr val="tx1"/>
                 </a:solidFill>
@@ -2525,7 +3204,7 @@
               <a:buNone/>
             </a:pPr>
             <a:r>
-              <a:rPr lang="en-US" sz="1400" b="1" smtClean="0">
+              <a:rPr lang="en-US" sz="1400" b="1">
                 <a:solidFill>
                   <a:schemeClr val="tx1"/>
                 </a:solidFill>
@@ -2533,7 +3212,7 @@
               <a:t>Prof. Dr.</a:t>
             </a:r>
             <a:r>
-              <a:rPr lang="en-US" sz="1400" b="1" baseline="0" smtClean="0">
+              <a:rPr lang="en-US" sz="1400" b="1" baseline="0">
                 <a:solidFill>
                   <a:schemeClr val="tx1"/>
                 </a:solidFill>
@@ -2541,13 +3220,13 @@
               <a:t> Andy Schürr</a:t>
             </a:r>
             <a:br>
-              <a:rPr lang="en-US" sz="1400" b="1" baseline="0" smtClean="0">
+              <a:rPr lang="en-US" sz="1400" b="1" baseline="0">
                 <a:solidFill>
                   <a:schemeClr val="tx1"/>
                 </a:solidFill>
               </a:rPr>
             </a:br>
-            <a:endParaRPr lang="en-US" sz="1400" b="1" smtClean="0">
+            <a:endParaRPr lang="en-US" sz="1400" b="1">
               <a:solidFill>
                 <a:schemeClr val="tx1"/>
               </a:solidFill>
@@ -2556,7 +3235,7 @@
           <a:p>
             <a:pPr algn="r"/>
             <a:r>
-              <a:rPr lang="en-US" sz="1400" smtClean="0">
+              <a:rPr lang="en-US" sz="1400">
                 <a:solidFill>
                   <a:schemeClr val="tx1"/>
                 </a:solidFill>
@@ -2567,7 +3246,7 @@
           <a:p>
             <a:pPr algn="r"/>
             <a:r>
-              <a:rPr lang="en-US" sz="1400" smtClean="0">
+              <a:rPr lang="en-US" sz="1400">
                 <a:solidFill>
                   <a:schemeClr val="tx1"/>
                 </a:solidFill>
@@ -2575,7 +3254,7 @@
               <a:t>64283</a:t>
             </a:r>
             <a:r>
-              <a:rPr lang="en-US" sz="1400" baseline="0" smtClean="0">
+              <a:rPr lang="en-US" sz="1400" baseline="0">
                 <a:solidFill>
                   <a:schemeClr val="tx1"/>
                 </a:solidFill>
@@ -2586,7 +3265,7 @@
           <a:p>
             <a:pPr algn="r"/>
             <a:r>
-              <a:rPr lang="en-US" sz="1400" baseline="0" smtClean="0">
+              <a:rPr lang="en-US" sz="1400" baseline="0">
                 <a:solidFill>
                   <a:schemeClr val="tx1"/>
                 </a:solidFill>
@@ -2640,31 +3319,31 @@
           <a:p>
             <a:pPr lvl="0"/>
             <a:r>
-              <a:rPr lang="de-DE" dirty="0" smtClean="0"/>
+              <a:rPr lang="de-DE" dirty="0"/>
               <a:t>[TODO: Name, </a:t>
             </a:r>
             <a:r>
-              <a:rPr lang="de-DE" dirty="0" err="1" smtClean="0"/>
+              <a:rPr lang="de-DE" dirty="0" err="1"/>
               <a:t>Contact</a:t>
             </a:r>
             <a:r>
-              <a:rPr lang="de-DE" dirty="0" smtClean="0"/>
+              <a:rPr lang="de-DE" dirty="0"/>
               <a:t> </a:t>
             </a:r>
             <a:r>
-              <a:rPr lang="de-DE" dirty="0" err="1" smtClean="0"/>
+              <a:rPr lang="de-DE" dirty="0" err="1"/>
               <a:t>information</a:t>
             </a:r>
             <a:r>
-              <a:rPr lang="de-DE" dirty="0" smtClean="0"/>
+              <a:rPr lang="de-DE" dirty="0"/>
               <a:t> &amp; </a:t>
             </a:r>
             <a:r>
-              <a:rPr lang="de-DE" dirty="0" err="1" smtClean="0"/>
+              <a:rPr lang="de-DE" dirty="0" err="1"/>
               <a:t>Coauthors</a:t>
             </a:r>
             <a:r>
-              <a:rPr lang="de-DE" dirty="0" smtClean="0"/>
+              <a:rPr lang="de-DE" dirty="0"/>
               <a:t>]</a:t>
             </a:r>
           </a:p>
@@ -2735,7 +3414,7 @@
                 <a:buFont typeface="Arial" charset="0"/>
                 <a:buNone/>
               </a:pPr>
-              <a:endParaRPr kumimoji="0" lang="en-US" sz="1800" b="0" i="0" u="none" strike="noStrike" cap="none" normalizeH="0" baseline="0" smtClean="0">
+              <a:endParaRPr kumimoji="0" lang="en-US" sz="1800" b="0" i="0" u="none" strike="noStrike" cap="none" normalizeH="0" baseline="0">
                 <a:ln>
                   <a:noFill/>
                 </a:ln>
@@ -2864,10 +3543,9 @@
           </a:lstStyle>
           <a:p>
             <a:r>
-              <a:rPr lang="de-DE" dirty="0" smtClean="0"/>
+              <a:rPr lang="de-DE" dirty="0"/>
               <a:t>Titelmasterformat durch Klicken bearbeiten</a:t>
             </a:r>
-            <a:endParaRPr lang="de-DE" dirty="0"/>
           </a:p>
         </p:txBody>
       </p:sp>
@@ -2921,38 +3599,37 @@
           <a:p>
             <a:pPr lvl="0"/>
             <a:r>
-              <a:rPr lang="de-DE" dirty="0" smtClean="0"/>
+              <a:rPr lang="de-DE" dirty="0"/>
               <a:t>Textmasterformat bearbeiten</a:t>
             </a:r>
           </a:p>
           <a:p>
             <a:pPr lvl="1"/>
             <a:r>
-              <a:rPr lang="de-DE" dirty="0" smtClean="0"/>
+              <a:rPr lang="de-DE" dirty="0"/>
               <a:t>Zweite Ebene</a:t>
             </a:r>
           </a:p>
           <a:p>
             <a:pPr lvl="2"/>
             <a:r>
-              <a:rPr lang="de-DE" dirty="0" smtClean="0"/>
+              <a:rPr lang="de-DE" dirty="0"/>
               <a:t>Dritte Ebene</a:t>
             </a:r>
           </a:p>
           <a:p>
             <a:pPr lvl="3"/>
             <a:r>
-              <a:rPr lang="de-DE" dirty="0" smtClean="0"/>
+              <a:rPr lang="de-DE" dirty="0"/>
               <a:t>Vierte Ebene</a:t>
             </a:r>
           </a:p>
           <a:p>
             <a:pPr lvl="4"/>
             <a:r>
-              <a:rPr lang="de-DE" dirty="0" smtClean="0"/>
+              <a:rPr lang="de-DE" dirty="0"/>
               <a:t>Fünfte Ebene</a:t>
             </a:r>
-            <a:endParaRPr lang="de-DE" dirty="0"/>
           </a:p>
         </p:txBody>
       </p:sp>
@@ -3015,7 +3692,7 @@
           <a:p>
             <a:pPr lvl="0"/>
             <a:r>
-              <a:rPr lang="de-DE" dirty="0" smtClean="0"/>
+              <a:rPr lang="de-DE" dirty="0"/>
               <a:t>Textmasterformat bearbeiten</a:t>
             </a:r>
           </a:p>
@@ -3071,10 +3748,9 @@
           </a:lstStyle>
           <a:p>
             <a:r>
-              <a:rPr lang="de-DE" dirty="0" smtClean="0"/>
+              <a:rPr lang="de-DE" dirty="0"/>
               <a:t>Titelmasterformat durch Klicken bearbeiten</a:t>
             </a:r>
-            <a:endParaRPr lang="de-DE" dirty="0"/>
           </a:p>
         </p:txBody>
       </p:sp>
@@ -3136,7 +3812,7 @@
           </a:lstStyle>
           <a:p>
             <a:pPr lvl="0"/>
-            <a:endParaRPr lang="de-DE" noProof="0" dirty="0" smtClean="0"/>
+            <a:endParaRPr lang="de-DE" noProof="0" dirty="0"/>
           </a:p>
         </p:txBody>
       </p:sp>
@@ -3199,7 +3875,7 @@
           <a:p>
             <a:pPr lvl="0"/>
             <a:r>
-              <a:rPr lang="de-DE" smtClean="0"/>
+              <a:rPr lang="de-DE"/>
               <a:t>Textmasterformat bearbeiten</a:t>
             </a:r>
           </a:p>
@@ -3246,10 +3922,9 @@
           <a:lstStyle/>
           <a:p>
             <a:r>
-              <a:rPr lang="de-DE" smtClean="0"/>
+              <a:rPr lang="de-DE"/>
               <a:t>Titelmasterformat durch Klicken bearbeiten</a:t>
             </a:r>
-            <a:endParaRPr lang="de-DE"/>
           </a:p>
         </p:txBody>
       </p:sp>
@@ -3270,38 +3945,37 @@
           <a:p>
             <a:pPr lvl="0"/>
             <a:r>
-              <a:rPr lang="de-DE" smtClean="0"/>
+              <a:rPr lang="de-DE"/>
               <a:t>Textmasterformat bearbeiten</a:t>
             </a:r>
           </a:p>
           <a:p>
             <a:pPr lvl="1"/>
             <a:r>
-              <a:rPr lang="de-DE" smtClean="0"/>
+              <a:rPr lang="de-DE"/>
               <a:t>Zweite Ebene</a:t>
             </a:r>
           </a:p>
           <a:p>
             <a:pPr lvl="2"/>
             <a:r>
-              <a:rPr lang="de-DE" smtClean="0"/>
+              <a:rPr lang="de-DE"/>
               <a:t>Dritte Ebene</a:t>
             </a:r>
           </a:p>
           <a:p>
             <a:pPr lvl="3"/>
             <a:r>
-              <a:rPr lang="de-DE" smtClean="0"/>
+              <a:rPr lang="de-DE"/>
               <a:t>Vierte Ebene</a:t>
             </a:r>
           </a:p>
           <a:p>
             <a:pPr lvl="4"/>
             <a:r>
-              <a:rPr lang="de-DE" smtClean="0"/>
+              <a:rPr lang="de-DE"/>
               <a:t>Fünfte Ebene</a:t>
             </a:r>
-            <a:endParaRPr lang="de-DE"/>
           </a:p>
         </p:txBody>
       </p:sp>
@@ -3351,10 +4025,9 @@
           <a:lstStyle/>
           <a:p>
             <a:r>
-              <a:rPr lang="de-DE" smtClean="0"/>
+              <a:rPr lang="de-DE"/>
               <a:t>Titelmasterformat durch Klicken bearbeiten</a:t>
             </a:r>
-            <a:endParaRPr lang="de-DE"/>
           </a:p>
         </p:txBody>
       </p:sp>
@@ -3380,38 +4053,37 @@
           <a:p>
             <a:pPr lvl="0"/>
             <a:r>
-              <a:rPr lang="de-DE" dirty="0" smtClean="0"/>
+              <a:rPr lang="de-DE" dirty="0"/>
               <a:t>Textmasterformat bearbeiten</a:t>
             </a:r>
           </a:p>
           <a:p>
             <a:pPr lvl="1"/>
             <a:r>
-              <a:rPr lang="de-DE" dirty="0" smtClean="0"/>
+              <a:rPr lang="de-DE" dirty="0"/>
               <a:t>Zweite Ebene</a:t>
             </a:r>
           </a:p>
           <a:p>
             <a:pPr lvl="2"/>
             <a:r>
-              <a:rPr lang="de-DE" dirty="0" smtClean="0"/>
+              <a:rPr lang="de-DE" dirty="0"/>
               <a:t>Dritte Ebene</a:t>
             </a:r>
           </a:p>
           <a:p>
             <a:pPr lvl="3"/>
             <a:r>
-              <a:rPr lang="de-DE" dirty="0" smtClean="0"/>
+              <a:rPr lang="de-DE" dirty="0"/>
               <a:t>Vierte Ebene</a:t>
             </a:r>
           </a:p>
           <a:p>
             <a:pPr lvl="4"/>
             <a:r>
-              <a:rPr lang="de-DE" dirty="0" smtClean="0"/>
+              <a:rPr lang="de-DE" dirty="0"/>
               <a:t>Fünfte Ebene</a:t>
             </a:r>
-            <a:endParaRPr lang="de-DE" dirty="0"/>
           </a:p>
         </p:txBody>
       </p:sp>
@@ -3461,10 +4133,9 @@
           <a:lstStyle/>
           <a:p>
             <a:r>
-              <a:rPr lang="de-DE" dirty="0" smtClean="0"/>
+              <a:rPr lang="de-DE" dirty="0"/>
               <a:t>Titelmasterformat durch Klicken bearbeiten</a:t>
             </a:r>
-            <a:endParaRPr lang="de-DE" dirty="0"/>
           </a:p>
         </p:txBody>
       </p:sp>
@@ -3490,38 +4161,37 @@
           <a:p>
             <a:pPr lvl="0"/>
             <a:r>
-              <a:rPr lang="de-DE" dirty="0" smtClean="0"/>
+              <a:rPr lang="de-DE" dirty="0"/>
               <a:t>Textmasterformat bearbeiten</a:t>
             </a:r>
           </a:p>
           <a:p>
             <a:pPr lvl="1"/>
             <a:r>
-              <a:rPr lang="de-DE" dirty="0" smtClean="0"/>
+              <a:rPr lang="de-DE" dirty="0"/>
               <a:t>Zweite Ebene</a:t>
             </a:r>
           </a:p>
           <a:p>
             <a:pPr lvl="2"/>
             <a:r>
-              <a:rPr lang="de-DE" dirty="0" smtClean="0"/>
+              <a:rPr lang="de-DE" dirty="0"/>
               <a:t>Dritte Ebene</a:t>
             </a:r>
           </a:p>
           <a:p>
             <a:pPr lvl="3"/>
             <a:r>
-              <a:rPr lang="de-DE" dirty="0" smtClean="0"/>
+              <a:rPr lang="de-DE" dirty="0"/>
               <a:t>Vierte Ebene</a:t>
             </a:r>
           </a:p>
           <a:p>
             <a:pPr lvl="4"/>
             <a:r>
-              <a:rPr lang="de-DE" dirty="0" smtClean="0"/>
+              <a:rPr lang="de-DE" dirty="0"/>
               <a:t>Fünfte Ebene</a:t>
             </a:r>
-            <a:endParaRPr lang="de-DE" dirty="0"/>
           </a:p>
         </p:txBody>
       </p:sp>
@@ -3547,38 +4217,37 @@
           <a:p>
             <a:pPr lvl="0"/>
             <a:r>
-              <a:rPr lang="de-DE" smtClean="0"/>
+              <a:rPr lang="de-DE"/>
               <a:t>Textmasterformat bearbeiten</a:t>
             </a:r>
           </a:p>
           <a:p>
             <a:pPr lvl="1"/>
             <a:r>
-              <a:rPr lang="de-DE" smtClean="0"/>
+              <a:rPr lang="de-DE"/>
               <a:t>Zweite Ebene</a:t>
             </a:r>
           </a:p>
           <a:p>
             <a:pPr lvl="2"/>
             <a:r>
-              <a:rPr lang="de-DE" smtClean="0"/>
+              <a:rPr lang="de-DE"/>
               <a:t>Dritte Ebene</a:t>
             </a:r>
           </a:p>
           <a:p>
             <a:pPr lvl="3"/>
             <a:r>
-              <a:rPr lang="de-DE" smtClean="0"/>
+              <a:rPr lang="de-DE"/>
               <a:t>Vierte Ebene</a:t>
             </a:r>
           </a:p>
           <a:p>
             <a:pPr lvl="4"/>
             <a:r>
-              <a:rPr lang="de-DE" smtClean="0"/>
+              <a:rPr lang="de-DE"/>
               <a:t>Fünfte Ebene</a:t>
             </a:r>
-            <a:endParaRPr lang="de-DE"/>
           </a:p>
         </p:txBody>
       </p:sp>
@@ -3628,10 +4297,9 @@
           <a:lstStyle/>
           <a:p>
             <a:r>
-              <a:rPr lang="de-DE" smtClean="0"/>
+              <a:rPr lang="de-DE"/>
               <a:t>Titelmasterformat durch Klicken bearbeiten</a:t>
             </a:r>
-            <a:endParaRPr lang="de-DE"/>
           </a:p>
         </p:txBody>
       </p:sp>
@@ -3657,38 +4325,37 @@
           <a:p>
             <a:pPr lvl="0"/>
             <a:r>
-              <a:rPr lang="de-DE" dirty="0" smtClean="0"/>
+              <a:rPr lang="de-DE" dirty="0"/>
               <a:t>Textmasterformat bearbeiten</a:t>
             </a:r>
           </a:p>
           <a:p>
             <a:pPr lvl="1"/>
             <a:r>
-              <a:rPr lang="de-DE" dirty="0" smtClean="0"/>
+              <a:rPr lang="de-DE" dirty="0"/>
               <a:t>Zweite Ebene</a:t>
             </a:r>
           </a:p>
           <a:p>
             <a:pPr lvl="2"/>
             <a:r>
-              <a:rPr lang="de-DE" dirty="0" smtClean="0"/>
+              <a:rPr lang="de-DE" dirty="0"/>
               <a:t>Dritte Ebene</a:t>
             </a:r>
           </a:p>
           <a:p>
             <a:pPr lvl="3"/>
             <a:r>
-              <a:rPr lang="de-DE" dirty="0" smtClean="0"/>
+              <a:rPr lang="de-DE" dirty="0"/>
               <a:t>Vierte Ebene</a:t>
             </a:r>
           </a:p>
           <a:p>
             <a:pPr lvl="4"/>
             <a:r>
-              <a:rPr lang="de-DE" dirty="0" smtClean="0"/>
+              <a:rPr lang="de-DE" dirty="0"/>
               <a:t>Fünfte Ebene</a:t>
             </a:r>
-            <a:endParaRPr lang="de-DE" dirty="0"/>
           </a:p>
         </p:txBody>
       </p:sp>
@@ -3714,38 +4381,37 @@
           <a:p>
             <a:pPr lvl="0"/>
             <a:r>
-              <a:rPr lang="de-DE" dirty="0" smtClean="0"/>
+              <a:rPr lang="de-DE" dirty="0"/>
               <a:t>Textmasterformat bearbeiten</a:t>
             </a:r>
           </a:p>
           <a:p>
             <a:pPr lvl="1"/>
             <a:r>
-              <a:rPr lang="de-DE" dirty="0" smtClean="0"/>
+              <a:rPr lang="de-DE" dirty="0"/>
               <a:t>Zweite Ebene</a:t>
             </a:r>
           </a:p>
           <a:p>
             <a:pPr lvl="2"/>
             <a:r>
-              <a:rPr lang="de-DE" dirty="0" smtClean="0"/>
+              <a:rPr lang="de-DE" dirty="0"/>
               <a:t>Dritte Ebene</a:t>
             </a:r>
           </a:p>
           <a:p>
             <a:pPr lvl="3"/>
             <a:r>
-              <a:rPr lang="de-DE" dirty="0" smtClean="0"/>
+              <a:rPr lang="de-DE" dirty="0"/>
               <a:t>Vierte Ebene</a:t>
             </a:r>
           </a:p>
           <a:p>
             <a:pPr lvl="4"/>
             <a:r>
-              <a:rPr lang="de-DE" dirty="0" smtClean="0"/>
+              <a:rPr lang="de-DE" dirty="0"/>
               <a:t>Fünfte Ebene</a:t>
             </a:r>
-            <a:endParaRPr lang="de-DE" dirty="0"/>
           </a:p>
         </p:txBody>
       </p:sp>
@@ -3771,38 +4437,37 @@
           <a:p>
             <a:pPr lvl="0"/>
             <a:r>
-              <a:rPr lang="de-DE" dirty="0" smtClean="0"/>
+              <a:rPr lang="de-DE" dirty="0"/>
               <a:t>Textmasterformat bearbeiten</a:t>
             </a:r>
           </a:p>
           <a:p>
             <a:pPr lvl="1"/>
             <a:r>
-              <a:rPr lang="de-DE" dirty="0" smtClean="0"/>
+              <a:rPr lang="de-DE" dirty="0"/>
               <a:t>Zweite Ebene</a:t>
             </a:r>
           </a:p>
           <a:p>
             <a:pPr lvl="2"/>
             <a:r>
-              <a:rPr lang="de-DE" dirty="0" smtClean="0"/>
+              <a:rPr lang="de-DE" dirty="0"/>
               <a:t>Dritte Ebene</a:t>
             </a:r>
           </a:p>
           <a:p>
             <a:pPr lvl="3"/>
             <a:r>
-              <a:rPr lang="de-DE" dirty="0" smtClean="0"/>
+              <a:rPr lang="de-DE" dirty="0"/>
               <a:t>Vierte Ebene</a:t>
             </a:r>
           </a:p>
           <a:p>
             <a:pPr lvl="4"/>
             <a:r>
-              <a:rPr lang="de-DE" dirty="0" smtClean="0"/>
+              <a:rPr lang="de-DE" dirty="0"/>
               <a:t>Fünfte Ebene</a:t>
             </a:r>
-            <a:endParaRPr lang="de-DE" dirty="0"/>
           </a:p>
         </p:txBody>
       </p:sp>
@@ -3847,7 +4512,7 @@
           <a:lstStyle/>
           <a:p>
             <a:r>
-              <a:rPr lang="de-DE" dirty="0" smtClean="0"/>
+              <a:rPr lang="de-DE" dirty="0"/>
               <a:t>Titelmasterformat durch Klicken bearbeiten</a:t>
             </a:r>
             <a:endParaRPr lang="en-US" dirty="0"/>
@@ -3891,35 +4556,35 @@
           <a:p>
             <a:pPr lvl="0"/>
             <a:r>
-              <a:rPr lang="de-DE" dirty="0" smtClean="0"/>
+              <a:rPr lang="de-DE" dirty="0"/>
               <a:t>Textmasterformat bearbeiten</a:t>
             </a:r>
           </a:p>
           <a:p>
             <a:pPr lvl="1"/>
             <a:r>
-              <a:rPr lang="de-DE" dirty="0" smtClean="0"/>
+              <a:rPr lang="de-DE" dirty="0"/>
               <a:t>Zweite Ebene</a:t>
             </a:r>
           </a:p>
           <a:p>
             <a:pPr lvl="2"/>
             <a:r>
-              <a:rPr lang="de-DE" dirty="0" smtClean="0"/>
+              <a:rPr lang="de-DE" dirty="0"/>
               <a:t>Dritte Ebene</a:t>
             </a:r>
           </a:p>
           <a:p>
             <a:pPr lvl="3"/>
             <a:r>
-              <a:rPr lang="de-DE" dirty="0" smtClean="0"/>
+              <a:rPr lang="de-DE" dirty="0"/>
               <a:t>Vierte Ebene</a:t>
             </a:r>
           </a:p>
           <a:p>
             <a:pPr lvl="4"/>
             <a:r>
-              <a:rPr lang="de-DE" dirty="0" smtClean="0"/>
+              <a:rPr lang="de-DE" dirty="0"/>
               <a:t>Fünfte Ebene</a:t>
             </a:r>
             <a:endParaRPr lang="en-US" dirty="0"/>
@@ -3948,38 +4613,37 @@
           <a:p>
             <a:pPr lvl="0"/>
             <a:r>
-              <a:rPr lang="de-DE" dirty="0" smtClean="0"/>
+              <a:rPr lang="de-DE" dirty="0"/>
               <a:t>Textmasterformat bearbeiten</a:t>
             </a:r>
           </a:p>
           <a:p>
             <a:pPr lvl="1"/>
             <a:r>
-              <a:rPr lang="de-DE" dirty="0" smtClean="0"/>
+              <a:rPr lang="de-DE" dirty="0"/>
               <a:t>Zweite Ebene</a:t>
             </a:r>
           </a:p>
           <a:p>
             <a:pPr lvl="2"/>
             <a:r>
-              <a:rPr lang="de-DE" dirty="0" smtClean="0"/>
+              <a:rPr lang="de-DE" dirty="0"/>
               <a:t>Dritte Ebene</a:t>
             </a:r>
           </a:p>
           <a:p>
             <a:pPr lvl="3"/>
             <a:r>
-              <a:rPr lang="de-DE" dirty="0" smtClean="0"/>
+              <a:rPr lang="de-DE" dirty="0"/>
               <a:t>Vierte Ebene</a:t>
             </a:r>
           </a:p>
           <a:p>
             <a:pPr lvl="4"/>
             <a:r>
-              <a:rPr lang="de-DE" dirty="0" smtClean="0"/>
+              <a:rPr lang="de-DE" dirty="0"/>
               <a:t>Fünfte Ebene</a:t>
             </a:r>
-            <a:endParaRPr lang="de-DE" dirty="0"/>
           </a:p>
         </p:txBody>
       </p:sp>
@@ -4005,38 +4669,37 @@
           <a:p>
             <a:pPr lvl="0"/>
             <a:r>
-              <a:rPr lang="de-DE" smtClean="0"/>
+              <a:rPr lang="de-DE"/>
               <a:t>Textmasterformat bearbeiten</a:t>
             </a:r>
           </a:p>
           <a:p>
             <a:pPr lvl="1"/>
             <a:r>
-              <a:rPr lang="de-DE" smtClean="0"/>
+              <a:rPr lang="de-DE"/>
               <a:t>Zweite Ebene</a:t>
             </a:r>
           </a:p>
           <a:p>
             <a:pPr lvl="2"/>
             <a:r>
-              <a:rPr lang="de-DE" smtClean="0"/>
+              <a:rPr lang="de-DE"/>
               <a:t>Dritte Ebene</a:t>
             </a:r>
           </a:p>
           <a:p>
             <a:pPr lvl="3"/>
             <a:r>
-              <a:rPr lang="de-DE" smtClean="0"/>
+              <a:rPr lang="de-DE"/>
               <a:t>Vierte Ebene</a:t>
             </a:r>
           </a:p>
           <a:p>
             <a:pPr lvl="4"/>
             <a:r>
-              <a:rPr lang="de-DE" smtClean="0"/>
+              <a:rPr lang="de-DE"/>
               <a:t>Fünfte Ebene</a:t>
             </a:r>
-            <a:endParaRPr lang="de-DE"/>
           </a:p>
         </p:txBody>
       </p:sp>
@@ -4086,7 +4749,7 @@
           <a:lstStyle/>
           <a:p>
             <a:r>
-              <a:rPr lang="en-US" dirty="0" smtClean="0"/>
+              <a:rPr lang="en-US" dirty="0"/>
               <a:t>Click to edit Master title style</a:t>
             </a:r>
             <a:endParaRPr lang="de-CH" dirty="0"/>
@@ -4115,35 +4778,35 @@
           <a:p>
             <a:pPr lvl="0"/>
             <a:r>
-              <a:rPr lang="en-US" dirty="0" smtClean="0"/>
+              <a:rPr lang="en-US" dirty="0"/>
               <a:t>Click to edit Master text styles</a:t>
             </a:r>
           </a:p>
           <a:p>
             <a:pPr lvl="1"/>
             <a:r>
-              <a:rPr lang="en-US" dirty="0" smtClean="0"/>
+              <a:rPr lang="en-US" dirty="0"/>
               <a:t>Second level</a:t>
             </a:r>
           </a:p>
           <a:p>
             <a:pPr lvl="2"/>
             <a:r>
-              <a:rPr lang="en-US" dirty="0" smtClean="0"/>
+              <a:rPr lang="en-US" dirty="0"/>
               <a:t>Third level</a:t>
             </a:r>
           </a:p>
           <a:p>
             <a:pPr lvl="3"/>
             <a:r>
-              <a:rPr lang="en-US" dirty="0" smtClean="0"/>
+              <a:rPr lang="en-US" dirty="0"/>
               <a:t>Fourth level</a:t>
             </a:r>
           </a:p>
           <a:p>
             <a:pPr lvl="4"/>
             <a:r>
-              <a:rPr lang="en-US" dirty="0" smtClean="0"/>
+              <a:rPr lang="en-US" dirty="0"/>
               <a:t>Fifth level</a:t>
             </a:r>
             <a:endParaRPr lang="de-CH" dirty="0"/>
@@ -4172,35 +4835,35 @@
           <a:p>
             <a:pPr lvl="0"/>
             <a:r>
-              <a:rPr lang="en-US" smtClean="0"/>
+              <a:rPr lang="en-US"/>
               <a:t>Click to edit Master text styles</a:t>
             </a:r>
           </a:p>
           <a:p>
             <a:pPr lvl="1"/>
             <a:r>
-              <a:rPr lang="en-US" smtClean="0"/>
+              <a:rPr lang="en-US"/>
               <a:t>Second level</a:t>
             </a:r>
           </a:p>
           <a:p>
             <a:pPr lvl="2"/>
             <a:r>
-              <a:rPr lang="en-US" smtClean="0"/>
+              <a:rPr lang="en-US"/>
               <a:t>Third level</a:t>
             </a:r>
           </a:p>
           <a:p>
             <a:pPr lvl="3"/>
             <a:r>
-              <a:rPr lang="en-US" smtClean="0"/>
+              <a:rPr lang="en-US"/>
               <a:t>Fourth level</a:t>
             </a:r>
           </a:p>
           <a:p>
             <a:pPr lvl="4"/>
             <a:r>
-              <a:rPr lang="en-US" smtClean="0"/>
+              <a:rPr lang="en-US"/>
               <a:t>Fifth level</a:t>
             </a:r>
             <a:endParaRPr lang="de-CH"/>
@@ -4248,10 +4911,9 @@
           <a:lstStyle/>
           <a:p>
             <a:r>
-              <a:rPr lang="de-DE" smtClean="0"/>
+              <a:rPr lang="de-DE"/>
               <a:t>Titelmasterformat durch Klicken bearbeiten</a:t>
             </a:r>
-            <a:endParaRPr lang="de-DE"/>
           </a:p>
         </p:txBody>
       </p:sp>
@@ -4272,38 +4934,37 @@
           <a:p>
             <a:pPr lvl="0"/>
             <a:r>
-              <a:rPr lang="de-DE" smtClean="0"/>
+              <a:rPr lang="de-DE"/>
               <a:t>Textmasterformat bearbeiten</a:t>
             </a:r>
           </a:p>
           <a:p>
             <a:pPr lvl="1"/>
             <a:r>
-              <a:rPr lang="de-DE" smtClean="0"/>
+              <a:rPr lang="de-DE"/>
               <a:t>Zweite Ebene</a:t>
             </a:r>
           </a:p>
           <a:p>
             <a:pPr lvl="2"/>
             <a:r>
-              <a:rPr lang="de-DE" smtClean="0"/>
+              <a:rPr lang="de-DE"/>
               <a:t>Dritte Ebene</a:t>
             </a:r>
           </a:p>
           <a:p>
             <a:pPr lvl="3"/>
             <a:r>
-              <a:rPr lang="de-DE" smtClean="0"/>
+              <a:rPr lang="de-DE"/>
               <a:t>Vierte Ebene</a:t>
             </a:r>
           </a:p>
           <a:p>
             <a:pPr lvl="4"/>
             <a:r>
-              <a:rPr lang="de-DE" smtClean="0"/>
+              <a:rPr lang="de-DE"/>
               <a:t>Fünfte Ebene</a:t>
             </a:r>
-            <a:endParaRPr lang="de-DE"/>
           </a:p>
         </p:txBody>
       </p:sp>
@@ -4348,10 +5009,9 @@
           <a:lstStyle/>
           <a:p>
             <a:r>
-              <a:rPr lang="de-DE" dirty="0" smtClean="0"/>
+              <a:rPr lang="de-DE" dirty="0"/>
               <a:t>Titelmasterformat durch Klicken bearbeiten</a:t>
             </a:r>
-            <a:endParaRPr lang="de-DE" dirty="0"/>
           </a:p>
         </p:txBody>
       </p:sp>
@@ -4463,7 +5123,7 @@
               <a:buChar char="•"/>
             </a:pPr>
             <a:r>
-              <a:rPr kumimoji="0" lang="de-DE" sz="2000" b="0" i="0" u="none" strike="noStrike" kern="0" cap="none" spc="0" normalizeH="0" baseline="0" noProof="0" dirty="0" smtClean="0">
+              <a:rPr kumimoji="0" lang="de-DE" sz="2000" b="0" i="0" u="none" strike="noStrike" kern="0" cap="none" spc="0" normalizeH="0" baseline="0" noProof="0" dirty="0">
                 <a:ln>
                   <a:noFill/>
                 </a:ln>
@@ -4497,7 +5157,7 @@
               <a:buChar char="§"/>
             </a:pPr>
             <a:r>
-              <a:rPr kumimoji="0" lang="de-DE" sz="1800" b="0" i="0" u="none" strike="noStrike" kern="0" cap="none" spc="0" normalizeH="0" baseline="0" noProof="0" dirty="0" smtClean="0">
+              <a:rPr kumimoji="0" lang="de-DE" sz="1800" b="0" i="0" u="none" strike="noStrike" kern="0" cap="none" spc="0" normalizeH="0" baseline="0" noProof="0" dirty="0">
                 <a:ln>
                   <a:noFill/>
                 </a:ln>
@@ -4529,7 +5189,7 @@
               <a:buChar char="o"/>
             </a:pPr>
             <a:r>
-              <a:rPr kumimoji="0" lang="de-DE" sz="1800" b="0" i="0" u="none" strike="noStrike" kern="0" cap="none" spc="0" normalizeH="0" baseline="0" noProof="0" dirty="0" smtClean="0">
+              <a:rPr kumimoji="0" lang="de-DE" sz="1800" b="0" i="0" u="none" strike="noStrike" kern="0" cap="none" spc="0" normalizeH="0" baseline="0" noProof="0" dirty="0">
                 <a:ln>
                   <a:noFill/>
                 </a:ln>
@@ -4561,7 +5221,7 @@
               <a:buChar char="-"/>
             </a:pPr>
             <a:r>
-              <a:rPr kumimoji="0" lang="de-DE" sz="1600" b="0" i="0" u="none" strike="noStrike" kern="0" cap="none" spc="0" normalizeH="0" baseline="0" noProof="0" dirty="0" smtClean="0">
+              <a:rPr kumimoji="0" lang="de-DE" sz="1600" b="0" i="0" u="none" strike="noStrike" kern="0" cap="none" spc="0" normalizeH="0" baseline="0" noProof="0" dirty="0">
                 <a:ln>
                   <a:noFill/>
                 </a:ln>
@@ -4593,7 +5253,7 @@
               <a:buChar char="-"/>
             </a:pPr>
             <a:r>
-              <a:rPr kumimoji="0" lang="de-DE" sz="1600" b="0" i="0" u="none" strike="noStrike" kern="0" cap="none" spc="0" normalizeH="0" baseline="0" noProof="0" dirty="0" smtClean="0">
+              <a:rPr kumimoji="0" lang="de-DE" sz="1600" b="0" i="0" u="none" strike="noStrike" kern="0" cap="none" spc="0" normalizeH="0" baseline="0" noProof="0" dirty="0">
                 <a:ln>
                   <a:noFill/>
                 </a:ln>
@@ -4651,7 +5311,7 @@
           <a:lstStyle/>
           <a:p>
             <a:r>
-              <a:rPr lang="de-DE" dirty="0" smtClean="0"/>
+              <a:rPr lang="de-DE" dirty="0"/>
               <a:t>Titelmasterformat durch Klicken bearbeiten</a:t>
             </a:r>
             <a:endParaRPr lang="en-US" dirty="0"/>
@@ -4695,35 +5355,35 @@
           <a:p>
             <a:pPr lvl="0"/>
             <a:r>
-              <a:rPr lang="de-DE" dirty="0" smtClean="0"/>
+              <a:rPr lang="de-DE" dirty="0"/>
               <a:t>Textmasterformat bearbeiten</a:t>
             </a:r>
           </a:p>
           <a:p>
             <a:pPr lvl="1"/>
             <a:r>
-              <a:rPr lang="de-DE" dirty="0" smtClean="0"/>
+              <a:rPr lang="de-DE" dirty="0"/>
               <a:t>Zweite Ebene</a:t>
             </a:r>
           </a:p>
           <a:p>
             <a:pPr lvl="2"/>
             <a:r>
-              <a:rPr lang="de-DE" dirty="0" smtClean="0"/>
+              <a:rPr lang="de-DE" dirty="0"/>
               <a:t>Dritte Ebene</a:t>
             </a:r>
           </a:p>
           <a:p>
             <a:pPr lvl="3"/>
             <a:r>
-              <a:rPr lang="de-DE" dirty="0" smtClean="0"/>
+              <a:rPr lang="de-DE" dirty="0"/>
               <a:t>Vierte Ebene</a:t>
             </a:r>
           </a:p>
           <a:p>
             <a:pPr lvl="4"/>
             <a:r>
-              <a:rPr lang="de-DE" dirty="0" smtClean="0"/>
+              <a:rPr lang="de-DE" dirty="0"/>
               <a:t>Fünfte Ebene</a:t>
             </a:r>
             <a:endParaRPr lang="en-US" dirty="0"/>
@@ -4752,38 +5412,37 @@
           <a:p>
             <a:pPr lvl="0"/>
             <a:r>
-              <a:rPr lang="de-DE" dirty="0" smtClean="0"/>
+              <a:rPr lang="de-DE" dirty="0"/>
               <a:t>Textmasterformat bearbeiten</a:t>
             </a:r>
           </a:p>
           <a:p>
             <a:pPr lvl="1"/>
             <a:r>
-              <a:rPr lang="de-DE" dirty="0" smtClean="0"/>
+              <a:rPr lang="de-DE" dirty="0"/>
               <a:t>Zweite Ebene</a:t>
             </a:r>
           </a:p>
           <a:p>
             <a:pPr lvl="2"/>
             <a:r>
-              <a:rPr lang="de-DE" dirty="0" smtClean="0"/>
+              <a:rPr lang="de-DE" dirty="0"/>
               <a:t>Dritte Ebene</a:t>
             </a:r>
           </a:p>
           <a:p>
             <a:pPr lvl="3"/>
             <a:r>
-              <a:rPr lang="de-DE" dirty="0" smtClean="0"/>
+              <a:rPr lang="de-DE" dirty="0"/>
               <a:t>Vierte Ebene</a:t>
             </a:r>
           </a:p>
           <a:p>
             <a:pPr lvl="4"/>
             <a:r>
-              <a:rPr lang="de-DE" dirty="0" smtClean="0"/>
+              <a:rPr lang="de-DE" dirty="0"/>
               <a:t>Fünfte Ebene</a:t>
             </a:r>
-            <a:endParaRPr lang="de-DE" dirty="0"/>
           </a:p>
         </p:txBody>
       </p:sp>
@@ -4809,38 +5468,37 @@
           <a:p>
             <a:pPr lvl="0"/>
             <a:r>
-              <a:rPr lang="de-DE" smtClean="0"/>
+              <a:rPr lang="de-DE"/>
               <a:t>Textmasterformat bearbeiten</a:t>
             </a:r>
           </a:p>
           <a:p>
             <a:pPr lvl="1"/>
             <a:r>
-              <a:rPr lang="de-DE" smtClean="0"/>
+              <a:rPr lang="de-DE"/>
               <a:t>Zweite Ebene</a:t>
             </a:r>
           </a:p>
           <a:p>
             <a:pPr lvl="2"/>
             <a:r>
-              <a:rPr lang="de-DE" smtClean="0"/>
+              <a:rPr lang="de-DE"/>
               <a:t>Dritte Ebene</a:t>
             </a:r>
           </a:p>
           <a:p>
             <a:pPr lvl="3"/>
             <a:r>
-              <a:rPr lang="de-DE" smtClean="0"/>
+              <a:rPr lang="de-DE"/>
               <a:t>Vierte Ebene</a:t>
             </a:r>
           </a:p>
           <a:p>
             <a:pPr lvl="4"/>
             <a:r>
-              <a:rPr lang="de-DE" smtClean="0"/>
+              <a:rPr lang="de-DE"/>
               <a:t>Fünfte Ebene</a:t>
             </a:r>
-            <a:endParaRPr lang="de-DE"/>
           </a:p>
         </p:txBody>
       </p:sp>
@@ -4894,7 +5552,7 @@
           </a:lstStyle>
           <a:p>
             <a:r>
-              <a:rPr lang="de-DE" smtClean="0"/>
+              <a:rPr lang="de-DE"/>
               <a:t>Titelmasterformat durch Klicken bearbeiten</a:t>
             </a:r>
             <a:endParaRPr lang="en-US"/>
@@ -4951,7 +5609,7 @@
           </a:lstStyle>
           <a:p>
             <a:r>
-              <a:rPr lang="de-DE" smtClean="0"/>
+              <a:rPr lang="de-DE"/>
               <a:t>Titelmasterformat durch Klicken bearbeiten</a:t>
             </a:r>
             <a:endParaRPr lang="en-US"/>
@@ -4984,7 +5642,7 @@
           <a:p>
             <a:pPr lvl="0"/>
             <a:r>
-              <a:rPr lang="de-DE" smtClean="0"/>
+              <a:rPr lang="de-DE"/>
               <a:t>Textmasterformat bearbeiten</a:t>
             </a:r>
             <a:endParaRPr lang="en-US"/>
@@ -5032,7 +5690,7 @@
           <a:lstStyle/>
           <a:p>
             <a:r>
-              <a:rPr lang="de-DE" smtClean="0"/>
+              <a:rPr lang="de-DE"/>
               <a:t>References</a:t>
             </a:r>
             <a:endParaRPr lang="en-US"/>
@@ -5063,10 +5721,9 @@
           <a:lstStyle/>
           <a:p>
             <a:r>
-              <a:rPr lang="en-US" smtClean="0"/>
+              <a:rPr lang="en-US"/>
               <a:t>[TODO: Date]</a:t>
             </a:r>
-            <a:endParaRPr lang="en-US"/>
           </a:p>
         </p:txBody>
       </p:sp>
@@ -5123,18 +5780,17 @@
               <a:buNone/>
             </a:pPr>
             <a:r>
-              <a:rPr lang="en-US" smtClean="0"/>
+              <a:rPr lang="en-US"/>
               <a:t>[EEPT06]</a:t>
             </a:r>
             <a:r>
-              <a:rPr lang="de-DE" smtClean="0"/>
+              <a:rPr lang="de-DE"/>
               <a:t> Ehrig, H., Ehrig, K., Prange, U., Taentzer, G.: "</a:t>
             </a:r>
             <a:r>
-              <a:rPr lang="en-US" smtClean="0"/>
+              <a:rPr lang="en-US"/>
               <a:t>Fundamentals of Algebraic Graph Transformation," Springer Berlin-Heidelberg, 2006, DOI: 10.1007/3-540-31188-2</a:t>
             </a:r>
-            <a:endParaRPr lang="en-US"/>
           </a:p>
         </p:txBody>
       </p:sp>
@@ -5179,10 +5835,9 @@
           <a:lstStyle/>
           <a:p>
             <a:r>
-              <a:rPr lang="de-DE" dirty="0" smtClean="0"/>
+              <a:rPr lang="de-DE" dirty="0"/>
               <a:t>Titelmasterformat durch Klicken bearbeiten</a:t>
             </a:r>
-            <a:endParaRPr lang="de-DE" dirty="0"/>
           </a:p>
         </p:txBody>
       </p:sp>
@@ -5236,38 +5891,37 @@
           <a:p>
             <a:pPr lvl="0"/>
             <a:r>
-              <a:rPr lang="de-DE" dirty="0" smtClean="0"/>
+              <a:rPr lang="de-DE" dirty="0"/>
               <a:t>Textmasterformat bearbeiten</a:t>
             </a:r>
           </a:p>
           <a:p>
             <a:pPr lvl="1"/>
             <a:r>
-              <a:rPr lang="de-DE" dirty="0" smtClean="0"/>
+              <a:rPr lang="de-DE" dirty="0"/>
               <a:t>Zweite Ebene</a:t>
             </a:r>
           </a:p>
           <a:p>
             <a:pPr lvl="2"/>
             <a:r>
-              <a:rPr lang="de-DE" dirty="0" smtClean="0"/>
+              <a:rPr lang="de-DE" dirty="0"/>
               <a:t>Dritte Ebene</a:t>
             </a:r>
           </a:p>
           <a:p>
             <a:pPr lvl="3"/>
             <a:r>
-              <a:rPr lang="de-DE" dirty="0" smtClean="0"/>
+              <a:rPr lang="de-DE" dirty="0"/>
               <a:t>Vierte Ebene</a:t>
             </a:r>
           </a:p>
           <a:p>
             <a:pPr lvl="4"/>
             <a:r>
-              <a:rPr lang="de-DE" dirty="0" smtClean="0"/>
+              <a:rPr lang="de-DE" dirty="0"/>
               <a:t>Fünfte Ebene</a:t>
             </a:r>
-            <a:endParaRPr lang="de-DE" dirty="0"/>
           </a:p>
         </p:txBody>
       </p:sp>
@@ -5321,38 +5975,37 @@
           <a:p>
             <a:pPr lvl="0"/>
             <a:r>
-              <a:rPr lang="de-DE" dirty="0" smtClean="0"/>
+              <a:rPr lang="de-DE" dirty="0"/>
               <a:t>Textmasterformat bearbeiten</a:t>
             </a:r>
           </a:p>
           <a:p>
             <a:pPr lvl="1"/>
             <a:r>
-              <a:rPr lang="de-DE" dirty="0" smtClean="0"/>
+              <a:rPr lang="de-DE" dirty="0"/>
               <a:t>Zweite Ebene</a:t>
             </a:r>
           </a:p>
           <a:p>
             <a:pPr lvl="2"/>
             <a:r>
-              <a:rPr lang="de-DE" dirty="0" smtClean="0"/>
+              <a:rPr lang="de-DE" dirty="0"/>
               <a:t>Dritte Ebene</a:t>
             </a:r>
           </a:p>
           <a:p>
             <a:pPr lvl="3"/>
             <a:r>
-              <a:rPr lang="de-DE" dirty="0" smtClean="0"/>
+              <a:rPr lang="de-DE" dirty="0"/>
               <a:t>Vierte Ebene</a:t>
             </a:r>
           </a:p>
           <a:p>
             <a:pPr lvl="4"/>
             <a:r>
-              <a:rPr lang="de-DE" dirty="0" smtClean="0"/>
+              <a:rPr lang="de-DE" dirty="0"/>
               <a:t>Fünfte Ebene</a:t>
             </a:r>
-            <a:endParaRPr lang="de-DE" dirty="0"/>
           </a:p>
         </p:txBody>
       </p:sp>
@@ -5397,10 +6050,9 @@
           <a:lstStyle/>
           <a:p>
             <a:r>
-              <a:rPr lang="de-DE" smtClean="0"/>
+              <a:rPr lang="de-DE"/>
               <a:t>Titelmasterformat durch Klicken bearbeiten</a:t>
             </a:r>
-            <a:endParaRPr lang="de-DE"/>
           </a:p>
         </p:txBody>
       </p:sp>
@@ -5454,38 +6106,37 @@
           <a:p>
             <a:pPr lvl="0"/>
             <a:r>
-              <a:rPr lang="de-DE" dirty="0" smtClean="0"/>
+              <a:rPr lang="de-DE" dirty="0"/>
               <a:t>Textmasterformat bearbeiten</a:t>
             </a:r>
           </a:p>
           <a:p>
             <a:pPr lvl="1"/>
             <a:r>
-              <a:rPr lang="de-DE" dirty="0" smtClean="0"/>
+              <a:rPr lang="de-DE" dirty="0"/>
               <a:t>Zweite Ebene</a:t>
             </a:r>
           </a:p>
           <a:p>
             <a:pPr lvl="2"/>
             <a:r>
-              <a:rPr lang="de-DE" dirty="0" smtClean="0"/>
+              <a:rPr lang="de-DE" dirty="0"/>
               <a:t>Dritte Ebene</a:t>
             </a:r>
           </a:p>
           <a:p>
             <a:pPr lvl="3"/>
             <a:r>
-              <a:rPr lang="de-DE" dirty="0" smtClean="0"/>
+              <a:rPr lang="de-DE" dirty="0"/>
               <a:t>Vierte Ebene</a:t>
             </a:r>
           </a:p>
           <a:p>
             <a:pPr lvl="4"/>
             <a:r>
-              <a:rPr lang="de-DE" dirty="0" smtClean="0"/>
+              <a:rPr lang="de-DE" dirty="0"/>
               <a:t>Fünfte Ebene</a:t>
             </a:r>
-            <a:endParaRPr lang="de-DE" dirty="0"/>
           </a:p>
         </p:txBody>
       </p:sp>
@@ -5539,38 +6190,37 @@
           <a:p>
             <a:pPr lvl="0"/>
             <a:r>
-              <a:rPr lang="de-DE" dirty="0" smtClean="0"/>
+              <a:rPr lang="de-DE" dirty="0"/>
               <a:t>Textmasterformat bearbeiten</a:t>
             </a:r>
           </a:p>
           <a:p>
             <a:pPr lvl="1"/>
             <a:r>
-              <a:rPr lang="de-DE" dirty="0" smtClean="0"/>
+              <a:rPr lang="de-DE" dirty="0"/>
               <a:t>Zweite Ebene</a:t>
             </a:r>
           </a:p>
           <a:p>
             <a:pPr lvl="2"/>
             <a:r>
-              <a:rPr lang="de-DE" dirty="0" smtClean="0"/>
+              <a:rPr lang="de-DE" dirty="0"/>
               <a:t>Dritte Ebene</a:t>
             </a:r>
           </a:p>
           <a:p>
             <a:pPr lvl="3"/>
             <a:r>
-              <a:rPr lang="de-DE" dirty="0" smtClean="0"/>
+              <a:rPr lang="de-DE" dirty="0"/>
               <a:t>Vierte Ebene</a:t>
             </a:r>
           </a:p>
           <a:p>
             <a:pPr lvl="4"/>
             <a:r>
-              <a:rPr lang="de-DE" dirty="0" smtClean="0"/>
+              <a:rPr lang="de-DE" dirty="0"/>
               <a:t>Fünfte Ebene</a:t>
             </a:r>
-            <a:endParaRPr lang="de-DE" dirty="0"/>
           </a:p>
         </p:txBody>
       </p:sp>
@@ -5624,38 +6274,37 @@
           <a:p>
             <a:pPr lvl="0"/>
             <a:r>
-              <a:rPr lang="de-DE" dirty="0" smtClean="0"/>
+              <a:rPr lang="de-DE" dirty="0"/>
               <a:t>Textmasterformat bearbeiten</a:t>
             </a:r>
           </a:p>
           <a:p>
             <a:pPr lvl="1"/>
             <a:r>
-              <a:rPr lang="de-DE" dirty="0" smtClean="0"/>
+              <a:rPr lang="de-DE" dirty="0"/>
               <a:t>Zweite Ebene</a:t>
             </a:r>
           </a:p>
           <a:p>
             <a:pPr lvl="2"/>
             <a:r>
-              <a:rPr lang="de-DE" dirty="0" smtClean="0"/>
+              <a:rPr lang="de-DE" dirty="0"/>
               <a:t>Dritte Ebene</a:t>
             </a:r>
           </a:p>
           <a:p>
             <a:pPr lvl="3"/>
             <a:r>
-              <a:rPr lang="de-DE" dirty="0" smtClean="0"/>
+              <a:rPr lang="de-DE" dirty="0"/>
               <a:t>Vierte Ebene</a:t>
             </a:r>
           </a:p>
           <a:p>
             <a:pPr lvl="4"/>
             <a:r>
-              <a:rPr lang="de-DE" dirty="0" smtClean="0"/>
+              <a:rPr lang="de-DE" dirty="0"/>
               <a:t>Fünfte Ebene</a:t>
             </a:r>
-            <a:endParaRPr lang="de-DE" dirty="0"/>
           </a:p>
         </p:txBody>
       </p:sp>
@@ -5705,10 +6354,9 @@
           <a:lstStyle/>
           <a:p>
             <a:r>
-              <a:rPr lang="de-DE" dirty="0" smtClean="0"/>
+              <a:rPr lang="de-DE" dirty="0"/>
               <a:t>Titelmasterformat durch Klicken bearbeiten</a:t>
             </a:r>
-            <a:endParaRPr lang="de-DE" dirty="0"/>
           </a:p>
         </p:txBody>
       </p:sp>
@@ -5771,7 +6419,7 @@
           <a:p>
             <a:pPr lvl="0"/>
             <a:r>
-              <a:rPr lang="de-DE" dirty="0" smtClean="0"/>
+              <a:rPr lang="de-DE" dirty="0"/>
               <a:t>Textmasterformat bearbeiten</a:t>
             </a:r>
           </a:p>
@@ -5827,38 +6475,37 @@
           <a:p>
             <a:pPr lvl="0"/>
             <a:r>
-              <a:rPr lang="de-DE" dirty="0" smtClean="0"/>
+              <a:rPr lang="de-DE" dirty="0"/>
               <a:t>Textmasterformat bearbeiten</a:t>
             </a:r>
           </a:p>
           <a:p>
             <a:pPr lvl="1"/>
             <a:r>
-              <a:rPr lang="de-DE" dirty="0" smtClean="0"/>
+              <a:rPr lang="de-DE" dirty="0"/>
               <a:t>Zweite Ebene</a:t>
             </a:r>
           </a:p>
           <a:p>
             <a:pPr lvl="2"/>
             <a:r>
-              <a:rPr lang="de-DE" dirty="0" smtClean="0"/>
+              <a:rPr lang="de-DE" dirty="0"/>
               <a:t>Dritte Ebene</a:t>
             </a:r>
           </a:p>
           <a:p>
             <a:pPr lvl="3"/>
             <a:r>
-              <a:rPr lang="de-DE" dirty="0" smtClean="0"/>
+              <a:rPr lang="de-DE" dirty="0"/>
               <a:t>Vierte Ebene</a:t>
             </a:r>
           </a:p>
           <a:p>
             <a:pPr lvl="4"/>
             <a:r>
-              <a:rPr lang="de-DE" dirty="0" smtClean="0"/>
+              <a:rPr lang="de-DE" dirty="0"/>
               <a:t>Fünfte Ebene</a:t>
             </a:r>
-            <a:endParaRPr lang="de-DE" dirty="0"/>
           </a:p>
         </p:txBody>
       </p:sp>
@@ -5921,7 +6568,7 @@
           <a:p>
             <a:pPr lvl="0"/>
             <a:r>
-              <a:rPr lang="de-DE" dirty="0" smtClean="0"/>
+              <a:rPr lang="de-DE" dirty="0"/>
               <a:t>Textmasterformat bearbeiten</a:t>
             </a:r>
           </a:p>
@@ -5977,38 +6624,37 @@
           <a:p>
             <a:pPr lvl="0"/>
             <a:r>
-              <a:rPr lang="de-DE" dirty="0" smtClean="0"/>
+              <a:rPr lang="de-DE" dirty="0"/>
               <a:t>Textmasterformat bearbeiten</a:t>
             </a:r>
           </a:p>
           <a:p>
             <a:pPr lvl="1"/>
             <a:r>
-              <a:rPr lang="de-DE" dirty="0" smtClean="0"/>
+              <a:rPr lang="de-DE" dirty="0"/>
               <a:t>Zweite Ebene</a:t>
             </a:r>
           </a:p>
           <a:p>
             <a:pPr lvl="2"/>
             <a:r>
-              <a:rPr lang="de-DE" dirty="0" smtClean="0"/>
+              <a:rPr lang="de-DE" dirty="0"/>
               <a:t>Dritte Ebene</a:t>
             </a:r>
           </a:p>
           <a:p>
             <a:pPr lvl="3"/>
             <a:r>
-              <a:rPr lang="de-DE" dirty="0" smtClean="0"/>
+              <a:rPr lang="de-DE" dirty="0"/>
               <a:t>Vierte Ebene</a:t>
             </a:r>
           </a:p>
           <a:p>
             <a:pPr lvl="4"/>
             <a:r>
-              <a:rPr lang="de-DE" dirty="0" smtClean="0"/>
+              <a:rPr lang="de-DE" dirty="0"/>
               <a:t>Fünfte Ebene</a:t>
             </a:r>
-            <a:endParaRPr lang="de-DE" dirty="0"/>
           </a:p>
         </p:txBody>
       </p:sp>
@@ -6053,10 +6699,9 @@
           <a:lstStyle/>
           <a:p>
             <a:r>
-              <a:rPr lang="de-DE" dirty="0" smtClean="0"/>
+              <a:rPr lang="de-DE" dirty="0"/>
               <a:t>Titelmasterformat durch Klicken bearbeiten</a:t>
             </a:r>
-            <a:endParaRPr lang="de-DE" dirty="0"/>
           </a:p>
         </p:txBody>
       </p:sp>
@@ -6191,7 +6836,7 @@
           <a:p>
             <a:pPr lvl="0"/>
             <a:r>
-              <a:rPr lang="de-DE" dirty="0" smtClean="0"/>
+              <a:rPr lang="de-DE" dirty="0"/>
               <a:t>Mastertitelformat bearbeiten</a:t>
             </a:r>
           </a:p>
@@ -6231,35 +6876,35 @@
           <a:p>
             <a:pPr lvl="0"/>
             <a:r>
-              <a:rPr lang="de-DE" dirty="0" smtClean="0"/>
+              <a:rPr lang="de-DE" dirty="0"/>
               <a:t>Mastertextformat bearbeiten</a:t>
             </a:r>
           </a:p>
           <a:p>
             <a:pPr lvl="1"/>
             <a:r>
-              <a:rPr lang="de-DE" dirty="0" smtClean="0"/>
+              <a:rPr lang="de-DE" dirty="0"/>
               <a:t>Zweite Ebene</a:t>
             </a:r>
           </a:p>
           <a:p>
             <a:pPr lvl="2"/>
             <a:r>
-              <a:rPr lang="de-DE" dirty="0" smtClean="0"/>
+              <a:rPr lang="de-DE" dirty="0"/>
               <a:t>Dritte Ebene</a:t>
             </a:r>
           </a:p>
           <a:p>
             <a:pPr lvl="3"/>
             <a:r>
-              <a:rPr lang="de-DE" dirty="0" smtClean="0"/>
+              <a:rPr lang="de-DE" dirty="0"/>
               <a:t>Vierte Ebene</a:t>
             </a:r>
           </a:p>
           <a:p>
             <a:pPr lvl="4"/>
             <a:r>
-              <a:rPr lang="de-DE" dirty="0" smtClean="0"/>
+              <a:rPr lang="de-DE" dirty="0"/>
               <a:t>Fünfte Ebene</a:t>
             </a:r>
           </a:p>
@@ -6483,7 +7128,7 @@
               <a:t>‹Nr.›</a:t>
             </a:fld>
             <a:r>
-              <a:rPr kumimoji="0" lang="en-US" sz="1100" b="0" i="0" u="none" strike="noStrike" kern="1200" cap="none" spc="0" normalizeH="0" baseline="0" noProof="0" dirty="0" smtClean="0">
+              <a:rPr kumimoji="0" lang="en-US" sz="1100" b="0" i="0" u="none" strike="noStrike" kern="1200" cap="none" spc="0" normalizeH="0" baseline="0" noProof="0" dirty="0">
                 <a:ln>
                   <a:noFill/>
                 </a:ln>
@@ -6517,7 +7162,7 @@
               <a:t>10. Dezember 2018</a:t>
             </a:fld>
             <a:r>
-              <a:rPr kumimoji="0" lang="en-US" sz="1100" b="0" i="0" u="none" strike="noStrike" kern="1200" cap="none" spc="0" normalizeH="0" baseline="0" noProof="0" dirty="0" smtClean="0">
+              <a:rPr kumimoji="0" lang="en-US" sz="1100" b="0" i="0" u="none" strike="noStrike" kern="1200" cap="none" spc="0" normalizeH="0" baseline="0" noProof="0" dirty="0">
                 <a:ln>
                   <a:noFill/>
                 </a:ln>
@@ -6533,7 +7178,7 @@
               </a:rPr>
               <a:t> </a:t>
             </a:r>
-            <a:endParaRPr kumimoji="0" lang="de-DE" sz="1100" b="0" i="0" u="none" strike="noStrike" kern="1200" cap="none" spc="0" normalizeH="0" baseline="0" noProof="0" dirty="0" smtClean="0">
+            <a:endParaRPr kumimoji="0" lang="de-DE" sz="1100" b="0" i="0" u="none" strike="noStrike" kern="1200" cap="none" spc="0" normalizeH="0" baseline="0" noProof="0" dirty="0">
               <a:ln>
                 <a:noFill/>
               </a:ln>
@@ -7012,7 +7657,7 @@
               <a:buNone/>
             </a:pPr>
             <a:r>
-              <a:rPr lang="de-DE" dirty="0" smtClean="0"/>
+              <a:rPr lang="de-DE" dirty="0"/>
               <a:t>Zwischenpräsentation</a:t>
             </a:r>
           </a:p>
@@ -7035,66 +7680,62 @@
           <a:p>
             <a:r>
               <a:rPr lang="de-DE" dirty="0"/>
-              <a:t>Nils </a:t>
-            </a:r>
-            <a:r>
-              <a:rPr lang="de-DE" dirty="0" smtClean="0"/>
-              <a:t>Wittig, </a:t>
-            </a:r>
-            <a:r>
-              <a:rPr lang="de-DE" dirty="0" err="1" smtClean="0"/>
+              <a:t>Nils Wittig, </a:t>
+            </a:r>
+            <a:r>
+              <a:rPr lang="de-DE" dirty="0" err="1"/>
               <a:t>iST</a:t>
             </a:r>
-            <a:endParaRPr lang="de-DE" dirty="0" smtClean="0"/>
-          </a:p>
-          <a:p>
-            <a:r>
-              <a:rPr lang="de-DE" dirty="0" smtClean="0"/>
+            <a:endParaRPr lang="de-DE" dirty="0"/>
+          </a:p>
+          <a:p>
+            <a:r>
+              <a:rPr lang="de-DE" dirty="0"/>
               <a:t>Fabian Burger, </a:t>
             </a:r>
             <a:r>
-              <a:rPr lang="de-DE" dirty="0" err="1" smtClean="0"/>
+              <a:rPr lang="de-DE" dirty="0" err="1"/>
               <a:t>iST</a:t>
             </a:r>
-            <a:endParaRPr lang="de-DE" dirty="0" smtClean="0"/>
-          </a:p>
-          <a:p>
-            <a:r>
-              <a:rPr lang="de-DE" dirty="0" smtClean="0"/>
+            <a:endParaRPr lang="de-DE" dirty="0"/>
+          </a:p>
+          <a:p>
+            <a:r>
+              <a:rPr lang="de-DE" dirty="0"/>
               <a:t>Ramona Volz, </a:t>
             </a:r>
             <a:r>
-              <a:rPr lang="de-DE" dirty="0" err="1" smtClean="0"/>
+              <a:rPr lang="de-DE" dirty="0" err="1"/>
               <a:t>Wi-Etit</a:t>
             </a:r>
-            <a:endParaRPr lang="de-DE" dirty="0" smtClean="0"/>
-          </a:p>
-          <a:p>
-            <a:r>
-              <a:rPr lang="de-DE" dirty="0" smtClean="0"/>
+            <a:endParaRPr lang="de-DE" dirty="0"/>
+          </a:p>
+          <a:p>
+            <a:r>
+              <a:rPr lang="de-DE" dirty="0"/>
               <a:t>Maike Latsch, </a:t>
             </a:r>
             <a:r>
-              <a:rPr lang="de-DE" dirty="0" err="1" smtClean="0"/>
+              <a:rPr lang="de-DE" dirty="0" err="1"/>
               <a:t>iST</a:t>
             </a:r>
-            <a:endParaRPr lang="de-DE" dirty="0" smtClean="0"/>
-          </a:p>
-          <a:p>
-            <a:r>
-              <a:rPr lang="de-DE" dirty="0" smtClean="0"/>
+            <a:endParaRPr lang="de-DE" dirty="0"/>
+          </a:p>
+          <a:p>
+            <a:r>
+              <a:rPr lang="de-DE" dirty="0"/>
               <a:t>Nikolas </a:t>
             </a:r>
             <a:r>
-              <a:rPr lang="de-DE" dirty="0" err="1" smtClean="0"/>
+              <a:rPr lang="de-DE" dirty="0" err="1"/>
               <a:t>Ziegelmayer</a:t>
             </a:r>
             <a:r>
-              <a:rPr lang="de-DE" dirty="0" smtClean="0"/>
+              <a:rPr lang="de-DE" dirty="0"/>
               <a:t>, </a:t>
             </a:r>
             <a:r>
-              <a:rPr lang="de-DE" dirty="0" err="1" smtClean="0"/>
+              <a:rPr lang="de-DE" dirty="0" err="1"/>
               <a:t>etit</a:t>
             </a:r>
             <a:endParaRPr lang="de-DE" dirty="0"/>
@@ -7272,7 +7913,7 @@
               <a:buNone/>
             </a:pPr>
             <a:r>
-              <a:rPr lang="en-US" sz="1000" dirty="0" smtClean="0">
+              <a:rPr lang="en-US" sz="1000" dirty="0">
                 <a:solidFill>
                   <a:schemeClr val="tx1"/>
                 </a:solidFill>
@@ -7348,7 +7989,13 @@
       </p:grpSpPr>
       <p:sp>
         <p:nvSpPr>
-          <p:cNvPr id="1048606" name="Titel 1"/>
+          <p:cNvPr id="2" name="Titel 1">
+            <a:extLst>
+              <a:ext uri="{FF2B5EF4-FFF2-40B4-BE49-F238E27FC236}">
+                <a16:creationId xmlns:a16="http://schemas.microsoft.com/office/drawing/2014/main" id="{24452668-05B8-45C3-9C30-2FC567BF5B34}"/>
+              </a:ext>
+            </a:extLst>
+          </p:cNvPr>
           <p:cNvSpPr>
             <a:spLocks noGrp="1"/>
           </p:cNvSpPr>
@@ -7362,24 +8009,22 @@
           <a:lstStyle/>
           <a:p>
             <a:r>
-              <a:rPr lang="en-US" dirty="0" err="1" smtClean="0"/>
-              <a:t>Organisation</a:t>
-            </a:r>
-            <a:r>
-              <a:rPr lang="en-US" dirty="0" smtClean="0"/>
-              <a:t> des Teams und </a:t>
-            </a:r>
-            <a:r>
-              <a:rPr lang="en-US" dirty="0" err="1" smtClean="0"/>
-              <a:t>Zeitplan</a:t>
-            </a:r>
-            <a:endParaRPr lang="en-US" dirty="0"/>
-          </a:p>
-        </p:txBody>
-      </p:sp>
-      <p:sp>
-        <p:nvSpPr>
-          <p:cNvPr id="1048607" name="Inhaltsplatzhalter 2"/>
+              <a:rPr lang="en-GB" dirty="0" err="1"/>
+              <a:t>Gliederung</a:t>
+            </a:r>
+            <a:endParaRPr lang="en-GB" dirty="0"/>
+          </a:p>
+        </p:txBody>
+      </p:sp>
+      <p:sp>
+        <p:nvSpPr>
+          <p:cNvPr id="3" name="Inhaltsplatzhalter 2">
+            <a:extLst>
+              <a:ext uri="{FF2B5EF4-FFF2-40B4-BE49-F238E27FC236}">
+                <a16:creationId xmlns:a16="http://schemas.microsoft.com/office/drawing/2014/main" id="{6F95FF9C-402A-4AAD-8E88-8EE33D2499FD}"/>
+              </a:ext>
+            </a:extLst>
+          </p:cNvPr>
           <p:cNvSpPr>
             <a:spLocks noGrp="1"/>
           </p:cNvSpPr>
@@ -7393,93 +8038,86 @@
           <a:lstStyle/>
           <a:p>
             <a:r>
-              <a:rPr lang="de-DE" dirty="0" smtClean="0"/>
-              <a:t>Aufgabenverwaltung durch </a:t>
-            </a:r>
-            <a:r>
-              <a:rPr lang="de-DE" dirty="0" err="1" smtClean="0"/>
-              <a:t>Trello</a:t>
-            </a:r>
-            <a:endParaRPr lang="de-DE" dirty="0" smtClean="0"/>
-          </a:p>
-          <a:p>
-            <a:endParaRPr lang="de-DE" dirty="0" smtClean="0"/>
-          </a:p>
-          <a:p>
-            <a:r>
-              <a:rPr lang="de-DE" dirty="0" smtClean="0"/>
-              <a:t>Softwareverwaltung mit </a:t>
-            </a:r>
-            <a:r>
-              <a:rPr lang="de-DE" dirty="0" err="1" smtClean="0"/>
-              <a:t>github</a:t>
-            </a:r>
-            <a:endParaRPr lang="de-DE" dirty="0" smtClean="0"/>
-          </a:p>
-          <a:p>
-            <a:endParaRPr lang="de-DE" dirty="0" smtClean="0"/>
-          </a:p>
-          <a:p>
-            <a:r>
-              <a:rPr lang="de-DE" dirty="0" smtClean="0"/>
-              <a:t>Arbeitsteilung nach individuellen Stärken zugeteilt durch </a:t>
-            </a:r>
-            <a:r>
-              <a:rPr lang="de-DE" dirty="0" err="1" smtClean="0"/>
-              <a:t>Trello</a:t>
-            </a:r>
-            <a:endParaRPr lang="de-DE" dirty="0" smtClean="0"/>
-          </a:p>
-          <a:p>
-            <a:endParaRPr lang="de-DE" dirty="0" smtClean="0"/>
-          </a:p>
-          <a:p>
-            <a:r>
-              <a:rPr lang="de-DE" dirty="0" smtClean="0"/>
-              <a:t>Zeitplan:</a:t>
-            </a:r>
-          </a:p>
-          <a:p>
-            <a:pPr lvl="1"/>
-            <a:r>
-              <a:rPr lang="de-DE" dirty="0" smtClean="0"/>
-              <a:t>Regelmäßige wöchentliche Gruppentreffen</a:t>
-            </a:r>
-          </a:p>
-          <a:p>
-            <a:pPr lvl="1"/>
-            <a:r>
-              <a:rPr lang="de-DE" dirty="0" smtClean="0"/>
-              <a:t>Flexible Treffen zur Aufgabenbearbeitung</a:t>
-            </a:r>
-          </a:p>
-          <a:p>
-            <a:endParaRPr lang="de-DE" dirty="0" smtClean="0"/>
-          </a:p>
-          <a:p>
-            <a:r>
-              <a:rPr lang="de-DE" dirty="0" smtClean="0"/>
-              <a:t>Meilensteine:</a:t>
-            </a:r>
-          </a:p>
-          <a:p>
-            <a:pPr lvl="1"/>
-            <a:r>
-              <a:rPr lang="de-DE" dirty="0" smtClean="0"/>
-              <a:t>Bildfilterung optimieren</a:t>
-            </a:r>
-          </a:p>
-          <a:p>
-            <a:pPr lvl="1"/>
-            <a:r>
-              <a:rPr lang="de-DE" dirty="0" err="1" smtClean="0"/>
-              <a:t>Wallfollower</a:t>
-            </a:r>
-            <a:endParaRPr lang="de-DE" dirty="0"/>
+              <a:rPr lang="en-US" sz="2400" dirty="0" err="1"/>
+              <a:t>Organisation</a:t>
+            </a:r>
+            <a:r>
+              <a:rPr lang="en-US" sz="2400" dirty="0"/>
+              <a:t> des Teams und </a:t>
+            </a:r>
+            <a:r>
+              <a:rPr lang="en-US" sz="2400" dirty="0" err="1"/>
+              <a:t>Zeitplan</a:t>
+            </a:r>
+            <a:endParaRPr lang="en-US" sz="2400" dirty="0"/>
+          </a:p>
+          <a:p>
+            <a:r>
+              <a:rPr lang="en-US" altLang="de-DE" sz="2400" dirty="0" err="1"/>
+              <a:t>Regelungstechnik</a:t>
+            </a:r>
+            <a:r>
+              <a:rPr lang="en-US" altLang="de-DE" sz="2400" dirty="0"/>
+              <a:t> – </a:t>
+            </a:r>
+            <a:r>
+              <a:rPr lang="en-US" altLang="de-DE" sz="2400" dirty="0" err="1"/>
+              <a:t>bisheriges</a:t>
+            </a:r>
+            <a:r>
+              <a:rPr lang="en-US" altLang="de-DE" sz="2400" dirty="0"/>
+              <a:t> </a:t>
+            </a:r>
+            <a:r>
+              <a:rPr lang="en-US" altLang="de-DE" sz="2400" dirty="0" err="1"/>
+              <a:t>Vorgehen</a:t>
+            </a:r>
+            <a:endParaRPr lang="en-US" altLang="de-DE" sz="2400" dirty="0"/>
+          </a:p>
+          <a:p>
+            <a:r>
+              <a:rPr lang="en-US" altLang="de-DE" sz="2400" dirty="0" err="1"/>
+              <a:t>Bildverarbeitung</a:t>
+            </a:r>
+            <a:endParaRPr lang="en-US" altLang="de-DE" sz="2400" dirty="0"/>
+          </a:p>
+          <a:p>
+            <a:r>
+              <a:rPr lang="de-DE" sz="2400" dirty="0"/>
+              <a:t>Probleme und verworfene Ansätze</a:t>
+            </a:r>
+          </a:p>
+          <a:p>
+            <a:r>
+              <a:rPr lang="en-GB" sz="2400" dirty="0" err="1"/>
+              <a:t>Ausblick</a:t>
+            </a:r>
+            <a:r>
+              <a:rPr lang="en-GB" sz="2400" dirty="0"/>
+              <a:t> und </a:t>
+            </a:r>
+            <a:r>
+              <a:rPr lang="en-GB" sz="2400" dirty="0" err="1"/>
+              <a:t>zweites</a:t>
+            </a:r>
+            <a:r>
+              <a:rPr lang="en-GB" sz="2400" dirty="0"/>
+              <a:t> </a:t>
+            </a:r>
+            <a:r>
+              <a:rPr lang="en-GB" sz="2400" dirty="0" err="1"/>
+              <a:t>Thema</a:t>
+            </a:r>
+            <a:endParaRPr lang="en-GB" sz="2400" dirty="0"/>
           </a:p>
         </p:txBody>
       </p:sp>
     </p:spTree>
+    <p:extLst>
+      <p:ext uri="{BB962C8B-B14F-4D97-AF65-F5344CB8AC3E}">
+        <p14:creationId xmlns:p14="http://schemas.microsoft.com/office/powerpoint/2010/main" val="2622745934"/>
+      </p:ext>
+    </p:extLst>
   </p:cSld>
   <p:clrMapOvr>
     <a:masterClrMapping/>
@@ -7506,7 +8144,7 @@
       </p:grpSpPr>
       <p:sp>
         <p:nvSpPr>
-          <p:cNvPr id="1048608" name="Titel 1"/>
+          <p:cNvPr id="1048606" name="Titel 1"/>
           <p:cNvSpPr>
             <a:spLocks noGrp="1"/>
           </p:cNvSpPr>
@@ -7519,20 +8157,25 @@
           <a:bodyPr/>
           <a:lstStyle/>
           <a:p>
-            <a:pPr marL="4763" indent="0">
-              <a:buNone/>
-            </a:pPr>
-            <a:r>
-              <a:rPr lang="en-US" altLang="de-DE" dirty="0" smtClean="0"/>
-              <a:t>Ndgdjwjrbfuf</a:t>
-            </a:r>
-            <a:endParaRPr lang="de-DE" dirty="0"/>
-          </a:p>
-        </p:txBody>
-      </p:sp>
-      <p:sp>
-        <p:nvSpPr>
-          <p:cNvPr id="1048609" name="Inhaltsplatzhalter 2"/>
+            <a:r>
+              <a:rPr lang="en-US" dirty="0" err="1"/>
+              <a:t>Organisation</a:t>
+            </a:r>
+            <a:r>
+              <a:rPr lang="en-US" dirty="0"/>
+              <a:t> des Teams und </a:t>
+            </a:r>
+            <a:r>
+              <a:rPr lang="en-US" dirty="0" err="1"/>
+              <a:t>Zeitplan</a:t>
+            </a:r>
+            <a:endParaRPr lang="en-US" dirty="0"/>
+          </a:p>
+        </p:txBody>
+      </p:sp>
+      <p:sp>
+        <p:nvSpPr>
+          <p:cNvPr id="1048607" name="Inhaltsplatzhalter 2"/>
           <p:cNvSpPr>
             <a:spLocks noGrp="1"/>
           </p:cNvSpPr>
@@ -7540,135 +8183,93 @@
             <p:ph idx="1"/>
           </p:nvPr>
         </p:nvSpPr>
-        <p:spPr>
-          <a:xfrm>
-            <a:off x="250825" y="1484312"/>
-            <a:ext cx="8640763" cy="4968875"/>
-          </a:xfrm>
-        </p:spPr>
+        <p:spPr/>
         <p:txBody>
           <a:bodyPr/>
           <a:lstStyle/>
           <a:p>
             <a:r>
-              <a:rPr lang="de-DE" dirty="0" smtClean="0"/>
-              <a:t>Einfacher </a:t>
-            </a:r>
-            <a:r>
-              <a:rPr lang="de-DE" dirty="0" err="1" smtClean="0"/>
+              <a:rPr lang="de-DE" dirty="0"/>
+              <a:t>Aufgabenverwaltung durch </a:t>
+            </a:r>
+            <a:r>
+              <a:rPr lang="de-DE" dirty="0" err="1"/>
+              <a:t>Trello</a:t>
+            </a:r>
+            <a:endParaRPr lang="de-DE" dirty="0"/>
+          </a:p>
+          <a:p>
+            <a:endParaRPr lang="de-DE" dirty="0"/>
+          </a:p>
+          <a:p>
+            <a:r>
+              <a:rPr lang="de-DE" dirty="0"/>
+              <a:t>Softwareverwaltung mit GitHub</a:t>
+            </a:r>
+          </a:p>
+          <a:p>
+            <a:endParaRPr lang="de-DE" dirty="0"/>
+          </a:p>
+          <a:p>
+            <a:r>
+              <a:rPr lang="de-DE" dirty="0"/>
+              <a:t>Arbeitsteilung nach individuellen Stärken zugeteilt durch </a:t>
+            </a:r>
+            <a:r>
+              <a:rPr lang="de-DE" dirty="0" err="1"/>
+              <a:t>Trello</a:t>
+            </a:r>
+            <a:endParaRPr lang="de-DE" dirty="0"/>
+          </a:p>
+          <a:p>
+            <a:endParaRPr lang="de-DE" dirty="0"/>
+          </a:p>
+          <a:p>
+            <a:r>
+              <a:rPr lang="de-DE" dirty="0"/>
+              <a:t>Zeitplan:</a:t>
+            </a:r>
+          </a:p>
+          <a:p>
+            <a:pPr lvl="1"/>
+            <a:r>
+              <a:rPr lang="de-DE" dirty="0"/>
+              <a:t>Regelmäßige wöchentliche Gruppentreffen</a:t>
+            </a:r>
+          </a:p>
+          <a:p>
+            <a:pPr lvl="1"/>
+            <a:r>
+              <a:rPr lang="de-DE" dirty="0"/>
+              <a:t>Flexible Treffen zur Aufgabenbearbeitung</a:t>
+            </a:r>
+          </a:p>
+          <a:p>
+            <a:endParaRPr lang="de-DE" dirty="0"/>
+          </a:p>
+          <a:p>
+            <a:r>
+              <a:rPr lang="de-DE" dirty="0"/>
+              <a:t>Meilensteine:</a:t>
+            </a:r>
+          </a:p>
+          <a:p>
+            <a:pPr lvl="1"/>
+            <a:r>
+              <a:rPr lang="de-DE" dirty="0" err="1"/>
               <a:t>Wallfollower</a:t>
             </a:r>
-            <a:endParaRPr lang="de-DE" dirty="0" smtClean="0"/>
+            <a:endParaRPr lang="de-DE" dirty="0"/>
           </a:p>
           <a:p>
             <a:pPr lvl="1"/>
             <a:r>
-              <a:rPr lang="de-DE" altLang="de-DE" dirty="0" err="1" smtClean="0"/>
-              <a:t>pd</a:t>
-            </a:r>
-            <a:r>
-              <a:rPr lang="de-DE" altLang="de-DE" dirty="0" smtClean="0"/>
-              <a:t> Regler</a:t>
-            </a:r>
-            <a:endParaRPr lang="de-DE" altLang="zh-CN" dirty="0" smtClean="0"/>
-          </a:p>
-          <a:p>
-            <a:pPr lvl="1"/>
-            <a:r>
-              <a:rPr lang="de-DE" altLang="de-DE" dirty="0" smtClean="0"/>
-              <a:t>Abweichung des Abstandes zur 'Wand' korrigieren</a:t>
-            </a:r>
-            <a:endParaRPr lang="de-DE" altLang="zh-CN" dirty="0" smtClean="0"/>
-          </a:p>
-          <a:p>
-            <a:pPr lvl="1"/>
-            <a:r>
-              <a:rPr lang="de-DE" altLang="zh-CN" dirty="0" smtClean="0"/>
-              <a:t>Berechnung des </a:t>
-            </a:r>
-            <a:r>
-              <a:rPr lang="de-DE" altLang="zh-CN" dirty="0"/>
-              <a:t>L</a:t>
-            </a:r>
-            <a:r>
-              <a:rPr lang="de-DE" altLang="zh-CN" dirty="0" smtClean="0"/>
-              <a:t>enkwinkels durch Abstand</a:t>
-            </a:r>
-          </a:p>
-          <a:p>
-            <a:endParaRPr lang="de-DE" altLang="zh-CN" dirty="0" smtClean="0"/>
-          </a:p>
-          <a:p>
-            <a:endParaRPr lang="de-DE" dirty="0" smtClean="0"/>
-          </a:p>
-          <a:p>
-            <a:r>
-              <a:rPr lang="de-DE" dirty="0" smtClean="0"/>
-              <a:t>Filterung des </a:t>
-            </a:r>
-            <a:r>
-              <a:rPr lang="de-DE" dirty="0" err="1" smtClean="0"/>
-              <a:t>Kinectbildes</a:t>
-            </a:r>
-            <a:r>
-              <a:rPr lang="de-DE" dirty="0" smtClean="0"/>
-              <a:t> mit </a:t>
-            </a:r>
-            <a:r>
-              <a:rPr lang="de-DE" dirty="0" err="1" smtClean="0"/>
-              <a:t>OpenCV</a:t>
-            </a:r>
-            <a:endParaRPr lang="de-DE" dirty="0" smtClean="0"/>
-          </a:p>
-          <a:p>
-            <a:endParaRPr lang="de-DE" dirty="0" smtClean="0"/>
-          </a:p>
-          <a:p>
-            <a:r>
-              <a:rPr lang="de-DE" dirty="0" smtClean="0"/>
-              <a:t>Ansatz:</a:t>
-            </a:r>
-          </a:p>
-          <a:p>
-            <a:pPr lvl="1"/>
-            <a:r>
-              <a:rPr lang="de-DE" dirty="0" smtClean="0"/>
-              <a:t>Linien zu imaginären Wänden transformieren und diesen folgen</a:t>
-            </a:r>
-            <a:endParaRPr lang="de-DE" dirty="0"/>
-          </a:p>
-        </p:txBody>
-      </p:sp>
-      <mc:AlternateContent xmlns:mc="http://schemas.openxmlformats.org/markup-compatibility/2006" xmlns:p14="http://schemas.microsoft.com/office/powerpoint/2010/main">
-        <mc:Choice Requires="p14">
-          <p:contentPart p14:bwMode="auto" r:id="rId2">
-            <p14:nvContentPartPr>
-              <p14:cNvPr id="1048690" name="Freihand 1048689"/>
-              <p14:cNvContentPartPr/>
-              <p14:nvPr/>
-            </p14:nvContentPartPr>
-            <p14:xfrm>
-              <a:off x="1823588" y="2876393"/>
-              <a:ext cx="14506" cy="42457"/>
-            </p14:xfrm>
-          </p:contentPart>
-        </mc:Choice>
-        <mc:Fallback xmlns="">
-          <p:sp>
-            <p:nvSpPr>
-              <p:cNvPr id="1048690" name=""/>
-              <p:cNvSpPr/>
-              <p:nvPr/>
-            </p:nvSpPr>
-            <p:spPr>
-              <a:xfrm>
-                <a:off x="1823588" y="2876393"/>
-                <a:ext cx="14506" cy="42457"/>
-              </a:xfrm>
-            </p:spPr>
-          </p:sp>
-        </mc:Fallback>
-      </mc:AlternateContent>
+              <a:rPr lang="de-DE" dirty="0"/>
+              <a:t>Linienverfolgung bis Ende des Jahres</a:t>
+            </a:r>
+          </a:p>
+        </p:txBody>
+      </p:sp>
     </p:spTree>
   </p:cSld>
   <p:clrMapOvr>
@@ -7696,7 +8297,7 @@
       </p:grpSpPr>
       <p:sp>
         <p:nvSpPr>
-          <p:cNvPr id="1048687" name="Titel 1"/>
+          <p:cNvPr id="1048608" name="Titel 1"/>
           <p:cNvSpPr>
             <a:spLocks noGrp="1"/>
           </p:cNvSpPr>
@@ -7713,8 +8314,24 @@
               <a:buNone/>
             </a:pPr>
             <a:r>
-              <a:rPr lang="en-US" altLang="de-DE" dirty="0" smtClean="0"/>
-              <a:t>Bildverarbeitung</a:t>
+              <a:rPr lang="en-US" altLang="de-DE" dirty="0" err="1"/>
+              <a:t>Regelungstechnik</a:t>
+            </a:r>
+            <a:r>
+              <a:rPr lang="en-US" altLang="de-DE" dirty="0"/>
+              <a:t> – </a:t>
+            </a:r>
+            <a:r>
+              <a:rPr lang="en-US" altLang="de-DE" dirty="0" err="1"/>
+              <a:t>bisheriges</a:t>
+            </a:r>
+            <a:r>
+              <a:rPr lang="en-US" altLang="de-DE" dirty="0"/>
+              <a:t> </a:t>
+            </a:r>
+            <a:r>
+              <a:rPr lang="en-US" altLang="de-DE" dirty="0" err="1"/>
+              <a:t>Vorgehen</a:t>
             </a:r>
             <a:endParaRPr lang="de-DE" dirty="0"/>
           </a:p>
@@ -7722,7 +8339,7 @@
       </p:sp>
       <p:sp>
         <p:nvSpPr>
-          <p:cNvPr id="1048689" name="Inhaltsplatzhalter 2"/>
+          <p:cNvPr id="1048609" name="Inhaltsplatzhalter 2"/>
           <p:cNvSpPr>
             <a:spLocks noGrp="1"/>
           </p:cNvSpPr>
@@ -7732,7 +8349,7 @@
         </p:nvSpPr>
         <p:spPr>
           <a:xfrm>
-            <a:off x="353335" y="1484312"/>
+            <a:off x="323725" y="1484784"/>
             <a:ext cx="8640763" cy="4968875"/>
           </a:xfrm>
         </p:spPr>
@@ -7741,156 +8358,98 @@
           <a:lstStyle/>
           <a:p>
             <a:r>
-              <a:rPr lang="en-US" altLang="de-DE" dirty="0" smtClean="0"/>
-              <a:t>Bild der Kinect </a:t>
-            </a:r>
-            <a:r>
-              <a:rPr lang="en-US" altLang="de-DE" dirty="0" err="1" smtClean="0"/>
-              <a:t>empfangen</a:t>
-            </a:r>
-            <a:endParaRPr lang="en-US" altLang="de-DE" dirty="0" smtClean="0"/>
-          </a:p>
-          <a:p>
-            <a:endParaRPr lang="de-DE" dirty="0" smtClean="0"/>
-          </a:p>
-          <a:p>
-            <a:r>
-              <a:rPr lang="en-US" altLang="de-DE" dirty="0" err="1" smtClean="0"/>
-              <a:t>Birdeyeview</a:t>
-            </a:r>
-            <a:endParaRPr lang="en-US" altLang="de-DE" dirty="0" smtClean="0"/>
-          </a:p>
-          <a:p>
-            <a:endParaRPr lang="de-DE" dirty="0" smtClean="0"/>
-          </a:p>
-          <a:p>
-            <a:r>
-              <a:rPr lang="en-US" altLang="de-DE" dirty="0" err="1" smtClean="0"/>
-              <a:t>Bild</a:t>
-            </a:r>
-            <a:r>
-              <a:rPr lang="en-US" altLang="de-DE" dirty="0" smtClean="0"/>
-              <a:t> </a:t>
-            </a:r>
-            <a:r>
-              <a:rPr lang="en-US" altLang="de-DE" dirty="0" err="1" smtClean="0"/>
-              <a:t>aufhellen</a:t>
-            </a:r>
-            <a:endParaRPr lang="en-US" altLang="de-DE" dirty="0" smtClean="0"/>
-          </a:p>
-          <a:p>
-            <a:endParaRPr lang="de-DE" dirty="0" smtClean="0"/>
-          </a:p>
-          <a:p>
-            <a:r>
-              <a:rPr lang="en-US" altLang="de-DE" dirty="0" smtClean="0"/>
-              <a:t>relevanten </a:t>
-            </a:r>
-            <a:r>
-              <a:rPr lang="en-US" altLang="de-DE" dirty="0" err="1" smtClean="0"/>
-              <a:t>Bildausschnitt</a:t>
-            </a:r>
-            <a:r>
-              <a:rPr lang="en-US" altLang="de-DE" dirty="0" smtClean="0"/>
-              <a:t> </a:t>
-            </a:r>
-            <a:r>
-              <a:rPr lang="en-US" altLang="de-DE" dirty="0" err="1" smtClean="0"/>
-              <a:t>auswählen</a:t>
-            </a:r>
-            <a:endParaRPr lang="en-US" altLang="de-DE" dirty="0" smtClean="0"/>
-          </a:p>
-          <a:p>
-            <a:endParaRPr lang="de-DE" dirty="0" smtClean="0"/>
-          </a:p>
-          <a:p>
-            <a:r>
-              <a:rPr lang="en-US" altLang="de-DE" dirty="0" err="1" smtClean="0"/>
-              <a:t>Farbfilterung</a:t>
-            </a:r>
+              <a:rPr lang="de-DE" dirty="0"/>
+              <a:t>Einstieg: Einfacher </a:t>
+            </a:r>
+            <a:r>
+              <a:rPr lang="de-DE" dirty="0" err="1"/>
+              <a:t>Wallfollower</a:t>
+            </a:r>
+            <a:endParaRPr lang="de-DE" dirty="0"/>
+          </a:p>
+          <a:p>
+            <a:pPr lvl="1"/>
             <a:r>
               <a:rPr lang="de-DE" altLang="de-DE" dirty="0"/>
-              <a:t> </a:t>
-            </a:r>
-            <a:r>
-              <a:rPr lang="de-DE" altLang="de-DE" dirty="0" smtClean="0"/>
-              <a:t>- </a:t>
-            </a:r>
-            <a:r>
-              <a:rPr lang="en-US" altLang="de-DE" dirty="0" smtClean="0"/>
-              <a:t>Greyscale </a:t>
-            </a:r>
-            <a:r>
-              <a:rPr lang="en-US" altLang="de-DE" dirty="0" err="1" smtClean="0"/>
-              <a:t>zu</a:t>
-            </a:r>
-            <a:r>
-              <a:rPr lang="en-US" altLang="de-DE" dirty="0" smtClean="0"/>
-              <a:t> </a:t>
-            </a:r>
-            <a:r>
-              <a:rPr lang="en-US" altLang="de-DE" dirty="0" smtClean="0"/>
-              <a:t>binary</a:t>
-            </a:r>
-          </a:p>
-          <a:p>
-            <a:endParaRPr lang="de-DE" dirty="0" smtClean="0"/>
-          </a:p>
-          <a:p>
-            <a:r>
-              <a:rPr lang="en-US" altLang="de-DE" dirty="0" err="1" smtClean="0"/>
-              <a:t>probabilistische</a:t>
-            </a:r>
-            <a:r>
-              <a:rPr lang="en-US" altLang="de-DE" dirty="0" smtClean="0"/>
-              <a:t> </a:t>
-            </a:r>
-            <a:r>
-              <a:rPr lang="en-US" altLang="de-DE" dirty="0" smtClean="0"/>
-              <a:t>Hough </a:t>
-            </a:r>
-            <a:r>
-              <a:rPr lang="en-US" altLang="de-DE" dirty="0" smtClean="0"/>
-              <a:t>Transformation</a:t>
-            </a:r>
-          </a:p>
-          <a:p>
-            <a:endParaRPr lang="de-DE" dirty="0" smtClean="0"/>
-          </a:p>
-          <a:p>
-            <a:r>
-              <a:rPr lang="en-US" altLang="de-DE" dirty="0" smtClean="0"/>
-              <a:t>Auswahl längste </a:t>
-            </a:r>
-            <a:r>
-              <a:rPr lang="en-US" altLang="de-DE" dirty="0" err="1" smtClean="0"/>
-              <a:t>unterste</a:t>
-            </a:r>
-            <a:r>
-              <a:rPr lang="en-US" altLang="de-DE" dirty="0" smtClean="0"/>
-              <a:t> </a:t>
-            </a:r>
-            <a:r>
-              <a:rPr lang="en-US" altLang="de-DE" dirty="0" err="1" smtClean="0"/>
-              <a:t>Linie</a:t>
-            </a:r>
-            <a:r>
-              <a:rPr lang="en-US" altLang="de-DE" dirty="0" smtClean="0"/>
-              <a:t>, </a:t>
-            </a:r>
-            <a:r>
-              <a:rPr lang="en-US" altLang="de-DE" dirty="0" err="1" smtClean="0"/>
-              <a:t>verlängern</a:t>
-            </a:r>
-            <a:r>
-              <a:rPr lang="en-US" altLang="de-DE" dirty="0" smtClean="0"/>
-              <a:t> und </a:t>
-            </a:r>
-            <a:r>
-              <a:rPr lang="en-US" altLang="de-DE" dirty="0" err="1" smtClean="0"/>
-              <a:t>publishen</a:t>
-            </a:r>
-            <a:endParaRPr lang="de-DE" dirty="0" smtClean="0"/>
+              <a:t>Erster Versuch: P-Regler – keine ausreichende Regelgüte erzielbar</a:t>
+            </a:r>
+          </a:p>
+          <a:p>
+            <a:pPr lvl="1"/>
+            <a:r>
+              <a:rPr lang="de-DE" altLang="zh-CN" dirty="0"/>
+              <a:t>Verbesserungsansatz: PD-Regler – nach Optimierung der </a:t>
+            </a:r>
+            <a:r>
+              <a:rPr lang="de-DE" altLang="zh-CN" dirty="0" err="1"/>
+              <a:t>Reglerparameter</a:t>
+            </a:r>
+            <a:r>
+              <a:rPr lang="de-DE" altLang="zh-CN" dirty="0"/>
+              <a:t> konnte gutes Regelverhalten auch in Kurven erzielt werden</a:t>
+            </a:r>
+          </a:p>
+          <a:p>
+            <a:r>
+              <a:rPr lang="de-DE" altLang="zh-CN" dirty="0"/>
+              <a:t>Verbesserung des Regelverhaltens durch Einbeziehung der </a:t>
+            </a:r>
+            <a:r>
+              <a:rPr lang="de-DE" altLang="zh-CN" dirty="0" err="1"/>
+              <a:t>Odometriedaten</a:t>
+            </a:r>
+            <a:r>
+              <a:rPr lang="de-DE" altLang="zh-CN" dirty="0"/>
+              <a:t> – dadurch optimierte Geradeausfahrt</a:t>
+            </a:r>
+          </a:p>
+          <a:p>
+            <a:r>
+              <a:rPr lang="de-DE" altLang="zh-CN" dirty="0"/>
+              <a:t>Genauigkeit der </a:t>
+            </a:r>
+            <a:r>
+              <a:rPr lang="de-DE" altLang="zh-CN" dirty="0" err="1"/>
+              <a:t>Odometriedaten</a:t>
+            </a:r>
+            <a:r>
+              <a:rPr lang="de-DE" altLang="zh-CN" dirty="0"/>
+              <a:t> für kurzfristige Nutzung ausreichend</a:t>
+            </a:r>
+          </a:p>
+          <a:p>
+            <a:r>
+              <a:rPr lang="de-DE" altLang="zh-CN" dirty="0"/>
+              <a:t>Testfahrten mit Wänden aus Pappe, sowohl Kurven als auch Geradeausfahrt</a:t>
+            </a:r>
+          </a:p>
+          <a:p>
+            <a:r>
+              <a:rPr lang="de-DE" altLang="zh-CN" dirty="0"/>
+              <a:t>Ansätze mit PID-Regler nicht weiter verfolgt</a:t>
+            </a:r>
+          </a:p>
+          <a:p>
+            <a:pPr lvl="1"/>
+            <a:endParaRPr lang="de-DE" altLang="zh-CN" dirty="0"/>
+          </a:p>
+          <a:p>
+            <a:r>
+              <a:rPr lang="de-DE" altLang="zh-CN" dirty="0"/>
+              <a:t>Fazit: Verbesserter PD-Regler möglicherweise ausreichend</a:t>
+            </a:r>
+          </a:p>
+          <a:p>
+            <a:pPr marL="0" indent="0">
+              <a:buNone/>
+            </a:pPr>
+            <a:r>
+              <a:rPr lang="de-DE" altLang="zh-CN" dirty="0">
+                <a:sym typeface="Wingdings" panose="05000000000000000000" pitchFamily="2" charset="2"/>
+              </a:rPr>
+              <a:t> Ansatz: Erzeugung virtueller „Wände“ aus Kameradaten</a:t>
+            </a:r>
+            <a:endParaRPr lang="de-DE" altLang="zh-CN" dirty="0"/>
           </a:p>
         </p:txBody>
       </p:sp>
@@ -7921,7 +8480,7 @@
       </p:grpSpPr>
       <p:sp>
         <p:nvSpPr>
-          <p:cNvPr id="1048610" name="Titel 1"/>
+          <p:cNvPr id="1048687" name="Titel 1"/>
           <p:cNvSpPr>
             <a:spLocks noGrp="1"/>
           </p:cNvSpPr>
@@ -7934,9 +8493,12 @@
           <a:bodyPr/>
           <a:lstStyle/>
           <a:p>
-            <a:r>
-              <a:rPr lang="de-DE" dirty="0" smtClean="0"/>
-              <a:t>Verworfene Ansätze</a:t>
+            <a:pPr marL="4763" indent="0">
+              <a:buNone/>
+            </a:pPr>
+            <a:r>
+              <a:rPr lang="en-US" altLang="de-DE" dirty="0"/>
+              <a:t>Bildverarbeitung</a:t>
             </a:r>
             <a:endParaRPr lang="de-DE" dirty="0"/>
           </a:p>
@@ -7944,7 +8506,7 @@
       </p:sp>
       <p:sp>
         <p:nvSpPr>
-          <p:cNvPr id="1048611" name="Inhaltsplatzhalter 2"/>
+          <p:cNvPr id="1048689" name="Inhaltsplatzhalter 2"/>
           <p:cNvSpPr>
             <a:spLocks noGrp="1"/>
           </p:cNvSpPr>
@@ -7952,86 +8514,282 @@
             <p:ph idx="1"/>
           </p:nvPr>
         </p:nvSpPr>
-        <p:spPr/>
+        <p:spPr>
+          <a:xfrm>
+            <a:off x="353335" y="1484312"/>
+            <a:ext cx="6774540" cy="4968875"/>
+          </a:xfrm>
+        </p:spPr>
         <p:txBody>
           <a:bodyPr/>
           <a:lstStyle/>
           <a:p>
             <a:r>
-              <a:rPr lang="de-DE" dirty="0" smtClean="0"/>
-              <a:t>Bildfilterung durch </a:t>
-            </a:r>
-          </a:p>
-          <a:p>
-            <a:pPr lvl="1"/>
-            <a:r>
-              <a:rPr lang="de-DE" dirty="0" smtClean="0"/>
-              <a:t>Edge </a:t>
-            </a:r>
-            <a:r>
-              <a:rPr lang="de-DE" dirty="0" err="1" smtClean="0"/>
-              <a:t>Detection</a:t>
-            </a:r>
-            <a:r>
-              <a:rPr lang="de-DE" dirty="0" smtClean="0"/>
-              <a:t> mit </a:t>
-            </a:r>
-            <a:r>
-              <a:rPr lang="de-DE" dirty="0" err="1" smtClean="0"/>
-              <a:t>Canny</a:t>
-            </a:r>
-            <a:endParaRPr lang="de-DE" dirty="0" smtClean="0"/>
-          </a:p>
-          <a:p>
-            <a:pPr lvl="1"/>
-            <a:r>
-              <a:rPr lang="de-DE" dirty="0" err="1" smtClean="0"/>
-              <a:t>Contour</a:t>
-            </a:r>
-            <a:r>
-              <a:rPr lang="de-DE" dirty="0" smtClean="0"/>
+              <a:rPr lang="en-US" altLang="de-DE" dirty="0" err="1"/>
+              <a:t>Erzeugen</a:t>
+            </a:r>
+            <a:r>
+              <a:rPr lang="en-US" altLang="de-DE" dirty="0"/>
               <a:t> </a:t>
             </a:r>
             <a:r>
-              <a:rPr lang="de-DE" dirty="0" err="1" smtClean="0"/>
-              <a:t>Detection</a:t>
-            </a:r>
-            <a:r>
-              <a:rPr lang="de-DE" dirty="0" smtClean="0"/>
+              <a:rPr lang="en-US" altLang="de-DE" dirty="0" err="1"/>
+              <a:t>virteller</a:t>
+            </a:r>
+            <a:r>
+              <a:rPr lang="en-US" altLang="de-DE" dirty="0"/>
               <a:t> </a:t>
             </a:r>
-          </a:p>
-          <a:p>
+            <a:r>
+              <a:rPr lang="de-DE" altLang="zh-CN" dirty="0">
+                <a:sym typeface="Wingdings" panose="05000000000000000000" pitchFamily="2" charset="2"/>
+              </a:rPr>
+              <a:t>„Wände“ </a:t>
+            </a:r>
+            <a:endParaRPr lang="en-US" altLang="de-DE" dirty="0"/>
+          </a:p>
+          <a:p>
+            <a:pPr marL="523875" lvl="1" indent="-342900">
+              <a:buFont typeface="+mj-lt"/>
+              <a:buAutoNum type="arabicPeriod"/>
+            </a:pPr>
+            <a:r>
+              <a:rPr lang="en-US" altLang="de-DE" dirty="0" err="1"/>
+              <a:t>Farbbild</a:t>
+            </a:r>
+            <a:r>
+              <a:rPr lang="en-US" altLang="de-DE" dirty="0"/>
+              <a:t> der Kinect </a:t>
+            </a:r>
+            <a:r>
+              <a:rPr lang="en-US" altLang="de-DE" dirty="0" err="1"/>
+              <a:t>empfangen</a:t>
+            </a:r>
+            <a:endParaRPr lang="en-US" altLang="de-DE" dirty="0"/>
+          </a:p>
+          <a:p>
+            <a:pPr marL="523875" lvl="1" indent="-342900">
+              <a:buFont typeface="+mj-lt"/>
+              <a:buAutoNum type="arabicPeriod"/>
+            </a:pPr>
+            <a:r>
+              <a:rPr lang="en-US" altLang="de-DE" dirty="0" err="1"/>
+              <a:t>Birdeyeview</a:t>
+            </a:r>
+            <a:r>
+              <a:rPr lang="en-US" altLang="de-DE" dirty="0"/>
+              <a:t> </a:t>
+            </a:r>
+            <a:r>
+              <a:rPr lang="en-US" altLang="de-DE" dirty="0" err="1"/>
+              <a:t>erzeugen</a:t>
+            </a:r>
             <a:endParaRPr lang="de-DE" dirty="0"/>
           </a:p>
-        </p:txBody>
-      </p:sp>
-      <p:pic>
-        <p:nvPicPr>
-          <p:cNvPr id="2097157" name="Picture 2" descr="C:\Users\Ramona\Dropbox\Studium\3. Semester\PS ES\AUDO\Dokumente\SCHOENES_BILD_JAJAJAJAJA_01a.png"/>
-          <p:cNvPicPr>
-            <a:picLocks noChangeAspect="1" noChangeArrowheads="1"/>
-          </p:cNvPicPr>
-          <p:nvPr/>
-        </p:nvPicPr>
-        <p:blipFill>
-          <a:blip r:embed="rId3"/>
-          <a:srcRect/>
-          <a:stretch>
-            <a:fillRect/>
-          </a:stretch>
-        </p:blipFill>
-        <p:spPr bwMode="auto">
-          <a:xfrm>
-            <a:off x="2675668" y="2276872"/>
-            <a:ext cx="6278936" cy="3701614"/>
-          </a:xfrm>
-          <a:prstGeom prst="rect">
-            <a:avLst/>
-          </a:prstGeom>
-          <a:noFill/>
-        </p:spPr>
-      </p:pic>
+          <a:p>
+            <a:pPr marL="523875" lvl="1" indent="-342900">
+              <a:buFont typeface="+mj-lt"/>
+              <a:buAutoNum type="arabicPeriod"/>
+            </a:pPr>
+            <a:r>
+              <a:rPr lang="en-US" altLang="de-DE" dirty="0" err="1"/>
+              <a:t>Bild</a:t>
+            </a:r>
+            <a:r>
+              <a:rPr lang="en-US" altLang="de-DE" dirty="0"/>
+              <a:t> </a:t>
+            </a:r>
+            <a:r>
+              <a:rPr lang="en-US" altLang="de-DE" dirty="0" err="1"/>
+              <a:t>aufhellen</a:t>
+            </a:r>
+            <a:endParaRPr lang="en-US" altLang="de-DE" dirty="0"/>
+          </a:p>
+          <a:p>
+            <a:pPr marL="523875" lvl="1" indent="-342900">
+              <a:buFont typeface="+mj-lt"/>
+              <a:buAutoNum type="arabicPeriod"/>
+            </a:pPr>
+            <a:r>
+              <a:rPr lang="en-US" altLang="de-DE" dirty="0" err="1"/>
+              <a:t>relevanten</a:t>
+            </a:r>
+            <a:r>
+              <a:rPr lang="en-US" altLang="de-DE" dirty="0"/>
+              <a:t> </a:t>
+            </a:r>
+            <a:r>
+              <a:rPr lang="en-US" altLang="de-DE" dirty="0" err="1"/>
+              <a:t>Bildausschnitt</a:t>
+            </a:r>
+            <a:r>
+              <a:rPr lang="en-US" altLang="de-DE" dirty="0"/>
+              <a:t> </a:t>
+            </a:r>
+            <a:r>
+              <a:rPr lang="en-US" altLang="de-DE" dirty="0" err="1"/>
+              <a:t>auswählen</a:t>
+            </a:r>
+            <a:endParaRPr lang="en-US" altLang="de-DE" dirty="0"/>
+          </a:p>
+          <a:p>
+            <a:pPr marL="523875" lvl="1" indent="-342900">
+              <a:buFont typeface="+mj-lt"/>
+              <a:buAutoNum type="arabicPeriod"/>
+            </a:pPr>
+            <a:r>
+              <a:rPr lang="en-US" altLang="de-DE" dirty="0" err="1"/>
+              <a:t>Farbfilterung</a:t>
+            </a:r>
+            <a:r>
+              <a:rPr lang="de-DE" altLang="de-DE" dirty="0"/>
+              <a:t> - </a:t>
+            </a:r>
+            <a:r>
+              <a:rPr lang="en-US" altLang="de-DE" dirty="0"/>
+              <a:t>Greyscale </a:t>
+            </a:r>
+            <a:r>
+              <a:rPr lang="en-US" altLang="de-DE" dirty="0" err="1"/>
+              <a:t>zu</a:t>
+            </a:r>
+            <a:r>
+              <a:rPr lang="en-US" altLang="de-DE" dirty="0"/>
+              <a:t> binary</a:t>
+            </a:r>
+          </a:p>
+          <a:p>
+            <a:pPr marL="523875" lvl="1" indent="-342900">
+              <a:buFont typeface="+mj-lt"/>
+              <a:buAutoNum type="arabicPeriod"/>
+            </a:pPr>
+            <a:r>
+              <a:rPr lang="en-US" altLang="de-DE" dirty="0" err="1"/>
+              <a:t>probalistische</a:t>
+            </a:r>
+            <a:r>
+              <a:rPr lang="en-US" altLang="de-DE" dirty="0"/>
+              <a:t> Hough Transformation, </a:t>
+            </a:r>
+            <a:r>
+              <a:rPr lang="en-US" altLang="de-DE" dirty="0" err="1"/>
+              <a:t>erzeugt</a:t>
+            </a:r>
+            <a:r>
+              <a:rPr lang="en-US" altLang="de-DE" dirty="0"/>
+              <a:t> </a:t>
+            </a:r>
+            <a:r>
+              <a:rPr lang="en-US" altLang="de-DE" dirty="0" err="1"/>
+              <a:t>Linien</a:t>
+            </a:r>
+            <a:endParaRPr lang="en-US" altLang="de-DE" dirty="0"/>
+          </a:p>
+          <a:p>
+            <a:pPr marL="523875" lvl="1" indent="-342900">
+              <a:buFont typeface="+mj-lt"/>
+              <a:buAutoNum type="arabicPeriod"/>
+            </a:pPr>
+            <a:r>
+              <a:rPr lang="en-US" altLang="de-DE" dirty="0" err="1"/>
+              <a:t>Auswahl</a:t>
+            </a:r>
+            <a:r>
+              <a:rPr lang="en-US" altLang="de-DE" dirty="0"/>
+              <a:t> der </a:t>
+            </a:r>
+            <a:r>
+              <a:rPr lang="en-US" altLang="de-DE" dirty="0" err="1"/>
+              <a:t>untersten</a:t>
+            </a:r>
+            <a:r>
+              <a:rPr lang="en-US" altLang="de-DE" dirty="0"/>
+              <a:t> </a:t>
+            </a:r>
+            <a:r>
+              <a:rPr lang="en-US" altLang="de-DE" dirty="0" err="1"/>
+              <a:t>Linie</a:t>
+            </a:r>
+            <a:r>
+              <a:rPr lang="en-US" altLang="de-DE" dirty="0"/>
+              <a:t>, </a:t>
+            </a:r>
+            <a:r>
+              <a:rPr lang="en-US" altLang="de-DE" dirty="0" err="1"/>
+              <a:t>verlängern</a:t>
+            </a:r>
+            <a:endParaRPr lang="en-US" altLang="de-DE" dirty="0"/>
+          </a:p>
+          <a:p>
+            <a:pPr marL="523875" lvl="1" indent="-342900">
+              <a:buFont typeface="+mj-lt"/>
+              <a:buAutoNum type="arabicPeriod"/>
+            </a:pPr>
+            <a:endParaRPr lang="en-US" altLang="de-DE" dirty="0"/>
+          </a:p>
+          <a:p>
+            <a:r>
+              <a:rPr lang="en-US" altLang="de-DE" dirty="0" err="1"/>
+              <a:t>Publishen</a:t>
+            </a:r>
+            <a:r>
+              <a:rPr lang="en-US" altLang="de-DE" dirty="0"/>
+              <a:t> der </a:t>
+            </a:r>
+            <a:r>
+              <a:rPr lang="de-DE" altLang="zh-CN" dirty="0">
+                <a:sym typeface="Wingdings" panose="05000000000000000000" pitchFamily="2" charset="2"/>
+              </a:rPr>
+              <a:t>„</a:t>
+            </a:r>
+            <a:r>
+              <a:rPr lang="en-US" altLang="de-DE" dirty="0" err="1"/>
+              <a:t>Wandkoordinaten</a:t>
+            </a:r>
+            <a:r>
+              <a:rPr lang="en-US" altLang="de-DE" dirty="0"/>
+              <a:t>”</a:t>
+            </a:r>
+          </a:p>
+          <a:p>
+            <a:endParaRPr lang="en-US" altLang="de-DE" dirty="0"/>
+          </a:p>
+          <a:p>
+            <a:r>
+              <a:rPr lang="en-US" altLang="de-DE" dirty="0" err="1"/>
+              <a:t>Interpretieren</a:t>
+            </a:r>
+            <a:r>
+              <a:rPr lang="en-US" altLang="de-DE" dirty="0"/>
+              <a:t> </a:t>
+            </a:r>
+            <a:r>
+              <a:rPr lang="en-US" altLang="de-DE" dirty="0" err="1"/>
+              <a:t>dieser</a:t>
+            </a:r>
+            <a:r>
+              <a:rPr lang="en-US" altLang="de-DE" dirty="0"/>
+              <a:t> </a:t>
+            </a:r>
+            <a:r>
+              <a:rPr lang="en-US" altLang="de-DE" dirty="0" err="1"/>
+              <a:t>Koordinaten</a:t>
+            </a:r>
+            <a:r>
+              <a:rPr lang="en-US" altLang="de-DE" dirty="0"/>
+              <a:t> in der </a:t>
+            </a:r>
+            <a:r>
+              <a:rPr lang="en-US" altLang="de-DE" dirty="0" err="1"/>
+              <a:t>Wallfollow</a:t>
+            </a:r>
+            <a:r>
+              <a:rPr lang="en-US" altLang="de-DE" dirty="0"/>
+              <a:t>-Node</a:t>
+            </a:r>
+          </a:p>
+        </p:txBody>
+      </p:sp>
     </p:spTree>
   </p:cSld>
   <p:clrMapOvr>
@@ -8073,10 +8831,9 @@
           <a:lstStyle/>
           <a:p>
             <a:r>
-              <a:rPr lang="de-DE" dirty="0" smtClean="0"/>
-              <a:t>Probleme</a:t>
-            </a:r>
-            <a:endParaRPr lang="de-DE" dirty="0"/>
+              <a:rPr lang="de-DE" dirty="0"/>
+              <a:t>Probleme und verworfene Ansätze</a:t>
+            </a:r>
           </a:p>
         </p:txBody>
       </p:sp>
@@ -8096,53 +8853,113 @@
           <a:lstStyle/>
           <a:p>
             <a:r>
-              <a:rPr lang="de-DE" dirty="0" smtClean="0"/>
-              <a:t>Anfänglich kein Bild der Weitwinkelkamera</a:t>
-            </a:r>
-          </a:p>
-          <a:p>
+              <a:rPr lang="de-DE" dirty="0"/>
+              <a:t>Probleme</a:t>
+            </a:r>
+          </a:p>
+          <a:p>
+            <a:pPr lvl="1"/>
+            <a:r>
+              <a:rPr lang="de-DE" dirty="0"/>
+              <a:t>Unterschiede der Farbdarstellung zwischen Kinect- und Weitwinkelkamera</a:t>
+            </a:r>
+          </a:p>
+          <a:p>
+            <a:pPr lvl="1"/>
+            <a:r>
+              <a:rPr lang="de-DE" dirty="0"/>
+              <a:t>Unzuverlässiger Front-Ultraschallsensor mit falschen Werten (in akustisch ungedämpfter Umgebung)</a:t>
+            </a:r>
+          </a:p>
+          <a:p>
+            <a:r>
+              <a:rPr lang="de-DE" dirty="0"/>
+              <a:t>Verworfene Ansätze</a:t>
+            </a:r>
+          </a:p>
+          <a:p>
+            <a:pPr lvl="1"/>
+            <a:r>
+              <a:rPr lang="de-DE" dirty="0"/>
+              <a:t>Bildfilterung durch Edge</a:t>
+            </a:r>
+            <a:br>
+              <a:rPr lang="de-DE" dirty="0"/>
+            </a:br>
+            <a:r>
+              <a:rPr lang="de-DE" dirty="0" err="1"/>
+              <a:t>Detection</a:t>
+            </a:r>
+            <a:r>
+              <a:rPr lang="de-DE" dirty="0"/>
+              <a:t> mit </a:t>
+            </a:r>
+            <a:r>
+              <a:rPr lang="de-DE" dirty="0" err="1"/>
+              <a:t>Canny</a:t>
+            </a:r>
             <a:endParaRPr lang="de-DE" dirty="0"/>
           </a:p>
           <a:p>
-            <a:r>
-              <a:rPr lang="de-DE" dirty="0" smtClean="0"/>
-              <a:t>Unterschiede der Farbdarstellung zwischen </a:t>
-            </a:r>
-            <a:r>
-              <a:rPr lang="de-DE" dirty="0" err="1" smtClean="0"/>
-              <a:t>Kinect</a:t>
-            </a:r>
-            <a:r>
-              <a:rPr lang="de-DE" dirty="0" smtClean="0"/>
-              <a:t>- und Weitwinkelkamera</a:t>
-            </a:r>
-          </a:p>
-          <a:p>
-            <a:endParaRPr lang="de-DE" dirty="0" smtClean="0"/>
-          </a:p>
-          <a:p>
-            <a:r>
-              <a:rPr lang="de-DE" dirty="0" smtClean="0"/>
-              <a:t>Aufschwingen beim </a:t>
-            </a:r>
-            <a:r>
-              <a:rPr lang="de-DE" dirty="0" err="1" smtClean="0"/>
-              <a:t>Wallfollower</a:t>
-            </a:r>
-            <a:endParaRPr lang="de-DE" dirty="0" smtClean="0"/>
-          </a:p>
-          <a:p>
-            <a:endParaRPr lang="de-DE" dirty="0" smtClean="0"/>
-          </a:p>
-          <a:p>
-            <a:r>
-              <a:rPr lang="de-DE" dirty="0" smtClean="0"/>
-              <a:t>Unzuverlässiger Front-Ultraschallsensor mit falschen Werten (je nach Umgebung)</a:t>
-            </a:r>
-            <a:endParaRPr lang="de-DE" dirty="0"/>
-          </a:p>
-        </p:txBody>
-      </p:sp>
+            <a:pPr lvl="1"/>
+            <a:r>
+              <a:rPr lang="de-DE" dirty="0"/>
+              <a:t>Bildfilterung mittels </a:t>
+            </a:r>
+            <a:br>
+              <a:rPr lang="de-DE" dirty="0"/>
+            </a:br>
+            <a:r>
+              <a:rPr lang="de-DE" dirty="0" err="1"/>
+              <a:t>Contour</a:t>
+            </a:r>
+            <a:r>
+              <a:rPr lang="de-DE" dirty="0"/>
+              <a:t> </a:t>
+            </a:r>
+            <a:r>
+              <a:rPr lang="de-DE" dirty="0" err="1"/>
+              <a:t>Detection</a:t>
+            </a:r>
+            <a:r>
+              <a:rPr lang="de-DE" dirty="0"/>
+              <a:t> </a:t>
+            </a:r>
+          </a:p>
+        </p:txBody>
+      </p:sp>
+      <p:pic>
+        <p:nvPicPr>
+          <p:cNvPr id="4" name="Picture 2" descr="C:\Users\Ramona\Dropbox\Studium\3. Semester\PS ES\AUDO\Dokumente\SCHOENES_BILD_JAJAJAJAJA_01a.png">
+            <a:extLst>
+              <a:ext uri="{FF2B5EF4-FFF2-40B4-BE49-F238E27FC236}">
+                <a16:creationId xmlns:a16="http://schemas.microsoft.com/office/drawing/2014/main" id="{32424CDE-AFCA-4C6F-AB3A-525B1CA60EB8}"/>
+              </a:ext>
+            </a:extLst>
+          </p:cNvPr>
+          <p:cNvPicPr>
+            <a:picLocks noChangeAspect="1" noChangeArrowheads="1"/>
+          </p:cNvPicPr>
+          <p:nvPr/>
+        </p:nvPicPr>
+        <p:blipFill>
+          <a:blip r:embed="rId3"/>
+          <a:srcRect/>
+          <a:stretch>
+            <a:fillRect/>
+          </a:stretch>
+        </p:blipFill>
+        <p:spPr bwMode="auto">
+          <a:xfrm>
+            <a:off x="3635895" y="3212976"/>
+            <a:ext cx="5007945" cy="2952328"/>
+          </a:xfrm>
+          <a:prstGeom prst="rect">
+            <a:avLst/>
+          </a:prstGeom>
+          <a:noFill/>
+        </p:spPr>
+      </p:pic>
     </p:spTree>
   </p:cSld>
   <p:clrMapOvr>
@@ -8184,10 +9001,26 @@
           <a:lstStyle/>
           <a:p>
             <a:r>
-              <a:rPr lang="de-DE" dirty="0" smtClean="0"/>
-              <a:t>2. Thema</a:t>
-            </a:r>
-            <a:endParaRPr lang="de-DE" dirty="0"/>
+              <a:rPr lang="en-GB" dirty="0" err="1"/>
+              <a:t>Ausblick</a:t>
+            </a:r>
+            <a:r>
+              <a:rPr lang="en-GB" dirty="0"/>
+              <a:t> und </a:t>
+            </a:r>
+            <a:r>
+              <a:rPr lang="en-GB" dirty="0" err="1"/>
+              <a:t>zweites</a:t>
+            </a:r>
+            <a:r>
+              <a:rPr lang="en-GB" dirty="0"/>
+              <a:t> </a:t>
+            </a:r>
+            <a:r>
+              <a:rPr lang="en-GB" dirty="0" err="1"/>
+              <a:t>Thema</a:t>
+            </a:r>
+            <a:endParaRPr lang="en-GB" dirty="0"/>
           </a:p>
         </p:txBody>
       </p:sp>
@@ -8207,22 +9040,33 @@
           <a:lstStyle/>
           <a:p>
             <a:r>
-              <a:rPr lang="de-DE" dirty="0" smtClean="0"/>
-              <a:t>Hinderniserkennung mit Spurwechsel</a:t>
+              <a:rPr lang="de-DE" dirty="0"/>
+              <a:t>Zweites Thema: Hinderniserkennung mit Spurwechsel</a:t>
             </a:r>
           </a:p>
           <a:p>
             <a:pPr lvl="1"/>
             <a:r>
-              <a:rPr lang="de-DE" dirty="0" smtClean="0"/>
-              <a:t>Entweder an linker Außenlinie oder Mittellinie entlang beim Wechsel</a:t>
+              <a:rPr lang="de-DE" dirty="0"/>
+              <a:t>Abstandsmessung zur Erkennung eines Hindernisses</a:t>
             </a:r>
           </a:p>
           <a:p>
             <a:pPr lvl="1"/>
             <a:r>
-              <a:rPr lang="de-DE" dirty="0" smtClean="0"/>
-              <a:t>Abstandsmessung zum Hindernis</a:t>
+              <a:rPr lang="de-DE" dirty="0"/>
+              <a:t>Stützung der Hinderniserkennung mittels Tiefenbild oder Farbkamera</a:t>
+            </a:r>
+          </a:p>
+          <a:p>
+            <a:pPr lvl="1"/>
+            <a:r>
+              <a:rPr lang="de-DE" dirty="0"/>
+              <a:t>Wechsel der Orientierungslinie zum Umfahren </a:t>
+            </a:r>
+            <a:r>
+              <a:rPr lang="de-DE"/>
+              <a:t>des Hindernisses</a:t>
             </a:r>
             <a:endParaRPr lang="de-DE" dirty="0"/>
           </a:p>

--- a/Dokumente/Präsentationen/Zwischenpräsentation.pptx
+++ b/Dokumente/Präsentationen/Zwischenpräsentation.pptx
@@ -7159,7 +7159,7 @@
                 <a:ea typeface="+mn-ea"/>
                 <a:cs typeface="+mn-cs"/>
               </a:rPr>
-              <a:t>10. Dezember 2018</a:t>
+              <a:t>11. Dezember 2018</a:t>
             </a:fld>
             <a:r>
               <a:rPr kumimoji="0" lang="en-US" sz="1100" b="0" i="0" u="none" strike="noStrike" kern="1200" cap="none" spc="0" normalizeH="0" baseline="0" noProof="0" dirty="0">
@@ -7680,24 +7680,20 @@
           <a:p>
             <a:r>
               <a:rPr lang="de-DE" dirty="0"/>
-              <a:t>Nils Wittig, </a:t>
-            </a:r>
-            <a:r>
-              <a:rPr lang="de-DE" dirty="0" err="1"/>
-              <a:t>iST</a:t>
-            </a:r>
-            <a:endParaRPr lang="de-DE" dirty="0"/>
-          </a:p>
-          <a:p>
-            <a:r>
-              <a:rPr lang="de-DE" dirty="0"/>
-              <a:t>Fabian Burger, </a:t>
-            </a:r>
-            <a:r>
-              <a:rPr lang="de-DE" dirty="0" err="1"/>
-              <a:t>iST</a:t>
-            </a:r>
-            <a:endParaRPr lang="de-DE" dirty="0"/>
+              <a:t>Nils Wittig, iST</a:t>
+            </a:r>
+          </a:p>
+          <a:p>
+            <a:r>
+              <a:rPr lang="de-DE" dirty="0"/>
+              <a:t>Maike Latsch, iST</a:t>
+            </a:r>
+          </a:p>
+          <a:p>
+            <a:r>
+              <a:rPr lang="de-DE" dirty="0"/>
+              <a:t>Fabian Burger, iST, MEC</a:t>
+            </a:r>
           </a:p>
           <a:p>
             <a:r>
@@ -7707,17 +7703,6 @@
             <a:r>
               <a:rPr lang="de-DE" dirty="0" err="1"/>
               <a:t>Wi-Etit</a:t>
-            </a:r>
-            <a:endParaRPr lang="de-DE" dirty="0"/>
-          </a:p>
-          <a:p>
-            <a:r>
-              <a:rPr lang="de-DE" dirty="0"/>
-              <a:t>Maike Latsch, </a:t>
-            </a:r>
-            <a:r>
-              <a:rPr lang="de-DE" dirty="0" err="1"/>
-              <a:t>iST</a:t>
             </a:r>
             <a:endParaRPr lang="de-DE" dirty="0"/>
           </a:p>
@@ -8534,7 +8519,7 @@
             </a:r>
             <a:r>
               <a:rPr lang="en-US" altLang="de-DE" dirty="0" err="1"/>
-              <a:t>virteller</a:t>
+              <a:t>virtueller</a:t>
             </a:r>
             <a:r>
               <a:rPr lang="en-US" altLang="de-DE" dirty="0"/>

--- a/Dokumente/Präsentationen/Zwischenpräsentation.pptx
+++ b/Dokumente/Präsentationen/Zwischenpräsentation.pptx
@@ -7680,20 +7680,24 @@
           <a:p>
             <a:r>
               <a:rPr lang="de-DE" dirty="0"/>
-              <a:t>Nils Wittig, iST</a:t>
-            </a:r>
-          </a:p>
-          <a:p>
-            <a:r>
-              <a:rPr lang="de-DE" dirty="0"/>
-              <a:t>Maike Latsch, iST</a:t>
-            </a:r>
-          </a:p>
-          <a:p>
-            <a:r>
-              <a:rPr lang="de-DE" dirty="0"/>
-              <a:t>Fabian Burger, iST, MEC</a:t>
-            </a:r>
+              <a:t>Nils Wittig, </a:t>
+            </a:r>
+            <a:r>
+              <a:rPr lang="de-DE" dirty="0" err="1"/>
+              <a:t>iST</a:t>
+            </a:r>
+            <a:endParaRPr lang="de-DE" dirty="0"/>
+          </a:p>
+          <a:p>
+            <a:r>
+              <a:rPr lang="de-DE" dirty="0"/>
+              <a:t>Fabian Burger, </a:t>
+            </a:r>
+            <a:r>
+              <a:rPr lang="de-DE" dirty="0" err="1"/>
+              <a:t>iST</a:t>
+            </a:r>
+            <a:endParaRPr lang="de-DE" dirty="0"/>
           </a:p>
           <a:p>
             <a:r>
@@ -7703,6 +7707,17 @@
             <a:r>
               <a:rPr lang="de-DE" dirty="0" err="1"/>
               <a:t>Wi-Etit</a:t>
+            </a:r>
+            <a:endParaRPr lang="de-DE" dirty="0"/>
+          </a:p>
+          <a:p>
+            <a:r>
+              <a:rPr lang="de-DE" dirty="0"/>
+              <a:t>Maike Latsch, </a:t>
+            </a:r>
+            <a:r>
+              <a:rPr lang="de-DE" dirty="0" err="1"/>
+              <a:t>iST</a:t>
             </a:r>
             <a:endParaRPr lang="de-DE" dirty="0"/>
           </a:p>
@@ -8519,7 +8534,7 @@
             </a:r>
             <a:r>
               <a:rPr lang="en-US" altLang="de-DE" dirty="0" err="1"/>
-              <a:t>virtueller</a:t>
+              <a:t>virteller</a:t>
             </a:r>
             <a:r>
               <a:rPr lang="en-US" altLang="de-DE" dirty="0"/>
@@ -8866,7 +8881,7 @@
             <a:pPr lvl="1"/>
             <a:r>
               <a:rPr lang="de-DE" dirty="0"/>
-              <a:t>Bildfilterung durch Edge</a:t>
+              <a:t>Bildfilterung und Edge</a:t>
             </a:r>
             <a:br>
               <a:rPr lang="de-DE" dirty="0"/>
@@ -8888,13 +8903,6 @@
           <a:p>
             <a:pPr lvl="1"/>
             <a:r>
-              <a:rPr lang="de-DE" dirty="0"/>
-              <a:t>Bildfilterung mittels </a:t>
-            </a:r>
-            <a:br>
-              <a:rPr lang="de-DE" dirty="0"/>
-            </a:br>
-            <a:r>
               <a:rPr lang="de-DE" dirty="0" err="1"/>
               <a:t>Contour</a:t>
             </a:r>
@@ -8906,6 +8914,42 @@
               <a:rPr lang="de-DE" dirty="0" err="1"/>
               <a:t>Detection</a:t>
             </a:r>
+            <a:r>
+              <a:rPr lang="de-DE" dirty="0"/>
+              <a:t> </a:t>
+            </a:r>
+            <a:br>
+              <a:rPr lang="de-DE" dirty="0"/>
+            </a:br>
+            <a:r>
+              <a:rPr lang="de-DE" dirty="0"/>
+              <a:t>und malen des kleinsten </a:t>
+            </a:r>
+            <a:br>
+              <a:rPr lang="de-DE" dirty="0"/>
+            </a:br>
+            <a:r>
+              <a:rPr lang="de-DE" dirty="0"/>
+              <a:t>umrandenden Rechtecks</a:t>
+            </a:r>
+          </a:p>
+          <a:p>
+            <a:pPr marL="180975" lvl="1" indent="0">
+              <a:buNone/>
+            </a:pPr>
+            <a:endParaRPr lang="de-DE" dirty="0"/>
+          </a:p>
+          <a:p>
+            <a:pPr marL="180975" lvl="1" indent="0">
+              <a:buNone/>
+            </a:pPr>
+            <a:r>
+              <a:rPr lang="de-DE" dirty="0"/>
+              <a:t> </a:t>
+            </a:r>
+            <a:br>
+              <a:rPr lang="de-DE" dirty="0"/>
+            </a:br>
             <a:r>
               <a:rPr lang="de-DE" dirty="0"/>
               <a:t> </a:t>
